--- a/sujet/projet.pptx
+++ b/sujet/projet.pptx
@@ -11,6 +11,8 @@
     <p:sldId id="262" r:id="rId5"/>
     <p:sldId id="261" r:id="rId6"/>
     <p:sldId id="260" r:id="rId7"/>
+    <p:sldId id="263" r:id="rId8"/>
+    <p:sldId id="264" r:id="rId9"/>
   </p:sldIdLst>
   <p:sldSz cx="9144000" cy="6858000" type="screen4x3"/>
   <p:notesSz cx="6858000" cy="9144000"/>
@@ -293,7 +295,7 @@
           <a:p>
             <a:fld id="{EED1BF83-14CE-4247-97F1-FE92E7B266FB}" type="datetimeFigureOut">
               <a:rPr lang="en-US" smtClean="0"/>
-              <a:t>11/7/2013</a:t>
+              <a:t>11/12/2013</a:t>
             </a:fld>
             <a:endParaRPr lang="en-US"/>
           </a:p>
@@ -463,7 +465,7 @@
           <a:p>
             <a:fld id="{EED1BF83-14CE-4247-97F1-FE92E7B266FB}" type="datetimeFigureOut">
               <a:rPr lang="en-US" smtClean="0"/>
-              <a:t>11/7/2013</a:t>
+              <a:t>11/12/2013</a:t>
             </a:fld>
             <a:endParaRPr lang="en-US"/>
           </a:p>
@@ -643,7 +645,7 @@
           <a:p>
             <a:fld id="{EED1BF83-14CE-4247-97F1-FE92E7B266FB}" type="datetimeFigureOut">
               <a:rPr lang="en-US" smtClean="0"/>
-              <a:t>11/7/2013</a:t>
+              <a:t>11/12/2013</a:t>
             </a:fld>
             <a:endParaRPr lang="en-US"/>
           </a:p>
@@ -813,7 +815,7 @@
           <a:p>
             <a:fld id="{EED1BF83-14CE-4247-97F1-FE92E7B266FB}" type="datetimeFigureOut">
               <a:rPr lang="en-US" smtClean="0"/>
-              <a:t>11/7/2013</a:t>
+              <a:t>11/12/2013</a:t>
             </a:fld>
             <a:endParaRPr lang="en-US"/>
           </a:p>
@@ -1059,7 +1061,7 @@
           <a:p>
             <a:fld id="{EED1BF83-14CE-4247-97F1-FE92E7B266FB}" type="datetimeFigureOut">
               <a:rPr lang="en-US" smtClean="0"/>
-              <a:t>11/7/2013</a:t>
+              <a:t>11/12/2013</a:t>
             </a:fld>
             <a:endParaRPr lang="en-US"/>
           </a:p>
@@ -1347,7 +1349,7 @@
           <a:p>
             <a:fld id="{EED1BF83-14CE-4247-97F1-FE92E7B266FB}" type="datetimeFigureOut">
               <a:rPr lang="en-US" smtClean="0"/>
-              <a:t>11/7/2013</a:t>
+              <a:t>11/12/2013</a:t>
             </a:fld>
             <a:endParaRPr lang="en-US"/>
           </a:p>
@@ -1769,7 +1771,7 @@
           <a:p>
             <a:fld id="{EED1BF83-14CE-4247-97F1-FE92E7B266FB}" type="datetimeFigureOut">
               <a:rPr lang="en-US" smtClean="0"/>
-              <a:t>11/7/2013</a:t>
+              <a:t>11/12/2013</a:t>
             </a:fld>
             <a:endParaRPr lang="en-US"/>
           </a:p>
@@ -1887,7 +1889,7 @@
           <a:p>
             <a:fld id="{EED1BF83-14CE-4247-97F1-FE92E7B266FB}" type="datetimeFigureOut">
               <a:rPr lang="en-US" smtClean="0"/>
-              <a:t>11/7/2013</a:t>
+              <a:t>11/12/2013</a:t>
             </a:fld>
             <a:endParaRPr lang="en-US"/>
           </a:p>
@@ -1982,7 +1984,7 @@
           <a:p>
             <a:fld id="{EED1BF83-14CE-4247-97F1-FE92E7B266FB}" type="datetimeFigureOut">
               <a:rPr lang="en-US" smtClean="0"/>
-              <a:t>11/7/2013</a:t>
+              <a:t>11/12/2013</a:t>
             </a:fld>
             <a:endParaRPr lang="en-US"/>
           </a:p>
@@ -2259,7 +2261,7 @@
           <a:p>
             <a:fld id="{EED1BF83-14CE-4247-97F1-FE92E7B266FB}" type="datetimeFigureOut">
               <a:rPr lang="en-US" smtClean="0"/>
-              <a:t>11/7/2013</a:t>
+              <a:t>11/12/2013</a:t>
             </a:fld>
             <a:endParaRPr lang="en-US"/>
           </a:p>
@@ -2512,7 +2514,7 @@
           <a:p>
             <a:fld id="{EED1BF83-14CE-4247-97F1-FE92E7B266FB}" type="datetimeFigureOut">
               <a:rPr lang="en-US" smtClean="0"/>
-              <a:t>11/7/2013</a:t>
+              <a:t>11/12/2013</a:t>
             </a:fld>
             <a:endParaRPr lang="en-US"/>
           </a:p>
@@ -2725,7 +2727,7 @@
           <a:p>
             <a:fld id="{EED1BF83-14CE-4247-97F1-FE92E7B266FB}" type="datetimeFigureOut">
               <a:rPr lang="en-US" smtClean="0"/>
-              <a:t>11/7/2013</a:t>
+              <a:t>11/12/2013</a:t>
             </a:fld>
             <a:endParaRPr lang="en-US"/>
           </a:p>
@@ -12339,6 +12341,7357 @@
 </p:sld>
 </file>
 
+<file path=ppt/slides/slide7.xml><?xml version="1.0" encoding="utf-8"?>
+<p:sld xmlns:a="http://schemas.openxmlformats.org/drawingml/2006/main" xmlns:r="http://schemas.openxmlformats.org/officeDocument/2006/relationships" xmlns:p="http://schemas.openxmlformats.org/presentationml/2006/main">
+  <p:cSld>
+    <p:spTree>
+      <p:nvGrpSpPr>
+        <p:cNvPr id="1" name=""/>
+        <p:cNvGrpSpPr/>
+        <p:nvPr/>
+      </p:nvGrpSpPr>
+      <p:grpSpPr>
+        <a:xfrm>
+          <a:off x="0" y="0"/>
+          <a:ext cx="0" cy="0"/>
+          <a:chOff x="0" y="0"/>
+          <a:chExt cx="0" cy="0"/>
+        </a:xfrm>
+      </p:grpSpPr>
+      <p:sp>
+        <p:nvSpPr>
+          <p:cNvPr id="29" name="ZoneTexte 28"/>
+          <p:cNvSpPr txBox="1"/>
+          <p:nvPr/>
+        </p:nvSpPr>
+        <p:spPr>
+          <a:xfrm>
+            <a:off x="2518787" y="2564904"/>
+            <a:ext cx="231154" cy="215444"/>
+          </a:xfrm>
+          <a:prstGeom prst="rect">
+            <a:avLst/>
+          </a:prstGeom>
+          <a:noFill/>
+        </p:spPr>
+        <p:txBody>
+          <a:bodyPr wrap="none" rtlCol="0">
+            <a:spAutoFit/>
+          </a:bodyPr>
+          <a:lstStyle/>
+          <a:p>
+            <a:r>
+              <a:rPr lang="en-US" sz="800" dirty="0" smtClean="0">
+                <a:solidFill>
+                  <a:srgbClr val="FF0000"/>
+                </a:solidFill>
+              </a:rPr>
+              <a:t>y</a:t>
+            </a:r>
+            <a:endParaRPr lang="en-US" sz="800" dirty="0">
+              <a:solidFill>
+                <a:srgbClr val="FF0000"/>
+              </a:solidFill>
+            </a:endParaRPr>
+          </a:p>
+        </p:txBody>
+      </p:sp>
+      <p:sp>
+        <p:nvSpPr>
+          <p:cNvPr id="30" name="ZoneTexte 29"/>
+          <p:cNvSpPr txBox="1"/>
+          <p:nvPr/>
+        </p:nvSpPr>
+        <p:spPr>
+          <a:xfrm>
+            <a:off x="2539302" y="2839555"/>
+            <a:ext cx="251992" cy="215444"/>
+          </a:xfrm>
+          <a:prstGeom prst="rect">
+            <a:avLst/>
+          </a:prstGeom>
+          <a:noFill/>
+        </p:spPr>
+        <p:txBody>
+          <a:bodyPr wrap="none" rtlCol="0">
+            <a:spAutoFit/>
+          </a:bodyPr>
+          <a:lstStyle/>
+          <a:p>
+            <a:r>
+              <a:rPr lang="en-US" sz="800" dirty="0"/>
+              <a:t>O</a:t>
+            </a:r>
+          </a:p>
+        </p:txBody>
+      </p:sp>
+      <p:sp>
+        <p:nvSpPr>
+          <p:cNvPr id="32" name="ZoneTexte 31"/>
+          <p:cNvSpPr txBox="1"/>
+          <p:nvPr/>
+        </p:nvSpPr>
+        <p:spPr>
+          <a:xfrm>
+            <a:off x="2740649" y="2811923"/>
+            <a:ext cx="229550" cy="215444"/>
+          </a:xfrm>
+          <a:prstGeom prst="rect">
+            <a:avLst/>
+          </a:prstGeom>
+          <a:noFill/>
+        </p:spPr>
+        <p:txBody>
+          <a:bodyPr wrap="none" rtlCol="0">
+            <a:spAutoFit/>
+          </a:bodyPr>
+          <a:lstStyle/>
+          <a:p>
+            <a:r>
+              <a:rPr lang="en-US" sz="800" dirty="0" smtClean="0">
+                <a:solidFill>
+                  <a:srgbClr val="00B0F0"/>
+                </a:solidFill>
+              </a:rPr>
+              <a:t>x</a:t>
+            </a:r>
+            <a:endParaRPr lang="en-US" sz="800" dirty="0">
+              <a:solidFill>
+                <a:srgbClr val="00B0F0"/>
+              </a:solidFill>
+            </a:endParaRPr>
+          </a:p>
+        </p:txBody>
+      </p:sp>
+      <p:cxnSp>
+        <p:nvCxnSpPr>
+          <p:cNvPr id="33" name="Connecteur droit 32"/>
+          <p:cNvCxnSpPr/>
+          <p:nvPr/>
+        </p:nvCxnSpPr>
+        <p:spPr>
+          <a:xfrm flipH="1">
+            <a:off x="2715513" y="2888070"/>
+            <a:ext cx="280987" cy="1"/>
+          </a:xfrm>
+          <a:prstGeom prst="line">
+            <a:avLst/>
+          </a:prstGeom>
+          <a:ln w="15875">
+            <a:solidFill>
+              <a:srgbClr val="00B0F0"/>
+            </a:solidFill>
+            <a:prstDash val="solid"/>
+            <a:headEnd type="triangle"/>
+            <a:tailEnd type="none"/>
+          </a:ln>
+        </p:spPr>
+        <p:style>
+          <a:lnRef idx="1">
+            <a:schemeClr val="accent1"/>
+          </a:lnRef>
+          <a:fillRef idx="0">
+            <a:schemeClr val="accent1"/>
+          </a:fillRef>
+          <a:effectRef idx="0">
+            <a:schemeClr val="accent1"/>
+          </a:effectRef>
+          <a:fontRef idx="minor">
+            <a:schemeClr val="tx1"/>
+          </a:fontRef>
+        </p:style>
+      </p:cxnSp>
+      <p:cxnSp>
+        <p:nvCxnSpPr>
+          <p:cNvPr id="34" name="Connecteur droit 33"/>
+          <p:cNvCxnSpPr/>
+          <p:nvPr/>
+        </p:nvCxnSpPr>
+        <p:spPr>
+          <a:xfrm>
+            <a:off x="2715513" y="2609680"/>
+            <a:ext cx="0" cy="278391"/>
+          </a:xfrm>
+          <a:prstGeom prst="line">
+            <a:avLst/>
+          </a:prstGeom>
+          <a:ln w="15875">
+            <a:solidFill>
+              <a:srgbClr val="FF0000"/>
+            </a:solidFill>
+            <a:prstDash val="solid"/>
+            <a:headEnd type="triangle"/>
+            <a:tailEnd type="none"/>
+          </a:ln>
+        </p:spPr>
+        <p:style>
+          <a:lnRef idx="1">
+            <a:schemeClr val="accent1"/>
+          </a:lnRef>
+          <a:fillRef idx="0">
+            <a:schemeClr val="accent1"/>
+          </a:fillRef>
+          <a:effectRef idx="0">
+            <a:schemeClr val="accent1"/>
+          </a:effectRef>
+          <a:fontRef idx="minor">
+            <a:schemeClr val="tx1"/>
+          </a:fontRef>
+        </p:style>
+      </p:cxnSp>
+      <p:sp>
+        <p:nvSpPr>
+          <p:cNvPr id="69" name="ZoneTexte 68"/>
+          <p:cNvSpPr txBox="1"/>
+          <p:nvPr/>
+        </p:nvSpPr>
+        <p:spPr>
+          <a:xfrm>
+            <a:off x="755576" y="3759808"/>
+            <a:ext cx="462308" cy="430888"/>
+          </a:xfrm>
+          <a:prstGeom prst="rect">
+            <a:avLst/>
+          </a:prstGeom>
+          <a:noFill/>
+        </p:spPr>
+        <p:txBody>
+          <a:bodyPr wrap="none" rtlCol="0">
+            <a:spAutoFit/>
+          </a:bodyPr>
+          <a:lstStyle/>
+          <a:p>
+            <a:r>
+              <a:rPr lang="en-US" sz="800" dirty="0" smtClean="0">
+                <a:solidFill>
+                  <a:srgbClr val="FF0000"/>
+                </a:solidFill>
+              </a:rPr>
+              <a:t>y</a:t>
+            </a:r>
+            <a:endParaRPr lang="en-US" sz="800" dirty="0">
+              <a:solidFill>
+                <a:srgbClr val="FF0000"/>
+              </a:solidFill>
+            </a:endParaRPr>
+          </a:p>
+        </p:txBody>
+      </p:sp>
+      <p:grpSp>
+        <p:nvGrpSpPr>
+          <p:cNvPr id="112" name="Groupe 111"/>
+          <p:cNvGrpSpPr/>
+          <p:nvPr/>
+        </p:nvGrpSpPr>
+        <p:grpSpPr>
+          <a:xfrm>
+            <a:off x="801394" y="3359420"/>
+            <a:ext cx="1213969" cy="1182510"/>
+            <a:chOff x="801394" y="3359420"/>
+            <a:chExt cx="1213969" cy="1182510"/>
+          </a:xfrm>
+        </p:grpSpPr>
+        <p:sp>
+          <p:nvSpPr>
+            <p:cNvPr id="63" name="ZoneTexte 62"/>
+            <p:cNvSpPr txBox="1"/>
+            <p:nvPr/>
+          </p:nvSpPr>
+          <p:spPr>
+            <a:xfrm>
+              <a:off x="1303474" y="4111042"/>
+              <a:ext cx="459100" cy="430888"/>
+            </a:xfrm>
+            <a:prstGeom prst="rect">
+              <a:avLst/>
+            </a:prstGeom>
+            <a:noFill/>
+          </p:spPr>
+          <p:txBody>
+            <a:bodyPr wrap="none" rtlCol="0">
+              <a:spAutoFit/>
+            </a:bodyPr>
+            <a:lstStyle/>
+            <a:p>
+              <a:r>
+                <a:rPr lang="en-US" sz="800" dirty="0" smtClean="0">
+                  <a:solidFill>
+                    <a:srgbClr val="00B0F0"/>
+                  </a:solidFill>
+                </a:rPr>
+                <a:t>x</a:t>
+              </a:r>
+              <a:endParaRPr lang="en-US" sz="800" dirty="0">
+                <a:solidFill>
+                  <a:srgbClr val="00B0F0"/>
+                </a:solidFill>
+              </a:endParaRPr>
+            </a:p>
+          </p:txBody>
+        </p:sp>
+        <p:sp>
+          <p:nvSpPr>
+            <p:cNvPr id="54" name="ZoneTexte 53"/>
+            <p:cNvSpPr txBox="1">
+              <a:spLocks noChangeAspect="1"/>
+            </p:cNvSpPr>
+            <p:nvPr/>
+          </p:nvSpPr>
+          <p:spPr>
+            <a:xfrm>
+              <a:off x="1437949" y="3692337"/>
+              <a:ext cx="201799" cy="215444"/>
+            </a:xfrm>
+            <a:prstGeom prst="rect">
+              <a:avLst/>
+            </a:prstGeom>
+            <a:noFill/>
+            <a:ln>
+              <a:noFill/>
+            </a:ln>
+          </p:spPr>
+          <p:txBody>
+            <a:bodyPr wrap="square" rtlCol="0">
+              <a:spAutoFit/>
+            </a:bodyPr>
+            <a:lstStyle/>
+            <a:p>
+              <a:r>
+                <a:rPr lang="en-US" sz="800" dirty="0" smtClean="0"/>
+                <a:t>b</a:t>
+              </a:r>
+              <a:endParaRPr lang="en-US" sz="800" dirty="0"/>
+            </a:p>
+          </p:txBody>
+        </p:sp>
+        <p:cxnSp>
+          <p:nvCxnSpPr>
+            <p:cNvPr id="60" name="Connecteur droit 59"/>
+            <p:cNvCxnSpPr/>
+            <p:nvPr/>
+          </p:nvCxnSpPr>
+          <p:spPr>
+            <a:xfrm rot="20206554" flipH="1">
+              <a:off x="1453389" y="3889572"/>
+              <a:ext cx="561974" cy="2"/>
+            </a:xfrm>
+            <a:prstGeom prst="line">
+              <a:avLst/>
+            </a:prstGeom>
+            <a:ln w="15875">
+              <a:solidFill>
+                <a:schemeClr val="tx1"/>
+              </a:solidFill>
+              <a:prstDash val="solid"/>
+              <a:headEnd type="triangle"/>
+              <a:tailEnd type="none"/>
+            </a:ln>
+          </p:spPr>
+          <p:style>
+            <a:lnRef idx="1">
+              <a:schemeClr val="accent1"/>
+            </a:lnRef>
+            <a:fillRef idx="0">
+              <a:schemeClr val="accent1"/>
+            </a:fillRef>
+            <a:effectRef idx="0">
+              <a:schemeClr val="accent1"/>
+            </a:effectRef>
+            <a:fontRef idx="minor">
+              <a:schemeClr val="tx1"/>
+            </a:fontRef>
+          </p:style>
+        </p:cxnSp>
+        <p:cxnSp>
+          <p:nvCxnSpPr>
+            <p:cNvPr id="64" name="Connecteur droit 63"/>
+            <p:cNvCxnSpPr/>
+            <p:nvPr/>
+          </p:nvCxnSpPr>
+          <p:spPr>
+            <a:xfrm rot="20206554">
+              <a:off x="1366380" y="3466152"/>
+              <a:ext cx="0" cy="556782"/>
+            </a:xfrm>
+            <a:prstGeom prst="line">
+              <a:avLst/>
+            </a:prstGeom>
+            <a:ln w="15875">
+              <a:solidFill>
+                <a:srgbClr val="7030A0"/>
+              </a:solidFill>
+              <a:prstDash val="solid"/>
+              <a:headEnd type="triangle"/>
+              <a:tailEnd type="none"/>
+            </a:ln>
+          </p:spPr>
+          <p:style>
+            <a:lnRef idx="1">
+              <a:schemeClr val="accent1"/>
+            </a:lnRef>
+            <a:fillRef idx="0">
+              <a:schemeClr val="accent1"/>
+            </a:fillRef>
+            <a:effectRef idx="0">
+              <a:schemeClr val="accent1"/>
+            </a:effectRef>
+            <a:fontRef idx="minor">
+              <a:schemeClr val="tx1"/>
+            </a:fontRef>
+          </p:style>
+        </p:cxnSp>
+        <p:sp>
+          <p:nvSpPr>
+            <p:cNvPr id="65" name="ZoneTexte 64"/>
+            <p:cNvSpPr txBox="1"/>
+            <p:nvPr/>
+          </p:nvSpPr>
+          <p:spPr>
+            <a:xfrm>
+              <a:off x="1729638" y="3656052"/>
+              <a:ext cx="234360" cy="215444"/>
+            </a:xfrm>
+            <a:prstGeom prst="rect">
+              <a:avLst/>
+            </a:prstGeom>
+            <a:noFill/>
+            <a:ln>
+              <a:noFill/>
+            </a:ln>
+          </p:spPr>
+          <p:txBody>
+            <a:bodyPr wrap="none" rtlCol="0">
+              <a:spAutoFit/>
+            </a:bodyPr>
+            <a:lstStyle/>
+            <a:p>
+              <a:r>
+                <a:rPr lang="en-US" sz="800" dirty="0"/>
+                <a:t>a</a:t>
+              </a:r>
+              <a:endParaRPr lang="en-US" sz="800" dirty="0"/>
+            </a:p>
+          </p:txBody>
+        </p:sp>
+        <p:sp>
+          <p:nvSpPr>
+            <p:cNvPr id="66" name="ZoneTexte 65"/>
+            <p:cNvSpPr txBox="1"/>
+            <p:nvPr/>
+          </p:nvSpPr>
+          <p:spPr>
+            <a:xfrm>
+              <a:off x="1116581" y="3685514"/>
+              <a:ext cx="239168" cy="215444"/>
+            </a:xfrm>
+            <a:prstGeom prst="rect">
+              <a:avLst/>
+            </a:prstGeom>
+            <a:noFill/>
+            <a:ln>
+              <a:noFill/>
+            </a:ln>
+          </p:spPr>
+          <p:txBody>
+            <a:bodyPr wrap="none" rtlCol="0">
+              <a:spAutoFit/>
+            </a:bodyPr>
+            <a:lstStyle/>
+            <a:p>
+              <a:r>
+                <a:rPr lang="en-US" sz="800" dirty="0" smtClean="0">
+                  <a:solidFill>
+                    <a:srgbClr val="7030A0"/>
+                  </a:solidFill>
+                </a:rPr>
+                <a:t>u</a:t>
+              </a:r>
+              <a:endParaRPr lang="en-US" sz="800" dirty="0">
+                <a:solidFill>
+                  <a:srgbClr val="7030A0"/>
+                </a:solidFill>
+              </a:endParaRPr>
+            </a:p>
+          </p:txBody>
+        </p:sp>
+        <p:sp>
+          <p:nvSpPr>
+            <p:cNvPr id="77" name="Arc 76"/>
+            <p:cNvSpPr>
+              <a:spLocks noChangeAspect="1"/>
+            </p:cNvSpPr>
+            <p:nvPr/>
+          </p:nvSpPr>
+          <p:spPr>
+            <a:xfrm rot="9406554">
+              <a:off x="1141186" y="3359420"/>
+              <a:ext cx="241955" cy="253806"/>
+            </a:xfrm>
+            <a:prstGeom prst="arc">
+              <a:avLst>
+                <a:gd name="adj1" fmla="val 19747006"/>
+                <a:gd name="adj2" fmla="val 14394114"/>
+              </a:avLst>
+            </a:prstGeom>
+            <a:ln>
+              <a:solidFill>
+                <a:srgbClr val="7030A0"/>
+              </a:solidFill>
+              <a:headEnd type="none"/>
+              <a:tailEnd type="triangle"/>
+            </a:ln>
+            <a:scene3d>
+              <a:camera prst="orthographicFront">
+                <a:rot lat="3900000" lon="0" rev="0"/>
+              </a:camera>
+              <a:lightRig rig="threePt" dir="t"/>
+            </a:scene3d>
+          </p:spPr>
+          <p:style>
+            <a:lnRef idx="1">
+              <a:schemeClr val="accent1"/>
+            </a:lnRef>
+            <a:fillRef idx="0">
+              <a:schemeClr val="accent1"/>
+            </a:fillRef>
+            <a:effectRef idx="0">
+              <a:schemeClr val="accent1"/>
+            </a:effectRef>
+            <a:fontRef idx="minor">
+              <a:schemeClr val="tx1"/>
+            </a:fontRef>
+          </p:style>
+          <p:txBody>
+            <a:bodyPr rtlCol="0" anchor="ctr"/>
+            <a:lstStyle/>
+            <a:p>
+              <a:pPr algn="ctr"/>
+              <a:endParaRPr lang="en-US">
+                <a:solidFill>
+                  <a:srgbClr val="FFC000"/>
+                </a:solidFill>
+              </a:endParaRPr>
+            </a:p>
+          </p:txBody>
+        </p:sp>
+        <p:sp>
+          <p:nvSpPr>
+            <p:cNvPr id="59" name="ZoneTexte 58"/>
+            <p:cNvSpPr txBox="1">
+              <a:spLocks noChangeAspect="1"/>
+            </p:cNvSpPr>
+            <p:nvPr/>
+          </p:nvSpPr>
+          <p:spPr>
+            <a:xfrm>
+              <a:off x="984473" y="3975252"/>
+              <a:ext cx="201799" cy="215444"/>
+            </a:xfrm>
+            <a:prstGeom prst="rect">
+              <a:avLst/>
+            </a:prstGeom>
+            <a:noFill/>
+          </p:spPr>
+          <p:txBody>
+            <a:bodyPr wrap="square" rtlCol="0">
+              <a:spAutoFit/>
+            </a:bodyPr>
+            <a:lstStyle/>
+            <a:p>
+              <a:r>
+                <a:rPr lang="en-US" sz="800" dirty="0" smtClean="0">
+                  <a:solidFill>
+                    <a:srgbClr val="FFC000"/>
+                  </a:solidFill>
+                </a:rPr>
+                <a:t>z</a:t>
+              </a:r>
+              <a:endParaRPr lang="en-US" sz="800" dirty="0">
+                <a:solidFill>
+                  <a:srgbClr val="FFC000"/>
+                </a:solidFill>
+              </a:endParaRPr>
+            </a:p>
+          </p:txBody>
+        </p:sp>
+        <p:cxnSp>
+          <p:nvCxnSpPr>
+            <p:cNvPr id="61" name="Connecteur droit 60"/>
+            <p:cNvCxnSpPr/>
+            <p:nvPr/>
+          </p:nvCxnSpPr>
+          <p:spPr>
+            <a:xfrm flipH="1">
+              <a:off x="986730" y="4290030"/>
+              <a:ext cx="561974" cy="2"/>
+            </a:xfrm>
+            <a:prstGeom prst="line">
+              <a:avLst/>
+            </a:prstGeom>
+            <a:ln w="15875">
+              <a:solidFill>
+                <a:srgbClr val="00B0F0">
+                  <a:alpha val="59000"/>
+                </a:srgbClr>
+              </a:solidFill>
+              <a:prstDash val="solid"/>
+              <a:headEnd type="triangle"/>
+              <a:tailEnd type="none"/>
+            </a:ln>
+          </p:spPr>
+          <p:style>
+            <a:lnRef idx="1">
+              <a:schemeClr val="accent1"/>
+            </a:lnRef>
+            <a:fillRef idx="0">
+              <a:schemeClr val="accent1"/>
+            </a:fillRef>
+            <a:effectRef idx="0">
+              <a:schemeClr val="accent1"/>
+            </a:effectRef>
+            <a:fontRef idx="minor">
+              <a:schemeClr val="tx1"/>
+            </a:fontRef>
+          </p:style>
+        </p:cxnSp>
+        <p:cxnSp>
+          <p:nvCxnSpPr>
+            <p:cNvPr id="62" name="Connecteur droit 61"/>
+            <p:cNvCxnSpPr/>
+            <p:nvPr/>
+          </p:nvCxnSpPr>
+          <p:spPr>
+            <a:xfrm>
+              <a:off x="986730" y="3733250"/>
+              <a:ext cx="0" cy="556782"/>
+            </a:xfrm>
+            <a:prstGeom prst="line">
+              <a:avLst/>
+            </a:prstGeom>
+            <a:ln w="15875">
+              <a:solidFill>
+                <a:srgbClr val="FF0000">
+                  <a:alpha val="59000"/>
+                </a:srgbClr>
+              </a:solidFill>
+              <a:prstDash val="solid"/>
+              <a:headEnd type="triangle"/>
+              <a:tailEnd type="none"/>
+            </a:ln>
+          </p:spPr>
+          <p:style>
+            <a:lnRef idx="1">
+              <a:schemeClr val="accent1"/>
+            </a:lnRef>
+            <a:fillRef idx="0">
+              <a:schemeClr val="accent1"/>
+            </a:fillRef>
+            <a:effectRef idx="0">
+              <a:schemeClr val="accent1"/>
+            </a:effectRef>
+            <a:fontRef idx="minor">
+              <a:schemeClr val="tx1"/>
+            </a:fontRef>
+          </p:style>
+        </p:cxnSp>
+        <p:sp>
+          <p:nvSpPr>
+            <p:cNvPr id="70" name="ZoneTexte 69"/>
+            <p:cNvSpPr txBox="1"/>
+            <p:nvPr/>
+          </p:nvSpPr>
+          <p:spPr>
+            <a:xfrm>
+              <a:off x="801394" y="4137088"/>
+              <a:ext cx="175836" cy="215444"/>
+            </a:xfrm>
+            <a:prstGeom prst="rect">
+              <a:avLst/>
+            </a:prstGeom>
+            <a:noFill/>
+          </p:spPr>
+          <p:txBody>
+            <a:bodyPr wrap="square" rtlCol="0">
+              <a:spAutoFit/>
+            </a:bodyPr>
+            <a:lstStyle/>
+            <a:p>
+              <a:r>
+                <a:rPr lang="en-US" sz="800" dirty="0"/>
+                <a:t>O</a:t>
+              </a:r>
+            </a:p>
+          </p:txBody>
+        </p:sp>
+        <p:cxnSp>
+          <p:nvCxnSpPr>
+            <p:cNvPr id="71" name="Connecteur droit 70"/>
+            <p:cNvCxnSpPr>
+              <a:cxnSpLocks noChangeAspect="1"/>
+            </p:cNvCxnSpPr>
+            <p:nvPr/>
+          </p:nvCxnSpPr>
+          <p:spPr>
+            <a:xfrm flipH="1">
+              <a:off x="986730" y="4021921"/>
+              <a:ext cx="259702" cy="269395"/>
+            </a:xfrm>
+            <a:prstGeom prst="line">
+              <a:avLst/>
+            </a:prstGeom>
+            <a:ln w="15875">
+              <a:solidFill>
+                <a:srgbClr val="FFC000">
+                  <a:alpha val="59000"/>
+                </a:srgbClr>
+              </a:solidFill>
+              <a:prstDash val="solid"/>
+              <a:headEnd type="triangle"/>
+              <a:tailEnd type="none"/>
+            </a:ln>
+          </p:spPr>
+          <p:style>
+            <a:lnRef idx="1">
+              <a:schemeClr val="accent1"/>
+            </a:lnRef>
+            <a:fillRef idx="0">
+              <a:schemeClr val="accent1"/>
+            </a:fillRef>
+            <a:effectRef idx="0">
+              <a:schemeClr val="accent1"/>
+            </a:effectRef>
+            <a:fontRef idx="minor">
+              <a:schemeClr val="tx1"/>
+            </a:fontRef>
+          </p:style>
+        </p:cxnSp>
+        <p:cxnSp>
+          <p:nvCxnSpPr>
+            <p:cNvPr id="9" name="Connecteur droit avec flèche 8"/>
+            <p:cNvCxnSpPr/>
+            <p:nvPr/>
+          </p:nvCxnSpPr>
+          <p:spPr>
+            <a:xfrm flipV="1">
+              <a:off x="1476158" y="3748088"/>
+              <a:ext cx="314542" cy="252289"/>
+            </a:xfrm>
+            <a:prstGeom prst="straightConnector1">
+              <a:avLst/>
+            </a:prstGeom>
+            <a:ln w="12700">
+              <a:solidFill>
+                <a:schemeClr val="tx1"/>
+              </a:solidFill>
+              <a:tailEnd type="triangle"/>
+            </a:ln>
+          </p:spPr>
+          <p:style>
+            <a:lnRef idx="1">
+              <a:schemeClr val="accent1"/>
+            </a:lnRef>
+            <a:fillRef idx="0">
+              <a:schemeClr val="accent1"/>
+            </a:fillRef>
+            <a:effectRef idx="0">
+              <a:schemeClr val="accent1"/>
+            </a:effectRef>
+            <a:fontRef idx="minor">
+              <a:schemeClr val="tx1"/>
+            </a:fontRef>
+          </p:style>
+        </p:cxnSp>
+        <p:sp>
+          <p:nvSpPr>
+            <p:cNvPr id="81" name="Arc 80"/>
+            <p:cNvSpPr/>
+            <p:nvPr/>
+          </p:nvSpPr>
+          <p:spPr>
+            <a:xfrm rot="9041537">
+              <a:off x="1354769" y="3793721"/>
+              <a:ext cx="324035" cy="294314"/>
+            </a:xfrm>
+            <a:prstGeom prst="arc">
+              <a:avLst>
+                <a:gd name="adj1" fmla="val 10752102"/>
+                <a:gd name="adj2" fmla="val 11867528"/>
+              </a:avLst>
+            </a:prstGeom>
+            <a:ln>
+              <a:solidFill>
+                <a:srgbClr val="7030A0"/>
+              </a:solidFill>
+              <a:headEnd type="none"/>
+              <a:tailEnd type="none"/>
+            </a:ln>
+          </p:spPr>
+          <p:style>
+            <a:lnRef idx="1">
+              <a:schemeClr val="accent1"/>
+            </a:lnRef>
+            <a:fillRef idx="0">
+              <a:schemeClr val="accent1"/>
+            </a:fillRef>
+            <a:effectRef idx="0">
+              <a:schemeClr val="accent1"/>
+            </a:effectRef>
+            <a:fontRef idx="minor">
+              <a:schemeClr val="tx1"/>
+            </a:fontRef>
+          </p:style>
+          <p:txBody>
+            <a:bodyPr rtlCol="0" anchor="ctr"/>
+            <a:lstStyle/>
+            <a:p>
+              <a:pPr algn="ctr"/>
+              <a:endParaRPr lang="en-US" sz="2400"/>
+            </a:p>
+          </p:txBody>
+        </p:sp>
+        <p:cxnSp>
+          <p:nvCxnSpPr>
+            <p:cNvPr id="17" name="Connecteur droit avec flèche 16"/>
+            <p:cNvCxnSpPr/>
+            <p:nvPr/>
+          </p:nvCxnSpPr>
+          <p:spPr>
+            <a:xfrm flipV="1">
+              <a:off x="1150710" y="3723383"/>
+              <a:ext cx="177927" cy="3527"/>
+            </a:xfrm>
+            <a:prstGeom prst="straightConnector1">
+              <a:avLst/>
+            </a:prstGeom>
+            <a:ln w="12700">
+              <a:solidFill>
+                <a:srgbClr val="7030A0"/>
+              </a:solidFill>
+              <a:tailEnd type="triangle"/>
+            </a:ln>
+          </p:spPr>
+          <p:style>
+            <a:lnRef idx="1">
+              <a:schemeClr val="accent1"/>
+            </a:lnRef>
+            <a:fillRef idx="0">
+              <a:schemeClr val="accent1"/>
+            </a:fillRef>
+            <a:effectRef idx="0">
+              <a:schemeClr val="accent1"/>
+            </a:effectRef>
+            <a:fontRef idx="minor">
+              <a:schemeClr val="tx1"/>
+            </a:fontRef>
+          </p:style>
+        </p:cxnSp>
+        <p:cxnSp>
+          <p:nvCxnSpPr>
+            <p:cNvPr id="100" name="Connecteur droit avec flèche 99"/>
+            <p:cNvCxnSpPr/>
+            <p:nvPr/>
+          </p:nvCxnSpPr>
+          <p:spPr>
+            <a:xfrm flipV="1">
+              <a:off x="1476158" y="3715637"/>
+              <a:ext cx="177927" cy="3527"/>
+            </a:xfrm>
+            <a:prstGeom prst="straightConnector1">
+              <a:avLst/>
+            </a:prstGeom>
+            <a:ln w="12700">
+              <a:solidFill>
+                <a:schemeClr val="tx1"/>
+              </a:solidFill>
+              <a:tailEnd type="triangle"/>
+            </a:ln>
+          </p:spPr>
+          <p:style>
+            <a:lnRef idx="1">
+              <a:schemeClr val="accent1"/>
+            </a:lnRef>
+            <a:fillRef idx="0">
+              <a:schemeClr val="accent1"/>
+            </a:fillRef>
+            <a:effectRef idx="0">
+              <a:schemeClr val="accent1"/>
+            </a:effectRef>
+            <a:fontRef idx="minor">
+              <a:schemeClr val="tx1"/>
+            </a:fontRef>
+          </p:style>
+        </p:cxnSp>
+        <p:cxnSp>
+          <p:nvCxnSpPr>
+            <p:cNvPr id="101" name="Connecteur droit avec flèche 100"/>
+            <p:cNvCxnSpPr/>
+            <p:nvPr/>
+          </p:nvCxnSpPr>
+          <p:spPr>
+            <a:xfrm flipV="1">
+              <a:off x="1786071" y="3688810"/>
+              <a:ext cx="177927" cy="3527"/>
+            </a:xfrm>
+            <a:prstGeom prst="straightConnector1">
+              <a:avLst/>
+            </a:prstGeom>
+            <a:ln w="12700">
+              <a:solidFill>
+                <a:schemeClr val="tx1"/>
+              </a:solidFill>
+              <a:tailEnd type="triangle"/>
+            </a:ln>
+          </p:spPr>
+          <p:style>
+            <a:lnRef idx="1">
+              <a:schemeClr val="accent1"/>
+            </a:lnRef>
+            <a:fillRef idx="0">
+              <a:schemeClr val="accent1"/>
+            </a:fillRef>
+            <a:effectRef idx="0">
+              <a:schemeClr val="accent1"/>
+            </a:effectRef>
+            <a:fontRef idx="minor">
+              <a:schemeClr val="tx1"/>
+            </a:fontRef>
+          </p:style>
+        </p:cxnSp>
+        <p:cxnSp>
+          <p:nvCxnSpPr>
+            <p:cNvPr id="38" name="Connecteur droit 37"/>
+            <p:cNvCxnSpPr/>
+            <p:nvPr/>
+          </p:nvCxnSpPr>
+          <p:spPr>
+            <a:xfrm flipV="1">
+              <a:off x="1456888" y="3924329"/>
+              <a:ext cx="40629" cy="33097"/>
+            </a:xfrm>
+            <a:prstGeom prst="line">
+              <a:avLst/>
+            </a:prstGeom>
+            <a:ln>
+              <a:solidFill>
+                <a:schemeClr val="tx1"/>
+              </a:solidFill>
+            </a:ln>
+          </p:spPr>
+          <p:style>
+            <a:lnRef idx="1">
+              <a:schemeClr val="accent1"/>
+            </a:lnRef>
+            <a:fillRef idx="0">
+              <a:schemeClr val="accent1"/>
+            </a:fillRef>
+            <a:effectRef idx="0">
+              <a:schemeClr val="accent1"/>
+            </a:effectRef>
+            <a:fontRef idx="minor">
+              <a:schemeClr val="tx1"/>
+            </a:fontRef>
+          </p:style>
+        </p:cxnSp>
+        <p:cxnSp>
+          <p:nvCxnSpPr>
+            <p:cNvPr id="103" name="Connecteur droit 102"/>
+            <p:cNvCxnSpPr/>
+            <p:nvPr/>
+          </p:nvCxnSpPr>
+          <p:spPr>
+            <a:xfrm flipH="1" flipV="1">
+              <a:off x="1497518" y="3924330"/>
+              <a:ext cx="16957" cy="45214"/>
+            </a:xfrm>
+            <a:prstGeom prst="line">
+              <a:avLst/>
+            </a:prstGeom>
+            <a:ln>
+              <a:solidFill>
+                <a:schemeClr val="tx1"/>
+              </a:solidFill>
+            </a:ln>
+          </p:spPr>
+          <p:style>
+            <a:lnRef idx="1">
+              <a:schemeClr val="accent1"/>
+            </a:lnRef>
+            <a:fillRef idx="0">
+              <a:schemeClr val="accent1"/>
+            </a:fillRef>
+            <a:effectRef idx="0">
+              <a:schemeClr val="accent1"/>
+            </a:effectRef>
+            <a:fontRef idx="minor">
+              <a:schemeClr val="tx1"/>
+            </a:fontRef>
+          </p:style>
+        </p:cxnSp>
+      </p:grpSp>
+    </p:spTree>
+    <p:extLst>
+      <p:ext uri="{BB962C8B-B14F-4D97-AF65-F5344CB8AC3E}">
+        <p14:creationId xmlns:p14="http://schemas.microsoft.com/office/powerpoint/2010/main" val="1052027490"/>
+      </p:ext>
+    </p:extLst>
+  </p:cSld>
+  <p:clrMapOvr>
+    <a:masterClrMapping/>
+  </p:clrMapOvr>
+</p:sld>
+</file>
+
+<file path=ppt/slides/slide8.xml><?xml version="1.0" encoding="utf-8"?>
+<p:sld xmlns:a="http://schemas.openxmlformats.org/drawingml/2006/main" xmlns:r="http://schemas.openxmlformats.org/officeDocument/2006/relationships" xmlns:p="http://schemas.openxmlformats.org/presentationml/2006/main">
+  <p:cSld>
+    <p:spTree>
+      <p:nvGrpSpPr>
+        <p:cNvPr id="1" name=""/>
+        <p:cNvGrpSpPr/>
+        <p:nvPr/>
+      </p:nvGrpSpPr>
+      <p:grpSpPr>
+        <a:xfrm>
+          <a:off x="0" y="0"/>
+          <a:ext cx="0" cy="0"/>
+          <a:chOff x="0" y="0"/>
+          <a:chExt cx="0" cy="0"/>
+        </a:xfrm>
+      </p:grpSpPr>
+      <p:cxnSp>
+        <p:nvCxnSpPr>
+          <p:cNvPr id="276" name="Connecteur droit avec flèche 275"/>
+          <p:cNvCxnSpPr/>
+          <p:nvPr/>
+        </p:nvCxnSpPr>
+        <p:spPr>
+          <a:xfrm flipH="1">
+            <a:off x="1835658" y="4483100"/>
+            <a:ext cx="272542" cy="845852"/>
+          </a:xfrm>
+          <a:prstGeom prst="straightConnector1">
+            <a:avLst/>
+          </a:prstGeom>
+          <a:ln w="12700">
+            <a:solidFill>
+              <a:schemeClr val="tx1"/>
+            </a:solidFill>
+            <a:headEnd type="triangle"/>
+            <a:tailEnd type="none"/>
+          </a:ln>
+        </p:spPr>
+        <p:style>
+          <a:lnRef idx="1">
+            <a:schemeClr val="accent1"/>
+          </a:lnRef>
+          <a:fillRef idx="0">
+            <a:schemeClr val="accent1"/>
+          </a:fillRef>
+          <a:effectRef idx="0">
+            <a:schemeClr val="accent1"/>
+          </a:effectRef>
+          <a:fontRef idx="minor">
+            <a:schemeClr val="tx1"/>
+          </a:fontRef>
+        </p:style>
+      </p:cxnSp>
+      <p:cxnSp>
+        <p:nvCxnSpPr>
+          <p:cNvPr id="278" name="Connecteur droit avec flèche 277"/>
+          <p:cNvCxnSpPr/>
+          <p:nvPr/>
+        </p:nvCxnSpPr>
+        <p:spPr>
+          <a:xfrm flipH="1">
+            <a:off x="1835658" y="4438650"/>
+            <a:ext cx="247142" cy="896652"/>
+          </a:xfrm>
+          <a:prstGeom prst="straightConnector1">
+            <a:avLst/>
+          </a:prstGeom>
+          <a:ln w="12700">
+            <a:solidFill>
+              <a:schemeClr val="tx1"/>
+            </a:solidFill>
+            <a:headEnd type="triangle"/>
+            <a:tailEnd type="none"/>
+          </a:ln>
+        </p:spPr>
+        <p:style>
+          <a:lnRef idx="1">
+            <a:schemeClr val="accent1"/>
+          </a:lnRef>
+          <a:fillRef idx="0">
+            <a:schemeClr val="accent1"/>
+          </a:fillRef>
+          <a:effectRef idx="0">
+            <a:schemeClr val="accent1"/>
+          </a:effectRef>
+          <a:fontRef idx="minor">
+            <a:schemeClr val="tx1"/>
+          </a:fontRef>
+        </p:style>
+      </p:cxnSp>
+      <p:grpSp>
+        <p:nvGrpSpPr>
+          <p:cNvPr id="208" name="Groupe 207"/>
+          <p:cNvGrpSpPr/>
+          <p:nvPr/>
+        </p:nvGrpSpPr>
+        <p:grpSpPr>
+          <a:xfrm>
+            <a:off x="521887" y="306617"/>
+            <a:ext cx="2314764" cy="1518277"/>
+            <a:chOff x="1052473" y="1640609"/>
+            <a:chExt cx="2314764" cy="1518277"/>
+          </a:xfrm>
+        </p:grpSpPr>
+        <p:grpSp>
+          <p:nvGrpSpPr>
+            <p:cNvPr id="16" name="Groupe 15"/>
+            <p:cNvGrpSpPr/>
+            <p:nvPr/>
+          </p:nvGrpSpPr>
+          <p:grpSpPr>
+            <a:xfrm>
+              <a:off x="1052473" y="2072934"/>
+              <a:ext cx="2314764" cy="1085952"/>
+              <a:chOff x="2987824" y="3012921"/>
+              <a:chExt cx="1543175" cy="723968"/>
+            </a:xfrm>
+          </p:grpSpPr>
+          <p:sp>
+            <p:nvSpPr>
+              <p:cNvPr id="17" name="ZoneTexte 16"/>
+              <p:cNvSpPr txBox="1"/>
+              <p:nvPr/>
+            </p:nvSpPr>
+            <p:spPr>
+              <a:xfrm>
+                <a:off x="3052951" y="3583001"/>
+                <a:ext cx="189368" cy="153888"/>
+              </a:xfrm>
+              <a:prstGeom prst="rect">
+                <a:avLst/>
+              </a:prstGeom>
+              <a:noFill/>
+            </p:spPr>
+            <p:txBody>
+              <a:bodyPr wrap="none" rtlCol="0">
+                <a:spAutoFit/>
+              </a:bodyPr>
+              <a:lstStyle/>
+              <a:p>
+                <a:r>
+                  <a:rPr lang="en-US" sz="900" dirty="0" smtClean="0">
+                    <a:solidFill>
+                      <a:srgbClr val="00B050"/>
+                    </a:solidFill>
+                  </a:rPr>
+                  <a:t>q</a:t>
+                </a:r>
+                <a:r>
+                  <a:rPr lang="en-US" sz="900" baseline="-25000" dirty="0">
+                    <a:solidFill>
+                      <a:srgbClr val="00B050"/>
+                    </a:solidFill>
+                  </a:rPr>
+                  <a:t>0</a:t>
+                </a:r>
+              </a:p>
+            </p:txBody>
+          </p:sp>
+          <p:grpSp>
+            <p:nvGrpSpPr>
+              <p:cNvPr id="18" name="Groupe 17"/>
+              <p:cNvGrpSpPr/>
+              <p:nvPr/>
+            </p:nvGrpSpPr>
+            <p:grpSpPr>
+              <a:xfrm>
+                <a:off x="2987824" y="3012921"/>
+                <a:ext cx="1543175" cy="723968"/>
+                <a:chOff x="2987824" y="3012921"/>
+                <a:chExt cx="1543175" cy="723968"/>
+              </a:xfrm>
+            </p:grpSpPr>
+            <p:cxnSp>
+              <p:nvCxnSpPr>
+                <p:cNvPr id="23" name="Connecteur droit 22"/>
+                <p:cNvCxnSpPr/>
+                <p:nvPr/>
+              </p:nvCxnSpPr>
+              <p:spPr>
+                <a:xfrm>
+                  <a:off x="2987824" y="3717032"/>
+                  <a:ext cx="1440160" cy="0"/>
+                </a:xfrm>
+                <a:prstGeom prst="line">
+                  <a:avLst/>
+                </a:prstGeom>
+                <a:ln>
+                  <a:solidFill>
+                    <a:schemeClr val="tx1"/>
+                  </a:solidFill>
+                </a:ln>
+              </p:spPr>
+              <p:style>
+                <a:lnRef idx="1">
+                  <a:schemeClr val="accent1"/>
+                </a:lnRef>
+                <a:fillRef idx="0">
+                  <a:schemeClr val="accent1"/>
+                </a:fillRef>
+                <a:effectRef idx="0">
+                  <a:schemeClr val="accent1"/>
+                </a:effectRef>
+                <a:fontRef idx="minor">
+                  <a:schemeClr val="tx1"/>
+                </a:fontRef>
+              </p:style>
+            </p:cxnSp>
+            <p:cxnSp>
+              <p:nvCxnSpPr>
+                <p:cNvPr id="24" name="Connecteur droit 23"/>
+                <p:cNvCxnSpPr/>
+                <p:nvPr/>
+              </p:nvCxnSpPr>
+              <p:spPr>
+                <a:xfrm flipV="1">
+                  <a:off x="3203848" y="3429000"/>
+                  <a:ext cx="288032" cy="288032"/>
+                </a:xfrm>
+                <a:prstGeom prst="line">
+                  <a:avLst/>
+                </a:prstGeom>
+              </p:spPr>
+              <p:style>
+                <a:lnRef idx="1">
+                  <a:schemeClr val="accent1"/>
+                </a:lnRef>
+                <a:fillRef idx="0">
+                  <a:schemeClr val="accent1"/>
+                </a:fillRef>
+                <a:effectRef idx="0">
+                  <a:schemeClr val="accent1"/>
+                </a:effectRef>
+                <a:fontRef idx="minor">
+                  <a:schemeClr val="tx1"/>
+                </a:fontRef>
+              </p:style>
+            </p:cxnSp>
+            <p:cxnSp>
+              <p:nvCxnSpPr>
+                <p:cNvPr id="25" name="Connecteur droit 24"/>
+                <p:cNvCxnSpPr/>
+                <p:nvPr/>
+              </p:nvCxnSpPr>
+              <p:spPr>
+                <a:xfrm>
+                  <a:off x="3493418" y="3429124"/>
+                  <a:ext cx="358502" cy="71884"/>
+                </a:xfrm>
+                <a:prstGeom prst="line">
+                  <a:avLst/>
+                </a:prstGeom>
+              </p:spPr>
+              <p:style>
+                <a:lnRef idx="1">
+                  <a:schemeClr val="accent1"/>
+                </a:lnRef>
+                <a:fillRef idx="0">
+                  <a:schemeClr val="accent1"/>
+                </a:fillRef>
+                <a:effectRef idx="0">
+                  <a:schemeClr val="accent1"/>
+                </a:effectRef>
+                <a:fontRef idx="minor">
+                  <a:schemeClr val="tx1"/>
+                </a:fontRef>
+              </p:style>
+            </p:cxnSp>
+            <p:cxnSp>
+              <p:nvCxnSpPr>
+                <p:cNvPr id="26" name="Connecteur droit 25"/>
+                <p:cNvCxnSpPr/>
+                <p:nvPr/>
+              </p:nvCxnSpPr>
+              <p:spPr>
+                <a:xfrm flipV="1">
+                  <a:off x="3851920" y="3356992"/>
+                  <a:ext cx="358502" cy="144016"/>
+                </a:xfrm>
+                <a:prstGeom prst="line">
+                  <a:avLst/>
+                </a:prstGeom>
+              </p:spPr>
+              <p:style>
+                <a:lnRef idx="1">
+                  <a:schemeClr val="accent1"/>
+                </a:lnRef>
+                <a:fillRef idx="0">
+                  <a:schemeClr val="accent1"/>
+                </a:fillRef>
+                <a:effectRef idx="0">
+                  <a:schemeClr val="accent1"/>
+                </a:effectRef>
+                <a:fontRef idx="minor">
+                  <a:schemeClr val="tx1"/>
+                </a:fontRef>
+              </p:style>
+            </p:cxnSp>
+            <p:cxnSp>
+              <p:nvCxnSpPr>
+                <p:cNvPr id="27" name="Connecteur droit 26"/>
+                <p:cNvCxnSpPr/>
+                <p:nvPr/>
+              </p:nvCxnSpPr>
+              <p:spPr>
+                <a:xfrm flipV="1">
+                  <a:off x="4210422" y="3068960"/>
+                  <a:ext cx="217562" cy="288032"/>
+                </a:xfrm>
+                <a:prstGeom prst="line">
+                  <a:avLst/>
+                </a:prstGeom>
+              </p:spPr>
+              <p:style>
+                <a:lnRef idx="1">
+                  <a:schemeClr val="accent1"/>
+                </a:lnRef>
+                <a:fillRef idx="0">
+                  <a:schemeClr val="accent1"/>
+                </a:fillRef>
+                <a:effectRef idx="0">
+                  <a:schemeClr val="accent1"/>
+                </a:effectRef>
+                <a:fontRef idx="minor">
+                  <a:schemeClr val="tx1"/>
+                </a:fontRef>
+              </p:style>
+            </p:cxnSp>
+            <p:sp>
+              <p:nvSpPr>
+                <p:cNvPr id="28" name="Ellipse 27"/>
+                <p:cNvSpPr/>
+                <p:nvPr/>
+              </p:nvSpPr>
+              <p:spPr>
+                <a:xfrm>
+                  <a:off x="3189238" y="3691170"/>
+                  <a:ext cx="45719" cy="45719"/>
+                </a:xfrm>
+                <a:prstGeom prst="ellipse">
+                  <a:avLst/>
+                </a:prstGeom>
+                <a:solidFill>
+                  <a:srgbClr val="00B050"/>
+                </a:solidFill>
+                <a:ln>
+                  <a:noFill/>
+                </a:ln>
+              </p:spPr>
+              <p:style>
+                <a:lnRef idx="2">
+                  <a:schemeClr val="accent1">
+                    <a:shade val="50000"/>
+                  </a:schemeClr>
+                </a:lnRef>
+                <a:fillRef idx="1">
+                  <a:schemeClr val="accent1"/>
+                </a:fillRef>
+                <a:effectRef idx="0">
+                  <a:schemeClr val="accent1"/>
+                </a:effectRef>
+                <a:fontRef idx="minor">
+                  <a:schemeClr val="lt1"/>
+                </a:fontRef>
+              </p:style>
+              <p:txBody>
+                <a:bodyPr rtlCol="0" anchor="ctr"/>
+                <a:lstStyle/>
+                <a:p>
+                  <a:pPr algn="ctr"/>
+                  <a:endParaRPr lang="en-US" sz="2400"/>
+                </a:p>
+              </p:txBody>
+            </p:sp>
+            <p:sp>
+              <p:nvSpPr>
+                <p:cNvPr id="29" name="Ellipse 28"/>
+                <p:cNvSpPr/>
+                <p:nvPr/>
+              </p:nvSpPr>
+              <p:spPr>
+                <a:xfrm>
+                  <a:off x="3469020" y="3406140"/>
+                  <a:ext cx="45719" cy="45719"/>
+                </a:xfrm>
+                <a:prstGeom prst="ellipse">
+                  <a:avLst/>
+                </a:prstGeom>
+                <a:solidFill>
+                  <a:srgbClr val="00B050"/>
+                </a:solidFill>
+                <a:ln>
+                  <a:noFill/>
+                </a:ln>
+              </p:spPr>
+              <p:style>
+                <a:lnRef idx="2">
+                  <a:schemeClr val="accent1">
+                    <a:shade val="50000"/>
+                  </a:schemeClr>
+                </a:lnRef>
+                <a:fillRef idx="1">
+                  <a:schemeClr val="accent1"/>
+                </a:fillRef>
+                <a:effectRef idx="0">
+                  <a:schemeClr val="accent1"/>
+                </a:effectRef>
+                <a:fontRef idx="minor">
+                  <a:schemeClr val="lt1"/>
+                </a:fontRef>
+              </p:style>
+              <p:txBody>
+                <a:bodyPr rtlCol="0" anchor="ctr"/>
+                <a:lstStyle/>
+                <a:p>
+                  <a:pPr algn="ctr"/>
+                  <a:endParaRPr lang="en-US" sz="2400"/>
+                </a:p>
+              </p:txBody>
+            </p:sp>
+            <p:sp>
+              <p:nvSpPr>
+                <p:cNvPr id="30" name="Ellipse 29"/>
+                <p:cNvSpPr/>
+                <p:nvPr/>
+              </p:nvSpPr>
+              <p:spPr>
+                <a:xfrm>
+                  <a:off x="3829060" y="3478148"/>
+                  <a:ext cx="45719" cy="45719"/>
+                </a:xfrm>
+                <a:prstGeom prst="ellipse">
+                  <a:avLst/>
+                </a:prstGeom>
+                <a:solidFill>
+                  <a:srgbClr val="00B050"/>
+                </a:solidFill>
+                <a:ln>
+                  <a:noFill/>
+                </a:ln>
+              </p:spPr>
+              <p:style>
+                <a:lnRef idx="2">
+                  <a:schemeClr val="accent1">
+                    <a:shade val="50000"/>
+                  </a:schemeClr>
+                </a:lnRef>
+                <a:fillRef idx="1">
+                  <a:schemeClr val="accent1"/>
+                </a:fillRef>
+                <a:effectRef idx="0">
+                  <a:schemeClr val="accent1"/>
+                </a:effectRef>
+                <a:fontRef idx="minor">
+                  <a:schemeClr val="lt1"/>
+                </a:fontRef>
+              </p:style>
+              <p:txBody>
+                <a:bodyPr rtlCol="0" anchor="ctr"/>
+                <a:lstStyle/>
+                <a:p>
+                  <a:pPr algn="ctr"/>
+                  <a:endParaRPr lang="en-US" sz="2400"/>
+                </a:p>
+              </p:txBody>
+            </p:sp>
+            <p:sp>
+              <p:nvSpPr>
+                <p:cNvPr id="31" name="Ellipse 30"/>
+                <p:cNvSpPr/>
+                <p:nvPr/>
+              </p:nvSpPr>
+              <p:spPr>
+                <a:xfrm>
+                  <a:off x="4186982" y="3343508"/>
+                  <a:ext cx="45719" cy="45719"/>
+                </a:xfrm>
+                <a:prstGeom prst="ellipse">
+                  <a:avLst/>
+                </a:prstGeom>
+                <a:solidFill>
+                  <a:srgbClr val="00B050"/>
+                </a:solidFill>
+                <a:ln>
+                  <a:noFill/>
+                </a:ln>
+              </p:spPr>
+              <p:style>
+                <a:lnRef idx="2">
+                  <a:schemeClr val="accent1">
+                    <a:shade val="50000"/>
+                  </a:schemeClr>
+                </a:lnRef>
+                <a:fillRef idx="1">
+                  <a:schemeClr val="accent1"/>
+                </a:fillRef>
+                <a:effectRef idx="0">
+                  <a:schemeClr val="accent1"/>
+                </a:effectRef>
+                <a:fontRef idx="minor">
+                  <a:schemeClr val="lt1"/>
+                </a:fontRef>
+              </p:style>
+              <p:txBody>
+                <a:bodyPr rtlCol="0" anchor="ctr"/>
+                <a:lstStyle/>
+                <a:p>
+                  <a:pPr algn="ctr"/>
+                  <a:endParaRPr lang="en-US" sz="2400"/>
+                </a:p>
+              </p:txBody>
+            </p:sp>
+            <p:sp>
+              <p:nvSpPr>
+                <p:cNvPr id="32" name="ZoneTexte 31"/>
+                <p:cNvSpPr txBox="1"/>
+                <p:nvPr/>
+              </p:nvSpPr>
+              <p:spPr>
+                <a:xfrm>
+                  <a:off x="3189238" y="3418596"/>
+                  <a:ext cx="180819" cy="153888"/>
+                </a:xfrm>
+                <a:prstGeom prst="rect">
+                  <a:avLst/>
+                </a:prstGeom>
+                <a:noFill/>
+              </p:spPr>
+              <p:txBody>
+                <a:bodyPr wrap="none" rtlCol="0">
+                  <a:spAutoFit/>
+                </a:bodyPr>
+                <a:lstStyle/>
+                <a:p>
+                  <a:r>
+                    <a:rPr lang="en-US" sz="900" dirty="0">
+                      <a:solidFill>
+                        <a:schemeClr val="accent1"/>
+                      </a:solidFill>
+                    </a:rPr>
+                    <a:t>c</a:t>
+                  </a:r>
+                  <a:r>
+                    <a:rPr lang="en-US" sz="900" baseline="-25000" dirty="0" smtClean="0">
+                      <a:solidFill>
+                        <a:schemeClr val="accent1"/>
+                      </a:solidFill>
+                    </a:rPr>
+                    <a:t>0</a:t>
+                  </a:r>
+                  <a:endParaRPr lang="en-US" sz="900" baseline="-25000" dirty="0">
+                    <a:solidFill>
+                      <a:schemeClr val="accent1"/>
+                    </a:solidFill>
+                  </a:endParaRPr>
+                </a:p>
+              </p:txBody>
+            </p:sp>
+            <p:sp>
+              <p:nvSpPr>
+                <p:cNvPr id="35" name="ZoneTexte 34"/>
+                <p:cNvSpPr txBox="1"/>
+                <p:nvPr/>
+              </p:nvSpPr>
+              <p:spPr>
+                <a:xfrm>
+                  <a:off x="4369416" y="3012921"/>
+                  <a:ext cx="161583" cy="153888"/>
+                </a:xfrm>
+                <a:prstGeom prst="rect">
+                  <a:avLst/>
+                </a:prstGeom>
+                <a:noFill/>
+              </p:spPr>
+              <p:txBody>
+                <a:bodyPr wrap="none" rtlCol="0">
+                  <a:spAutoFit/>
+                </a:bodyPr>
+                <a:lstStyle/>
+                <a:p>
+                  <a:r>
+                    <a:rPr lang="en-US" sz="900" dirty="0" smtClean="0">
+                      <a:solidFill>
+                        <a:schemeClr val="accent1"/>
+                      </a:solidFill>
+                    </a:rPr>
+                    <a:t>e</a:t>
+                  </a:r>
+                  <a:endParaRPr lang="en-US" sz="900" baseline="-25000" dirty="0">
+                    <a:solidFill>
+                      <a:schemeClr val="accent1"/>
+                    </a:solidFill>
+                  </a:endParaRPr>
+                </a:p>
+              </p:txBody>
+            </p:sp>
+          </p:grpSp>
+        </p:grpSp>
+        <p:sp>
+          <p:nvSpPr>
+            <p:cNvPr id="36" name="ZoneTexte 35"/>
+            <p:cNvSpPr txBox="1"/>
+            <p:nvPr/>
+          </p:nvSpPr>
+          <p:spPr>
+            <a:xfrm>
+              <a:off x="2564345" y="1640609"/>
+              <a:ext cx="229550" cy="253916"/>
+            </a:xfrm>
+            <a:prstGeom prst="rect">
+              <a:avLst/>
+            </a:prstGeom>
+            <a:noFill/>
+          </p:spPr>
+          <p:txBody>
+            <a:bodyPr wrap="none" rtlCol="0">
+              <a:spAutoFit/>
+            </a:bodyPr>
+            <a:lstStyle/>
+            <a:p>
+              <a:r>
+                <a:rPr lang="en-US" sz="1050" dirty="0">
+                  <a:solidFill>
+                    <a:srgbClr val="FF0000"/>
+                  </a:solidFill>
+                </a:rPr>
+                <a:t>t</a:t>
+              </a:r>
+            </a:p>
+          </p:txBody>
+        </p:sp>
+        <p:cxnSp>
+          <p:nvCxnSpPr>
+            <p:cNvPr id="37" name="Connecteur droit 36"/>
+            <p:cNvCxnSpPr/>
+            <p:nvPr/>
+          </p:nvCxnSpPr>
+          <p:spPr>
+            <a:xfrm>
+              <a:off x="2597041" y="1829518"/>
+              <a:ext cx="43844" cy="51445"/>
+            </a:xfrm>
+            <a:prstGeom prst="line">
+              <a:avLst/>
+            </a:prstGeom>
+            <a:ln>
+              <a:solidFill>
+                <a:srgbClr val="FF0000"/>
+              </a:solidFill>
+            </a:ln>
+          </p:spPr>
+          <p:style>
+            <a:lnRef idx="1">
+              <a:schemeClr val="accent1"/>
+            </a:lnRef>
+            <a:fillRef idx="0">
+              <a:schemeClr val="accent1"/>
+            </a:fillRef>
+            <a:effectRef idx="0">
+              <a:schemeClr val="accent1"/>
+            </a:effectRef>
+            <a:fontRef idx="minor">
+              <a:schemeClr val="tx1"/>
+            </a:fontRef>
+          </p:style>
+        </p:cxnSp>
+        <p:cxnSp>
+          <p:nvCxnSpPr>
+            <p:cNvPr id="38" name="Connecteur droit 37"/>
+            <p:cNvCxnSpPr/>
+            <p:nvPr/>
+          </p:nvCxnSpPr>
+          <p:spPr>
+            <a:xfrm flipV="1">
+              <a:off x="2604923" y="1829519"/>
+              <a:ext cx="35962" cy="51444"/>
+            </a:xfrm>
+            <a:prstGeom prst="line">
+              <a:avLst/>
+            </a:prstGeom>
+            <a:ln>
+              <a:solidFill>
+                <a:srgbClr val="FF0000"/>
+              </a:solidFill>
+            </a:ln>
+          </p:spPr>
+          <p:style>
+            <a:lnRef idx="1">
+              <a:schemeClr val="accent1"/>
+            </a:lnRef>
+            <a:fillRef idx="0">
+              <a:schemeClr val="accent1"/>
+            </a:fillRef>
+            <a:effectRef idx="0">
+              <a:schemeClr val="accent1"/>
+            </a:effectRef>
+            <a:fontRef idx="minor">
+              <a:schemeClr val="tx1"/>
+            </a:fontRef>
+          </p:style>
+        </p:cxnSp>
+      </p:grpSp>
+      <p:grpSp>
+        <p:nvGrpSpPr>
+          <p:cNvPr id="209" name="Groupe 208"/>
+          <p:cNvGrpSpPr/>
+          <p:nvPr/>
+        </p:nvGrpSpPr>
+        <p:grpSpPr>
+          <a:xfrm>
+            <a:off x="3006262" y="306617"/>
+            <a:ext cx="2314764" cy="1518278"/>
+            <a:chOff x="3923928" y="1640609"/>
+            <a:chExt cx="2314764" cy="1518278"/>
+          </a:xfrm>
+        </p:grpSpPr>
+        <p:cxnSp>
+          <p:nvCxnSpPr>
+            <p:cNvPr id="49" name="Connecteur droit 48"/>
+            <p:cNvCxnSpPr/>
+            <p:nvPr/>
+          </p:nvCxnSpPr>
+          <p:spPr>
+            <a:xfrm flipV="1">
+              <a:off x="5757826" y="2156993"/>
+              <a:ext cx="326343" cy="432048"/>
+            </a:xfrm>
+            <a:prstGeom prst="line">
+              <a:avLst/>
+            </a:prstGeom>
+          </p:spPr>
+          <p:style>
+            <a:lnRef idx="1">
+              <a:schemeClr val="accent1"/>
+            </a:lnRef>
+            <a:fillRef idx="0">
+              <a:schemeClr val="accent1"/>
+            </a:fillRef>
+            <a:effectRef idx="0">
+              <a:schemeClr val="accent1"/>
+            </a:effectRef>
+            <a:fontRef idx="minor">
+              <a:schemeClr val="tx1"/>
+            </a:fontRef>
+          </p:style>
+        </p:cxnSp>
+        <p:cxnSp>
+          <p:nvCxnSpPr>
+            <p:cNvPr id="89" name="Connecteur droit 88"/>
+            <p:cNvCxnSpPr/>
+            <p:nvPr/>
+          </p:nvCxnSpPr>
+          <p:spPr>
+            <a:xfrm flipV="1">
+              <a:off x="5755481" y="2292842"/>
+              <a:ext cx="216785" cy="307484"/>
+            </a:xfrm>
+            <a:prstGeom prst="line">
+              <a:avLst/>
+            </a:prstGeom>
+            <a:ln>
+              <a:solidFill>
+                <a:schemeClr val="tx1"/>
+              </a:solidFill>
+              <a:tailEnd type="triangle"/>
+            </a:ln>
+          </p:spPr>
+          <p:style>
+            <a:lnRef idx="1">
+              <a:schemeClr val="accent1"/>
+            </a:lnRef>
+            <a:fillRef idx="0">
+              <a:schemeClr val="accent1"/>
+            </a:fillRef>
+            <a:effectRef idx="0">
+              <a:schemeClr val="accent1"/>
+            </a:effectRef>
+            <a:fontRef idx="minor">
+              <a:schemeClr val="tx1"/>
+            </a:fontRef>
+          </p:style>
+        </p:cxnSp>
+        <p:sp>
+          <p:nvSpPr>
+            <p:cNvPr id="43" name="ZoneTexte 42"/>
+            <p:cNvSpPr txBox="1"/>
+            <p:nvPr/>
+          </p:nvSpPr>
+          <p:spPr>
+            <a:xfrm>
+              <a:off x="4021619" y="2928054"/>
+              <a:ext cx="284052" cy="230832"/>
+            </a:xfrm>
+            <a:prstGeom prst="rect">
+              <a:avLst/>
+            </a:prstGeom>
+            <a:noFill/>
+          </p:spPr>
+          <p:txBody>
+            <a:bodyPr wrap="none" rtlCol="0">
+              <a:spAutoFit/>
+            </a:bodyPr>
+            <a:lstStyle/>
+            <a:p>
+              <a:r>
+                <a:rPr lang="en-US" sz="900" dirty="0" smtClean="0">
+                  <a:solidFill>
+                    <a:srgbClr val="00B050"/>
+                  </a:solidFill>
+                </a:rPr>
+                <a:t>q</a:t>
+              </a:r>
+              <a:r>
+                <a:rPr lang="en-US" sz="900" baseline="-25000" dirty="0">
+                  <a:solidFill>
+                    <a:srgbClr val="00B050"/>
+                  </a:solidFill>
+                </a:rPr>
+                <a:t>0</a:t>
+              </a:r>
+            </a:p>
+          </p:txBody>
+        </p:sp>
+        <p:cxnSp>
+          <p:nvCxnSpPr>
+            <p:cNvPr id="45" name="Connecteur droit 44"/>
+            <p:cNvCxnSpPr/>
+            <p:nvPr/>
+          </p:nvCxnSpPr>
+          <p:spPr>
+            <a:xfrm>
+              <a:off x="3923928" y="3129101"/>
+              <a:ext cx="2160241" cy="0"/>
+            </a:xfrm>
+            <a:prstGeom prst="line">
+              <a:avLst/>
+            </a:prstGeom>
+            <a:ln>
+              <a:solidFill>
+                <a:schemeClr val="tx1"/>
+              </a:solidFill>
+            </a:ln>
+          </p:spPr>
+          <p:style>
+            <a:lnRef idx="1">
+              <a:schemeClr val="accent1"/>
+            </a:lnRef>
+            <a:fillRef idx="0">
+              <a:schemeClr val="accent1"/>
+            </a:fillRef>
+            <a:effectRef idx="0">
+              <a:schemeClr val="accent1"/>
+            </a:effectRef>
+            <a:fontRef idx="minor">
+              <a:schemeClr val="tx1"/>
+            </a:fontRef>
+          </p:style>
+        </p:cxnSp>
+        <p:cxnSp>
+          <p:nvCxnSpPr>
+            <p:cNvPr id="46" name="Connecteur droit 45"/>
+            <p:cNvCxnSpPr/>
+            <p:nvPr/>
+          </p:nvCxnSpPr>
+          <p:spPr>
+            <a:xfrm flipV="1">
+              <a:off x="4247964" y="2697053"/>
+              <a:ext cx="432048" cy="432048"/>
+            </a:xfrm>
+            <a:prstGeom prst="line">
+              <a:avLst/>
+            </a:prstGeom>
+          </p:spPr>
+          <p:style>
+            <a:lnRef idx="1">
+              <a:schemeClr val="accent1"/>
+            </a:lnRef>
+            <a:fillRef idx="0">
+              <a:schemeClr val="accent1"/>
+            </a:fillRef>
+            <a:effectRef idx="0">
+              <a:schemeClr val="accent1"/>
+            </a:effectRef>
+            <a:fontRef idx="minor">
+              <a:schemeClr val="tx1"/>
+            </a:fontRef>
+          </p:style>
+        </p:cxnSp>
+        <p:cxnSp>
+          <p:nvCxnSpPr>
+            <p:cNvPr id="47" name="Connecteur droit 46"/>
+            <p:cNvCxnSpPr/>
+            <p:nvPr/>
+          </p:nvCxnSpPr>
+          <p:spPr>
+            <a:xfrm>
+              <a:off x="4682319" y="2697239"/>
+              <a:ext cx="537753" cy="107826"/>
+            </a:xfrm>
+            <a:prstGeom prst="line">
+              <a:avLst/>
+            </a:prstGeom>
+          </p:spPr>
+          <p:style>
+            <a:lnRef idx="1">
+              <a:schemeClr val="accent1"/>
+            </a:lnRef>
+            <a:fillRef idx="0">
+              <a:schemeClr val="accent1"/>
+            </a:fillRef>
+            <a:effectRef idx="0">
+              <a:schemeClr val="accent1"/>
+            </a:effectRef>
+            <a:fontRef idx="minor">
+              <a:schemeClr val="tx1"/>
+            </a:fontRef>
+          </p:style>
+        </p:cxnSp>
+        <p:cxnSp>
+          <p:nvCxnSpPr>
+            <p:cNvPr id="48" name="Connecteur droit 47"/>
+            <p:cNvCxnSpPr/>
+            <p:nvPr/>
+          </p:nvCxnSpPr>
+          <p:spPr>
+            <a:xfrm flipV="1">
+              <a:off x="5220073" y="2589041"/>
+              <a:ext cx="537753" cy="216024"/>
+            </a:xfrm>
+            <a:prstGeom prst="line">
+              <a:avLst/>
+            </a:prstGeom>
+          </p:spPr>
+          <p:style>
+            <a:lnRef idx="1">
+              <a:schemeClr val="accent1"/>
+            </a:lnRef>
+            <a:fillRef idx="0">
+              <a:schemeClr val="accent1"/>
+            </a:fillRef>
+            <a:effectRef idx="0">
+              <a:schemeClr val="accent1"/>
+            </a:effectRef>
+            <a:fontRef idx="minor">
+              <a:schemeClr val="tx1"/>
+            </a:fontRef>
+          </p:style>
+        </p:cxnSp>
+        <p:sp>
+          <p:nvSpPr>
+            <p:cNvPr id="50" name="Ellipse 49"/>
+            <p:cNvSpPr/>
+            <p:nvPr/>
+          </p:nvSpPr>
+          <p:spPr>
+            <a:xfrm>
+              <a:off x="4226049" y="3090308"/>
+              <a:ext cx="68579" cy="68579"/>
+            </a:xfrm>
+            <a:prstGeom prst="ellipse">
+              <a:avLst/>
+            </a:prstGeom>
+            <a:solidFill>
+              <a:srgbClr val="00B050"/>
+            </a:solidFill>
+            <a:ln>
+              <a:noFill/>
+            </a:ln>
+          </p:spPr>
+          <p:style>
+            <a:lnRef idx="2">
+              <a:schemeClr val="accent1">
+                <a:shade val="50000"/>
+              </a:schemeClr>
+            </a:lnRef>
+            <a:fillRef idx="1">
+              <a:schemeClr val="accent1"/>
+            </a:fillRef>
+            <a:effectRef idx="0">
+              <a:schemeClr val="accent1"/>
+            </a:effectRef>
+            <a:fontRef idx="minor">
+              <a:schemeClr val="lt1"/>
+            </a:fontRef>
+          </p:style>
+          <p:txBody>
+            <a:bodyPr rtlCol="0" anchor="ctr"/>
+            <a:lstStyle/>
+            <a:p>
+              <a:pPr algn="ctr"/>
+              <a:endParaRPr lang="en-US" sz="2400"/>
+            </a:p>
+          </p:txBody>
+        </p:sp>
+        <p:sp>
+          <p:nvSpPr>
+            <p:cNvPr id="51" name="Ellipse 50"/>
+            <p:cNvSpPr/>
+            <p:nvPr/>
+          </p:nvSpPr>
+          <p:spPr>
+            <a:xfrm>
+              <a:off x="4645722" y="2662763"/>
+              <a:ext cx="68579" cy="68579"/>
+            </a:xfrm>
+            <a:prstGeom prst="ellipse">
+              <a:avLst/>
+            </a:prstGeom>
+            <a:solidFill>
+              <a:srgbClr val="00B050"/>
+            </a:solidFill>
+            <a:ln>
+              <a:noFill/>
+            </a:ln>
+          </p:spPr>
+          <p:style>
+            <a:lnRef idx="2">
+              <a:schemeClr val="accent1">
+                <a:shade val="50000"/>
+              </a:schemeClr>
+            </a:lnRef>
+            <a:fillRef idx="1">
+              <a:schemeClr val="accent1"/>
+            </a:fillRef>
+            <a:effectRef idx="0">
+              <a:schemeClr val="accent1"/>
+            </a:effectRef>
+            <a:fontRef idx="minor">
+              <a:schemeClr val="lt1"/>
+            </a:fontRef>
+          </p:style>
+          <p:txBody>
+            <a:bodyPr rtlCol="0" anchor="ctr"/>
+            <a:lstStyle/>
+            <a:p>
+              <a:pPr algn="ctr"/>
+              <a:endParaRPr lang="en-US" sz="2400"/>
+            </a:p>
+          </p:txBody>
+        </p:sp>
+        <p:sp>
+          <p:nvSpPr>
+            <p:cNvPr id="52" name="Ellipse 51"/>
+            <p:cNvSpPr/>
+            <p:nvPr/>
+          </p:nvSpPr>
+          <p:spPr>
+            <a:xfrm>
+              <a:off x="5185783" y="2770775"/>
+              <a:ext cx="68579" cy="68579"/>
+            </a:xfrm>
+            <a:prstGeom prst="ellipse">
+              <a:avLst/>
+            </a:prstGeom>
+            <a:solidFill>
+              <a:srgbClr val="00B050"/>
+            </a:solidFill>
+            <a:ln>
+              <a:noFill/>
+            </a:ln>
+          </p:spPr>
+          <p:style>
+            <a:lnRef idx="2">
+              <a:schemeClr val="accent1">
+                <a:shade val="50000"/>
+              </a:schemeClr>
+            </a:lnRef>
+            <a:fillRef idx="1">
+              <a:schemeClr val="accent1"/>
+            </a:fillRef>
+            <a:effectRef idx="0">
+              <a:schemeClr val="accent1"/>
+            </a:effectRef>
+            <a:fontRef idx="minor">
+              <a:schemeClr val="lt1"/>
+            </a:fontRef>
+          </p:style>
+          <p:txBody>
+            <a:bodyPr rtlCol="0" anchor="ctr"/>
+            <a:lstStyle/>
+            <a:p>
+              <a:pPr algn="ctr"/>
+              <a:endParaRPr lang="en-US" sz="2400"/>
+            </a:p>
+          </p:txBody>
+        </p:sp>
+        <p:sp>
+          <p:nvSpPr>
+            <p:cNvPr id="53" name="Ellipse 52"/>
+            <p:cNvSpPr/>
+            <p:nvPr/>
+          </p:nvSpPr>
+          <p:spPr>
+            <a:xfrm>
+              <a:off x="5722666" y="2568815"/>
+              <a:ext cx="68579" cy="68579"/>
+            </a:xfrm>
+            <a:prstGeom prst="ellipse">
+              <a:avLst/>
+            </a:prstGeom>
+            <a:solidFill>
+              <a:srgbClr val="00B050"/>
+            </a:solidFill>
+            <a:ln>
+              <a:noFill/>
+            </a:ln>
+          </p:spPr>
+          <p:style>
+            <a:lnRef idx="2">
+              <a:schemeClr val="accent1">
+                <a:shade val="50000"/>
+              </a:schemeClr>
+            </a:lnRef>
+            <a:fillRef idx="1">
+              <a:schemeClr val="accent1"/>
+            </a:fillRef>
+            <a:effectRef idx="0">
+              <a:schemeClr val="accent1"/>
+            </a:effectRef>
+            <a:fontRef idx="minor">
+              <a:schemeClr val="lt1"/>
+            </a:fontRef>
+          </p:style>
+          <p:txBody>
+            <a:bodyPr rtlCol="0" anchor="ctr"/>
+            <a:lstStyle/>
+            <a:p>
+              <a:pPr algn="ctr"/>
+              <a:endParaRPr lang="en-US" sz="2400"/>
+            </a:p>
+          </p:txBody>
+        </p:sp>
+        <p:sp>
+          <p:nvSpPr>
+            <p:cNvPr id="54" name="ZoneTexte 53"/>
+            <p:cNvSpPr txBox="1"/>
+            <p:nvPr/>
+          </p:nvSpPr>
+          <p:spPr>
+            <a:xfrm>
+              <a:off x="4226049" y="2681447"/>
+              <a:ext cx="271229" cy="230832"/>
+            </a:xfrm>
+            <a:prstGeom prst="rect">
+              <a:avLst/>
+            </a:prstGeom>
+            <a:noFill/>
+          </p:spPr>
+          <p:txBody>
+            <a:bodyPr wrap="none" rtlCol="0">
+              <a:spAutoFit/>
+            </a:bodyPr>
+            <a:lstStyle/>
+            <a:p>
+              <a:r>
+                <a:rPr lang="en-US" sz="900" dirty="0">
+                  <a:solidFill>
+                    <a:schemeClr val="accent1"/>
+                  </a:solidFill>
+                </a:rPr>
+                <a:t>c</a:t>
+              </a:r>
+              <a:r>
+                <a:rPr lang="en-US" sz="900" baseline="-25000" dirty="0" smtClean="0">
+                  <a:solidFill>
+                    <a:schemeClr val="accent1"/>
+                  </a:solidFill>
+                </a:rPr>
+                <a:t>0</a:t>
+              </a:r>
+              <a:endParaRPr lang="en-US" sz="900" baseline="-25000" dirty="0">
+                <a:solidFill>
+                  <a:schemeClr val="accent1"/>
+                </a:solidFill>
+              </a:endParaRPr>
+            </a:p>
+          </p:txBody>
+        </p:sp>
+        <p:sp>
+          <p:nvSpPr>
+            <p:cNvPr id="55" name="ZoneTexte 54"/>
+            <p:cNvSpPr txBox="1"/>
+            <p:nvPr/>
+          </p:nvSpPr>
+          <p:spPr>
+            <a:xfrm>
+              <a:off x="5996317" y="2072934"/>
+              <a:ext cx="242375" cy="230832"/>
+            </a:xfrm>
+            <a:prstGeom prst="rect">
+              <a:avLst/>
+            </a:prstGeom>
+            <a:noFill/>
+          </p:spPr>
+          <p:txBody>
+            <a:bodyPr wrap="none" rtlCol="0">
+              <a:spAutoFit/>
+            </a:bodyPr>
+            <a:lstStyle/>
+            <a:p>
+              <a:r>
+                <a:rPr lang="en-US" sz="900" dirty="0" smtClean="0">
+                  <a:solidFill>
+                    <a:schemeClr val="accent1"/>
+                  </a:solidFill>
+                </a:rPr>
+                <a:t>e</a:t>
+              </a:r>
+              <a:endParaRPr lang="en-US" sz="900" baseline="-25000" dirty="0">
+                <a:solidFill>
+                  <a:schemeClr val="accent1"/>
+                </a:solidFill>
+              </a:endParaRPr>
+            </a:p>
+          </p:txBody>
+        </p:sp>
+        <p:sp>
+          <p:nvSpPr>
+            <p:cNvPr id="56" name="ZoneTexte 55"/>
+            <p:cNvSpPr txBox="1"/>
+            <p:nvPr/>
+          </p:nvSpPr>
+          <p:spPr>
+            <a:xfrm>
+              <a:off x="5435800" y="1640609"/>
+              <a:ext cx="229550" cy="253916"/>
+            </a:xfrm>
+            <a:prstGeom prst="rect">
+              <a:avLst/>
+            </a:prstGeom>
+            <a:noFill/>
+          </p:spPr>
+          <p:txBody>
+            <a:bodyPr wrap="none" rtlCol="0">
+              <a:spAutoFit/>
+            </a:bodyPr>
+            <a:lstStyle/>
+            <a:p>
+              <a:r>
+                <a:rPr lang="en-US" sz="1050" dirty="0">
+                  <a:solidFill>
+                    <a:srgbClr val="FF0000"/>
+                  </a:solidFill>
+                </a:rPr>
+                <a:t>t</a:t>
+              </a:r>
+            </a:p>
+          </p:txBody>
+        </p:sp>
+        <p:cxnSp>
+          <p:nvCxnSpPr>
+            <p:cNvPr id="57" name="Connecteur droit 56"/>
+            <p:cNvCxnSpPr/>
+            <p:nvPr/>
+          </p:nvCxnSpPr>
+          <p:spPr>
+            <a:xfrm>
+              <a:off x="5468496" y="1829518"/>
+              <a:ext cx="43844" cy="51445"/>
+            </a:xfrm>
+            <a:prstGeom prst="line">
+              <a:avLst/>
+            </a:prstGeom>
+            <a:ln>
+              <a:solidFill>
+                <a:srgbClr val="FF0000"/>
+              </a:solidFill>
+            </a:ln>
+          </p:spPr>
+          <p:style>
+            <a:lnRef idx="1">
+              <a:schemeClr val="accent1"/>
+            </a:lnRef>
+            <a:fillRef idx="0">
+              <a:schemeClr val="accent1"/>
+            </a:fillRef>
+            <a:effectRef idx="0">
+              <a:schemeClr val="accent1"/>
+            </a:effectRef>
+            <a:fontRef idx="minor">
+              <a:schemeClr val="tx1"/>
+            </a:fontRef>
+          </p:style>
+        </p:cxnSp>
+        <p:cxnSp>
+          <p:nvCxnSpPr>
+            <p:cNvPr id="58" name="Connecteur droit 57"/>
+            <p:cNvCxnSpPr/>
+            <p:nvPr/>
+          </p:nvCxnSpPr>
+          <p:spPr>
+            <a:xfrm flipV="1">
+              <a:off x="5476378" y="1829519"/>
+              <a:ext cx="35962" cy="51444"/>
+            </a:xfrm>
+            <a:prstGeom prst="line">
+              <a:avLst/>
+            </a:prstGeom>
+            <a:ln>
+              <a:solidFill>
+                <a:srgbClr val="FF0000"/>
+              </a:solidFill>
+            </a:ln>
+          </p:spPr>
+          <p:style>
+            <a:lnRef idx="1">
+              <a:schemeClr val="accent1"/>
+            </a:lnRef>
+            <a:fillRef idx="0">
+              <a:schemeClr val="accent1"/>
+            </a:fillRef>
+            <a:effectRef idx="0">
+              <a:schemeClr val="accent1"/>
+            </a:effectRef>
+            <a:fontRef idx="minor">
+              <a:schemeClr val="tx1"/>
+            </a:fontRef>
+          </p:style>
+        </p:cxnSp>
+        <p:sp>
+          <p:nvSpPr>
+            <p:cNvPr id="59" name="ZoneTexte 58"/>
+            <p:cNvSpPr txBox="1"/>
+            <p:nvPr/>
+          </p:nvSpPr>
+          <p:spPr>
+            <a:xfrm>
+              <a:off x="5550575" y="2615926"/>
+              <a:ext cx="284052" cy="230832"/>
+            </a:xfrm>
+            <a:prstGeom prst="rect">
+              <a:avLst/>
+            </a:prstGeom>
+            <a:noFill/>
+          </p:spPr>
+          <p:txBody>
+            <a:bodyPr wrap="none" rtlCol="0">
+              <a:spAutoFit/>
+            </a:bodyPr>
+            <a:lstStyle/>
+            <a:p>
+              <a:r>
+                <a:rPr lang="en-US" sz="900" dirty="0" smtClean="0">
+                  <a:solidFill>
+                    <a:srgbClr val="00B050"/>
+                  </a:solidFill>
+                </a:rPr>
+                <a:t>q</a:t>
+              </a:r>
+              <a:r>
+                <a:rPr lang="en-US" sz="900" baseline="-25000" dirty="0">
+                  <a:solidFill>
+                    <a:srgbClr val="00B050"/>
+                  </a:solidFill>
+                </a:rPr>
+                <a:t>3</a:t>
+              </a:r>
+              <a:endParaRPr lang="en-US" sz="900" baseline="-25000" dirty="0">
+                <a:solidFill>
+                  <a:srgbClr val="00B050"/>
+                </a:solidFill>
+              </a:endParaRPr>
+            </a:p>
+          </p:txBody>
+        </p:sp>
+        <p:cxnSp>
+          <p:nvCxnSpPr>
+            <p:cNvPr id="61" name="Connecteur droit 60"/>
+            <p:cNvCxnSpPr>
+              <a:stCxn id="53" idx="0"/>
+              <a:endCxn id="56" idx="2"/>
+            </p:cNvCxnSpPr>
+            <p:nvPr/>
+          </p:nvCxnSpPr>
+          <p:spPr>
+            <a:xfrm flipH="1" flipV="1">
+              <a:off x="5495925" y="1866900"/>
+              <a:ext cx="261031" cy="701915"/>
+            </a:xfrm>
+            <a:prstGeom prst="line">
+              <a:avLst/>
+            </a:prstGeom>
+            <a:ln>
+              <a:solidFill>
+                <a:schemeClr val="tx1"/>
+              </a:solidFill>
+              <a:tailEnd type="triangle"/>
+            </a:ln>
+          </p:spPr>
+          <p:style>
+            <a:lnRef idx="1">
+              <a:schemeClr val="accent1"/>
+            </a:lnRef>
+            <a:fillRef idx="0">
+              <a:schemeClr val="accent1"/>
+            </a:fillRef>
+            <a:effectRef idx="0">
+              <a:schemeClr val="accent1"/>
+            </a:effectRef>
+            <a:fontRef idx="minor">
+              <a:schemeClr val="tx1"/>
+            </a:fontRef>
+          </p:style>
+        </p:cxnSp>
+        <p:sp>
+          <p:nvSpPr>
+            <p:cNvPr id="62" name="Arc 61"/>
+            <p:cNvSpPr/>
+            <p:nvPr/>
+          </p:nvSpPr>
+          <p:spPr>
+            <a:xfrm rot="9041537">
+              <a:off x="5595808" y="2415988"/>
+              <a:ext cx="324035" cy="294314"/>
+            </a:xfrm>
+            <a:prstGeom prst="arc">
+              <a:avLst>
+                <a:gd name="adj1" fmla="val 5951023"/>
+                <a:gd name="adj2" fmla="val 9627367"/>
+              </a:avLst>
+            </a:prstGeom>
+            <a:ln>
+              <a:solidFill>
+                <a:srgbClr val="7030A0"/>
+              </a:solidFill>
+              <a:headEnd type="none"/>
+              <a:tailEnd type="none"/>
+            </a:ln>
+          </p:spPr>
+          <p:style>
+            <a:lnRef idx="1">
+              <a:schemeClr val="accent1"/>
+            </a:lnRef>
+            <a:fillRef idx="0">
+              <a:schemeClr val="accent1"/>
+            </a:fillRef>
+            <a:effectRef idx="0">
+              <a:schemeClr val="accent1"/>
+            </a:effectRef>
+            <a:fontRef idx="minor">
+              <a:schemeClr val="tx1"/>
+            </a:fontRef>
+          </p:style>
+          <p:txBody>
+            <a:bodyPr rtlCol="0" anchor="ctr"/>
+            <a:lstStyle/>
+            <a:p>
+              <a:pPr algn="ctr"/>
+              <a:endParaRPr lang="en-US" sz="2400">
+                <a:solidFill>
+                  <a:srgbClr val="7030A0"/>
+                </a:solidFill>
+              </a:endParaRPr>
+            </a:p>
+          </p:txBody>
+        </p:sp>
+        <p:sp>
+          <p:nvSpPr>
+            <p:cNvPr id="63" name="ZoneTexte 62"/>
+            <p:cNvSpPr txBox="1"/>
+            <p:nvPr/>
+          </p:nvSpPr>
+          <p:spPr>
+            <a:xfrm>
+              <a:off x="5663535" y="2255488"/>
+              <a:ext cx="266420" cy="200055"/>
+            </a:xfrm>
+            <a:prstGeom prst="rect">
+              <a:avLst/>
+            </a:prstGeom>
+            <a:noFill/>
+            <a:ln>
+              <a:noFill/>
+            </a:ln>
+          </p:spPr>
+          <p:txBody>
+            <a:bodyPr wrap="none" rtlCol="0">
+              <a:spAutoFit/>
+            </a:bodyPr>
+            <a:lstStyle/>
+            <a:p>
+              <a:r>
+                <a:rPr lang="el-GR" sz="700" dirty="0" smtClean="0">
+                  <a:solidFill>
+                    <a:srgbClr val="7030A0"/>
+                  </a:solidFill>
+                  <a:latin typeface="Calibri"/>
+                  <a:cs typeface="Calibri"/>
+                </a:rPr>
+                <a:t>α</a:t>
+              </a:r>
+              <a:r>
+                <a:rPr lang="fr-FR" sz="700" baseline="-25000" dirty="0" smtClean="0">
+                  <a:solidFill>
+                    <a:srgbClr val="7030A0"/>
+                  </a:solidFill>
+                  <a:latin typeface="Calibri"/>
+                  <a:cs typeface="Calibri"/>
+                </a:rPr>
+                <a:t>3</a:t>
+              </a:r>
+              <a:endParaRPr lang="en-US" sz="700" baseline="-25000" dirty="0">
+                <a:solidFill>
+                  <a:srgbClr val="7030A0"/>
+                </a:solidFill>
+              </a:endParaRPr>
+            </a:p>
+          </p:txBody>
+        </p:sp>
+        <p:sp>
+          <p:nvSpPr>
+            <p:cNvPr id="105" name="Arc 104"/>
+            <p:cNvSpPr/>
+            <p:nvPr/>
+          </p:nvSpPr>
+          <p:spPr>
+            <a:xfrm rot="12885425">
+              <a:off x="5614849" y="2490559"/>
+              <a:ext cx="324035" cy="294314"/>
+            </a:xfrm>
+            <a:prstGeom prst="arc">
+              <a:avLst>
+                <a:gd name="adj1" fmla="val 5951023"/>
+                <a:gd name="adj2" fmla="val 9627367"/>
+              </a:avLst>
+            </a:prstGeom>
+            <a:ln>
+              <a:solidFill>
+                <a:srgbClr val="7030A0"/>
+              </a:solidFill>
+              <a:headEnd type="triangle"/>
+              <a:tailEnd type="none"/>
+            </a:ln>
+          </p:spPr>
+          <p:style>
+            <a:lnRef idx="1">
+              <a:schemeClr val="accent1"/>
+            </a:lnRef>
+            <a:fillRef idx="0">
+              <a:schemeClr val="accent1"/>
+            </a:fillRef>
+            <a:effectRef idx="0">
+              <a:schemeClr val="accent1"/>
+            </a:effectRef>
+            <a:fontRef idx="minor">
+              <a:schemeClr val="tx1"/>
+            </a:fontRef>
+          </p:style>
+          <p:txBody>
+            <a:bodyPr rtlCol="0" anchor="ctr"/>
+            <a:lstStyle/>
+            <a:p>
+              <a:pPr algn="ctr"/>
+              <a:endParaRPr lang="en-US" sz="2400">
+                <a:solidFill>
+                  <a:srgbClr val="7030A0"/>
+                </a:solidFill>
+              </a:endParaRPr>
+            </a:p>
+          </p:txBody>
+        </p:sp>
+      </p:grpSp>
+      <p:grpSp>
+        <p:nvGrpSpPr>
+          <p:cNvPr id="211" name="Groupe 210"/>
+          <p:cNvGrpSpPr/>
+          <p:nvPr/>
+        </p:nvGrpSpPr>
+        <p:grpSpPr>
+          <a:xfrm>
+            <a:off x="5613241" y="306615"/>
+            <a:ext cx="2160241" cy="1518279"/>
+            <a:chOff x="1052472" y="3500731"/>
+            <a:chExt cx="2160241" cy="1518279"/>
+          </a:xfrm>
+        </p:grpSpPr>
+        <p:grpSp>
+          <p:nvGrpSpPr>
+            <p:cNvPr id="64" name="Groupe 63"/>
+            <p:cNvGrpSpPr/>
+            <p:nvPr/>
+          </p:nvGrpSpPr>
+          <p:grpSpPr>
+            <a:xfrm>
+              <a:off x="1052472" y="3888773"/>
+              <a:ext cx="2160241" cy="1130237"/>
+              <a:chOff x="2987824" y="2983398"/>
+              <a:chExt cx="1440160" cy="753491"/>
+            </a:xfrm>
+          </p:grpSpPr>
+          <p:sp>
+            <p:nvSpPr>
+              <p:cNvPr id="65" name="ZoneTexte 64"/>
+              <p:cNvSpPr txBox="1"/>
+              <p:nvPr/>
+            </p:nvSpPr>
+            <p:spPr>
+              <a:xfrm>
+                <a:off x="3052951" y="3583001"/>
+                <a:ext cx="189368" cy="153888"/>
+              </a:xfrm>
+              <a:prstGeom prst="rect">
+                <a:avLst/>
+              </a:prstGeom>
+              <a:noFill/>
+            </p:spPr>
+            <p:txBody>
+              <a:bodyPr wrap="none" rtlCol="0">
+                <a:spAutoFit/>
+              </a:bodyPr>
+              <a:lstStyle/>
+              <a:p>
+                <a:r>
+                  <a:rPr lang="en-US" sz="900" dirty="0" smtClean="0">
+                    <a:solidFill>
+                      <a:srgbClr val="00B050"/>
+                    </a:solidFill>
+                  </a:rPr>
+                  <a:t>q</a:t>
+                </a:r>
+                <a:r>
+                  <a:rPr lang="en-US" sz="900" baseline="-25000" dirty="0">
+                    <a:solidFill>
+                      <a:srgbClr val="00B050"/>
+                    </a:solidFill>
+                  </a:rPr>
+                  <a:t>0</a:t>
+                </a:r>
+              </a:p>
+            </p:txBody>
+          </p:sp>
+          <p:grpSp>
+            <p:nvGrpSpPr>
+              <p:cNvPr id="66" name="Groupe 65"/>
+              <p:cNvGrpSpPr/>
+              <p:nvPr/>
+            </p:nvGrpSpPr>
+            <p:grpSpPr>
+              <a:xfrm>
+                <a:off x="2987824" y="2983398"/>
+                <a:ext cx="1440160" cy="753491"/>
+                <a:chOff x="2987824" y="2983398"/>
+                <a:chExt cx="1440160" cy="753491"/>
+              </a:xfrm>
+            </p:grpSpPr>
+            <p:cxnSp>
+              <p:nvCxnSpPr>
+                <p:cNvPr id="67" name="Connecteur droit 66"/>
+                <p:cNvCxnSpPr/>
+                <p:nvPr/>
+              </p:nvCxnSpPr>
+              <p:spPr>
+                <a:xfrm>
+                  <a:off x="2987824" y="3717032"/>
+                  <a:ext cx="1440160" cy="0"/>
+                </a:xfrm>
+                <a:prstGeom prst="line">
+                  <a:avLst/>
+                </a:prstGeom>
+                <a:ln>
+                  <a:solidFill>
+                    <a:schemeClr val="tx1"/>
+                  </a:solidFill>
+                </a:ln>
+              </p:spPr>
+              <p:style>
+                <a:lnRef idx="1">
+                  <a:schemeClr val="accent1"/>
+                </a:lnRef>
+                <a:fillRef idx="0">
+                  <a:schemeClr val="accent1"/>
+                </a:fillRef>
+                <a:effectRef idx="0">
+                  <a:schemeClr val="accent1"/>
+                </a:effectRef>
+                <a:fontRef idx="minor">
+                  <a:schemeClr val="tx1"/>
+                </a:fontRef>
+              </p:style>
+            </p:cxnSp>
+            <p:cxnSp>
+              <p:nvCxnSpPr>
+                <p:cNvPr id="68" name="Connecteur droit 67"/>
+                <p:cNvCxnSpPr/>
+                <p:nvPr/>
+              </p:nvCxnSpPr>
+              <p:spPr>
+                <a:xfrm flipV="1">
+                  <a:off x="3203848" y="3429000"/>
+                  <a:ext cx="288032" cy="288032"/>
+                </a:xfrm>
+                <a:prstGeom prst="line">
+                  <a:avLst/>
+                </a:prstGeom>
+              </p:spPr>
+              <p:style>
+                <a:lnRef idx="1">
+                  <a:schemeClr val="accent1"/>
+                </a:lnRef>
+                <a:fillRef idx="0">
+                  <a:schemeClr val="accent1"/>
+                </a:fillRef>
+                <a:effectRef idx="0">
+                  <a:schemeClr val="accent1"/>
+                </a:effectRef>
+                <a:fontRef idx="minor">
+                  <a:schemeClr val="tx1"/>
+                </a:fontRef>
+              </p:style>
+            </p:cxnSp>
+            <p:cxnSp>
+              <p:nvCxnSpPr>
+                <p:cNvPr id="69" name="Connecteur droit 68"/>
+                <p:cNvCxnSpPr/>
+                <p:nvPr/>
+              </p:nvCxnSpPr>
+              <p:spPr>
+                <a:xfrm>
+                  <a:off x="3493418" y="3429124"/>
+                  <a:ext cx="358502" cy="71884"/>
+                </a:xfrm>
+                <a:prstGeom prst="line">
+                  <a:avLst/>
+                </a:prstGeom>
+              </p:spPr>
+              <p:style>
+                <a:lnRef idx="1">
+                  <a:schemeClr val="accent1"/>
+                </a:lnRef>
+                <a:fillRef idx="0">
+                  <a:schemeClr val="accent1"/>
+                </a:fillRef>
+                <a:effectRef idx="0">
+                  <a:schemeClr val="accent1"/>
+                </a:effectRef>
+                <a:fontRef idx="minor">
+                  <a:schemeClr val="tx1"/>
+                </a:fontRef>
+              </p:style>
+            </p:cxnSp>
+            <p:cxnSp>
+              <p:nvCxnSpPr>
+                <p:cNvPr id="70" name="Connecteur droit 69"/>
+                <p:cNvCxnSpPr/>
+                <p:nvPr/>
+              </p:nvCxnSpPr>
+              <p:spPr>
+                <a:xfrm flipV="1">
+                  <a:off x="3851920" y="3356992"/>
+                  <a:ext cx="358502" cy="144016"/>
+                </a:xfrm>
+                <a:prstGeom prst="line">
+                  <a:avLst/>
+                </a:prstGeom>
+              </p:spPr>
+              <p:style>
+                <a:lnRef idx="1">
+                  <a:schemeClr val="accent1"/>
+                </a:lnRef>
+                <a:fillRef idx="0">
+                  <a:schemeClr val="accent1"/>
+                </a:fillRef>
+                <a:effectRef idx="0">
+                  <a:schemeClr val="accent1"/>
+                </a:effectRef>
+                <a:fontRef idx="minor">
+                  <a:schemeClr val="tx1"/>
+                </a:fontRef>
+              </p:style>
+            </p:cxnSp>
+            <p:cxnSp>
+              <p:nvCxnSpPr>
+                <p:cNvPr id="71" name="Connecteur droit 70"/>
+                <p:cNvCxnSpPr/>
+                <p:nvPr/>
+              </p:nvCxnSpPr>
+              <p:spPr>
+                <a:xfrm flipH="1" flipV="1">
+                  <a:off x="4086036" y="3012921"/>
+                  <a:ext cx="124386" cy="344071"/>
+                </a:xfrm>
+                <a:prstGeom prst="line">
+                  <a:avLst/>
+                </a:prstGeom>
+              </p:spPr>
+              <p:style>
+                <a:lnRef idx="1">
+                  <a:schemeClr val="accent1"/>
+                </a:lnRef>
+                <a:fillRef idx="0">
+                  <a:schemeClr val="accent1"/>
+                </a:fillRef>
+                <a:effectRef idx="0">
+                  <a:schemeClr val="accent1"/>
+                </a:effectRef>
+                <a:fontRef idx="minor">
+                  <a:schemeClr val="tx1"/>
+                </a:fontRef>
+              </p:style>
+            </p:cxnSp>
+            <p:sp>
+              <p:nvSpPr>
+                <p:cNvPr id="72" name="Ellipse 71"/>
+                <p:cNvSpPr/>
+                <p:nvPr/>
+              </p:nvSpPr>
+              <p:spPr>
+                <a:xfrm>
+                  <a:off x="3189238" y="3691170"/>
+                  <a:ext cx="45719" cy="45719"/>
+                </a:xfrm>
+                <a:prstGeom prst="ellipse">
+                  <a:avLst/>
+                </a:prstGeom>
+                <a:solidFill>
+                  <a:srgbClr val="00B050"/>
+                </a:solidFill>
+                <a:ln>
+                  <a:noFill/>
+                </a:ln>
+              </p:spPr>
+              <p:style>
+                <a:lnRef idx="2">
+                  <a:schemeClr val="accent1">
+                    <a:shade val="50000"/>
+                  </a:schemeClr>
+                </a:lnRef>
+                <a:fillRef idx="1">
+                  <a:schemeClr val="accent1"/>
+                </a:fillRef>
+                <a:effectRef idx="0">
+                  <a:schemeClr val="accent1"/>
+                </a:effectRef>
+                <a:fontRef idx="minor">
+                  <a:schemeClr val="lt1"/>
+                </a:fontRef>
+              </p:style>
+              <p:txBody>
+                <a:bodyPr rtlCol="0" anchor="ctr"/>
+                <a:lstStyle/>
+                <a:p>
+                  <a:pPr algn="ctr"/>
+                  <a:endParaRPr lang="en-US" sz="2400"/>
+                </a:p>
+              </p:txBody>
+            </p:sp>
+            <p:sp>
+              <p:nvSpPr>
+                <p:cNvPr id="73" name="Ellipse 72"/>
+                <p:cNvSpPr/>
+                <p:nvPr/>
+              </p:nvSpPr>
+              <p:spPr>
+                <a:xfrm>
+                  <a:off x="3469020" y="3406140"/>
+                  <a:ext cx="45719" cy="45719"/>
+                </a:xfrm>
+                <a:prstGeom prst="ellipse">
+                  <a:avLst/>
+                </a:prstGeom>
+                <a:solidFill>
+                  <a:srgbClr val="00B050"/>
+                </a:solidFill>
+                <a:ln>
+                  <a:noFill/>
+                </a:ln>
+              </p:spPr>
+              <p:style>
+                <a:lnRef idx="2">
+                  <a:schemeClr val="accent1">
+                    <a:shade val="50000"/>
+                  </a:schemeClr>
+                </a:lnRef>
+                <a:fillRef idx="1">
+                  <a:schemeClr val="accent1"/>
+                </a:fillRef>
+                <a:effectRef idx="0">
+                  <a:schemeClr val="accent1"/>
+                </a:effectRef>
+                <a:fontRef idx="minor">
+                  <a:schemeClr val="lt1"/>
+                </a:fontRef>
+              </p:style>
+              <p:txBody>
+                <a:bodyPr rtlCol="0" anchor="ctr"/>
+                <a:lstStyle/>
+                <a:p>
+                  <a:pPr algn="ctr"/>
+                  <a:endParaRPr lang="en-US" sz="2400"/>
+                </a:p>
+              </p:txBody>
+            </p:sp>
+            <p:sp>
+              <p:nvSpPr>
+                <p:cNvPr id="74" name="Ellipse 73"/>
+                <p:cNvSpPr/>
+                <p:nvPr/>
+              </p:nvSpPr>
+              <p:spPr>
+                <a:xfrm>
+                  <a:off x="3829060" y="3478148"/>
+                  <a:ext cx="45719" cy="45719"/>
+                </a:xfrm>
+                <a:prstGeom prst="ellipse">
+                  <a:avLst/>
+                </a:prstGeom>
+                <a:solidFill>
+                  <a:srgbClr val="00B050"/>
+                </a:solidFill>
+                <a:ln>
+                  <a:noFill/>
+                </a:ln>
+              </p:spPr>
+              <p:style>
+                <a:lnRef idx="2">
+                  <a:schemeClr val="accent1">
+                    <a:shade val="50000"/>
+                  </a:schemeClr>
+                </a:lnRef>
+                <a:fillRef idx="1">
+                  <a:schemeClr val="accent1"/>
+                </a:fillRef>
+                <a:effectRef idx="0">
+                  <a:schemeClr val="accent1"/>
+                </a:effectRef>
+                <a:fontRef idx="minor">
+                  <a:schemeClr val="lt1"/>
+                </a:fontRef>
+              </p:style>
+              <p:txBody>
+                <a:bodyPr rtlCol="0" anchor="ctr"/>
+                <a:lstStyle/>
+                <a:p>
+                  <a:pPr algn="ctr"/>
+                  <a:endParaRPr lang="en-US" sz="2400"/>
+                </a:p>
+              </p:txBody>
+            </p:sp>
+            <p:sp>
+              <p:nvSpPr>
+                <p:cNvPr id="75" name="Ellipse 74"/>
+                <p:cNvSpPr/>
+                <p:nvPr/>
+              </p:nvSpPr>
+              <p:spPr>
+                <a:xfrm>
+                  <a:off x="4186982" y="3343508"/>
+                  <a:ext cx="45719" cy="45719"/>
+                </a:xfrm>
+                <a:prstGeom prst="ellipse">
+                  <a:avLst/>
+                </a:prstGeom>
+                <a:solidFill>
+                  <a:srgbClr val="00B050"/>
+                </a:solidFill>
+                <a:ln>
+                  <a:noFill/>
+                </a:ln>
+              </p:spPr>
+              <p:style>
+                <a:lnRef idx="2">
+                  <a:schemeClr val="accent1">
+                    <a:shade val="50000"/>
+                  </a:schemeClr>
+                </a:lnRef>
+                <a:fillRef idx="1">
+                  <a:schemeClr val="accent1"/>
+                </a:fillRef>
+                <a:effectRef idx="0">
+                  <a:schemeClr val="accent1"/>
+                </a:effectRef>
+                <a:fontRef idx="minor">
+                  <a:schemeClr val="lt1"/>
+                </a:fontRef>
+              </p:style>
+              <p:txBody>
+                <a:bodyPr rtlCol="0" anchor="ctr"/>
+                <a:lstStyle/>
+                <a:p>
+                  <a:pPr algn="ctr"/>
+                  <a:endParaRPr lang="en-US" sz="2400"/>
+                </a:p>
+              </p:txBody>
+            </p:sp>
+            <p:sp>
+              <p:nvSpPr>
+                <p:cNvPr id="76" name="ZoneTexte 75"/>
+                <p:cNvSpPr txBox="1"/>
+                <p:nvPr/>
+              </p:nvSpPr>
+              <p:spPr>
+                <a:xfrm>
+                  <a:off x="3189238" y="3418596"/>
+                  <a:ext cx="180819" cy="153888"/>
+                </a:xfrm>
+                <a:prstGeom prst="rect">
+                  <a:avLst/>
+                </a:prstGeom>
+                <a:noFill/>
+              </p:spPr>
+              <p:txBody>
+                <a:bodyPr wrap="none" rtlCol="0">
+                  <a:spAutoFit/>
+                </a:bodyPr>
+                <a:lstStyle/>
+                <a:p>
+                  <a:r>
+                    <a:rPr lang="en-US" sz="900" dirty="0">
+                      <a:solidFill>
+                        <a:schemeClr val="accent1"/>
+                      </a:solidFill>
+                    </a:rPr>
+                    <a:t>c</a:t>
+                  </a:r>
+                  <a:r>
+                    <a:rPr lang="en-US" sz="900" baseline="-25000" dirty="0" smtClean="0">
+                      <a:solidFill>
+                        <a:schemeClr val="accent1"/>
+                      </a:solidFill>
+                    </a:rPr>
+                    <a:t>0</a:t>
+                  </a:r>
+                  <a:endParaRPr lang="en-US" sz="900" baseline="-25000" dirty="0">
+                    <a:solidFill>
+                      <a:schemeClr val="accent1"/>
+                    </a:solidFill>
+                  </a:endParaRPr>
+                </a:p>
+              </p:txBody>
+            </p:sp>
+            <p:sp>
+              <p:nvSpPr>
+                <p:cNvPr id="77" name="ZoneTexte 76"/>
+                <p:cNvSpPr txBox="1"/>
+                <p:nvPr/>
+              </p:nvSpPr>
+              <p:spPr>
+                <a:xfrm>
+                  <a:off x="4106190" y="2983398"/>
+                  <a:ext cx="161583" cy="153888"/>
+                </a:xfrm>
+                <a:prstGeom prst="rect">
+                  <a:avLst/>
+                </a:prstGeom>
+                <a:noFill/>
+              </p:spPr>
+              <p:txBody>
+                <a:bodyPr wrap="none" rtlCol="0">
+                  <a:spAutoFit/>
+                </a:bodyPr>
+                <a:lstStyle/>
+                <a:p>
+                  <a:r>
+                    <a:rPr lang="en-US" sz="900" dirty="0" smtClean="0">
+                      <a:solidFill>
+                        <a:schemeClr val="accent1"/>
+                      </a:solidFill>
+                    </a:rPr>
+                    <a:t>e</a:t>
+                  </a:r>
+                  <a:endParaRPr lang="en-US" sz="900" baseline="-25000" dirty="0">
+                    <a:solidFill>
+                      <a:schemeClr val="accent1"/>
+                    </a:solidFill>
+                  </a:endParaRPr>
+                </a:p>
+              </p:txBody>
+            </p:sp>
+          </p:grpSp>
+        </p:grpSp>
+        <p:sp>
+          <p:nvSpPr>
+            <p:cNvPr id="78" name="ZoneTexte 77"/>
+            <p:cNvSpPr txBox="1"/>
+            <p:nvPr/>
+          </p:nvSpPr>
+          <p:spPr>
+            <a:xfrm>
+              <a:off x="2564345" y="3500731"/>
+              <a:ext cx="229550" cy="253916"/>
+            </a:xfrm>
+            <a:prstGeom prst="rect">
+              <a:avLst/>
+            </a:prstGeom>
+            <a:noFill/>
+          </p:spPr>
+          <p:txBody>
+            <a:bodyPr wrap="none" rtlCol="0">
+              <a:spAutoFit/>
+            </a:bodyPr>
+            <a:lstStyle/>
+            <a:p>
+              <a:r>
+                <a:rPr lang="en-US" sz="1050" dirty="0">
+                  <a:solidFill>
+                    <a:srgbClr val="FF0000"/>
+                  </a:solidFill>
+                </a:rPr>
+                <a:t>t</a:t>
+              </a:r>
+            </a:p>
+          </p:txBody>
+        </p:sp>
+        <p:cxnSp>
+          <p:nvCxnSpPr>
+            <p:cNvPr id="79" name="Connecteur droit 78"/>
+            <p:cNvCxnSpPr/>
+            <p:nvPr/>
+          </p:nvCxnSpPr>
+          <p:spPr>
+            <a:xfrm>
+              <a:off x="2597041" y="3689640"/>
+              <a:ext cx="43844" cy="51445"/>
+            </a:xfrm>
+            <a:prstGeom prst="line">
+              <a:avLst/>
+            </a:prstGeom>
+            <a:ln>
+              <a:solidFill>
+                <a:srgbClr val="FF0000"/>
+              </a:solidFill>
+            </a:ln>
+          </p:spPr>
+          <p:style>
+            <a:lnRef idx="1">
+              <a:schemeClr val="accent1"/>
+            </a:lnRef>
+            <a:fillRef idx="0">
+              <a:schemeClr val="accent1"/>
+            </a:fillRef>
+            <a:effectRef idx="0">
+              <a:schemeClr val="accent1"/>
+            </a:effectRef>
+            <a:fontRef idx="minor">
+              <a:schemeClr val="tx1"/>
+            </a:fontRef>
+          </p:style>
+        </p:cxnSp>
+        <p:cxnSp>
+          <p:nvCxnSpPr>
+            <p:cNvPr id="80" name="Connecteur droit 79"/>
+            <p:cNvCxnSpPr/>
+            <p:nvPr/>
+          </p:nvCxnSpPr>
+          <p:spPr>
+            <a:xfrm flipV="1">
+              <a:off x="2604923" y="3689641"/>
+              <a:ext cx="35962" cy="51444"/>
+            </a:xfrm>
+            <a:prstGeom prst="line">
+              <a:avLst/>
+            </a:prstGeom>
+            <a:ln>
+              <a:solidFill>
+                <a:srgbClr val="FF0000"/>
+              </a:solidFill>
+            </a:ln>
+          </p:spPr>
+          <p:style>
+            <a:lnRef idx="1">
+              <a:schemeClr val="accent1"/>
+            </a:lnRef>
+            <a:fillRef idx="0">
+              <a:schemeClr val="accent1"/>
+            </a:fillRef>
+            <a:effectRef idx="0">
+              <a:schemeClr val="accent1"/>
+            </a:effectRef>
+            <a:fontRef idx="minor">
+              <a:schemeClr val="tx1"/>
+            </a:fontRef>
+          </p:style>
+        </p:cxnSp>
+        <p:sp>
+          <p:nvSpPr>
+            <p:cNvPr id="81" name="ZoneTexte 80"/>
+            <p:cNvSpPr txBox="1"/>
+            <p:nvPr/>
+          </p:nvSpPr>
+          <p:spPr>
+            <a:xfrm>
+              <a:off x="2240880" y="4630898"/>
+              <a:ext cx="284052" cy="323165"/>
+            </a:xfrm>
+            <a:prstGeom prst="rect">
+              <a:avLst/>
+            </a:prstGeom>
+            <a:noFill/>
+          </p:spPr>
+          <p:txBody>
+            <a:bodyPr wrap="none" rtlCol="0">
+              <a:spAutoFit/>
+            </a:bodyPr>
+            <a:lstStyle/>
+            <a:p>
+              <a:r>
+                <a:rPr lang="en-US" sz="900" dirty="0" smtClean="0">
+                  <a:solidFill>
+                    <a:srgbClr val="00B050"/>
+                  </a:solidFill>
+                </a:rPr>
+                <a:t>q</a:t>
+              </a:r>
+              <a:r>
+                <a:rPr lang="en-US" sz="900" baseline="-25000" dirty="0" smtClean="0">
+                  <a:solidFill>
+                    <a:srgbClr val="00B050"/>
+                  </a:solidFill>
+                </a:rPr>
+                <a:t>2</a:t>
+              </a:r>
+            </a:p>
+            <a:p>
+              <a:endParaRPr lang="en-US" sz="900" baseline="-25000" dirty="0">
+                <a:solidFill>
+                  <a:srgbClr val="00B050"/>
+                </a:solidFill>
+              </a:endParaRPr>
+            </a:p>
+          </p:txBody>
+        </p:sp>
+        <p:sp>
+          <p:nvSpPr>
+            <p:cNvPr id="83" name="Arc 82"/>
+            <p:cNvSpPr/>
+            <p:nvPr/>
+          </p:nvSpPr>
+          <p:spPr>
+            <a:xfrm rot="14822997">
+              <a:off x="2203643" y="4522645"/>
+              <a:ext cx="324035" cy="294314"/>
+            </a:xfrm>
+            <a:prstGeom prst="arc">
+              <a:avLst>
+                <a:gd name="adj1" fmla="val 5951023"/>
+                <a:gd name="adj2" fmla="val 9627367"/>
+              </a:avLst>
+            </a:prstGeom>
+            <a:ln>
+              <a:solidFill>
+                <a:srgbClr val="7030A0"/>
+              </a:solidFill>
+              <a:headEnd type="triangle"/>
+              <a:tailEnd type="none"/>
+            </a:ln>
+          </p:spPr>
+          <p:style>
+            <a:lnRef idx="1">
+              <a:schemeClr val="accent1"/>
+            </a:lnRef>
+            <a:fillRef idx="0">
+              <a:schemeClr val="accent1"/>
+            </a:fillRef>
+            <a:effectRef idx="0">
+              <a:schemeClr val="accent1"/>
+            </a:effectRef>
+            <a:fontRef idx="minor">
+              <a:schemeClr val="tx1"/>
+            </a:fontRef>
+          </p:style>
+          <p:txBody>
+            <a:bodyPr rtlCol="0" anchor="ctr"/>
+            <a:lstStyle/>
+            <a:p>
+              <a:pPr algn="ctr"/>
+              <a:endParaRPr lang="en-US" sz="2400">
+                <a:solidFill>
+                  <a:srgbClr val="7030A0"/>
+                </a:solidFill>
+              </a:endParaRPr>
+            </a:p>
+          </p:txBody>
+        </p:sp>
+        <p:cxnSp>
+          <p:nvCxnSpPr>
+            <p:cNvPr id="86" name="Connecteur droit 85"/>
+            <p:cNvCxnSpPr/>
+            <p:nvPr/>
+          </p:nvCxnSpPr>
+          <p:spPr>
+            <a:xfrm flipV="1">
+              <a:off x="2348617" y="3719513"/>
+              <a:ext cx="265996" cy="937475"/>
+            </a:xfrm>
+            <a:prstGeom prst="line">
+              <a:avLst/>
+            </a:prstGeom>
+            <a:ln>
+              <a:solidFill>
+                <a:schemeClr val="tx1"/>
+              </a:solidFill>
+              <a:tailEnd type="triangle"/>
+            </a:ln>
+          </p:spPr>
+          <p:style>
+            <a:lnRef idx="1">
+              <a:schemeClr val="accent1"/>
+            </a:lnRef>
+            <a:fillRef idx="0">
+              <a:schemeClr val="accent1"/>
+            </a:fillRef>
+            <a:effectRef idx="0">
+              <a:schemeClr val="accent1"/>
+            </a:effectRef>
+            <a:fontRef idx="minor">
+              <a:schemeClr val="tx1"/>
+            </a:fontRef>
+          </p:style>
+        </p:cxnSp>
+        <p:cxnSp>
+          <p:nvCxnSpPr>
+            <p:cNvPr id="97" name="Connecteur droit 96"/>
+            <p:cNvCxnSpPr/>
+            <p:nvPr/>
+          </p:nvCxnSpPr>
+          <p:spPr>
+            <a:xfrm flipV="1">
+              <a:off x="2352675" y="3949700"/>
+              <a:ext cx="346075" cy="717551"/>
+            </a:xfrm>
+            <a:prstGeom prst="line">
+              <a:avLst/>
+            </a:prstGeom>
+            <a:ln>
+              <a:solidFill>
+                <a:schemeClr val="tx1"/>
+              </a:solidFill>
+              <a:tailEnd type="triangle"/>
+            </a:ln>
+          </p:spPr>
+          <p:style>
+            <a:lnRef idx="1">
+              <a:schemeClr val="accent1"/>
+            </a:lnRef>
+            <a:fillRef idx="0">
+              <a:schemeClr val="accent1"/>
+            </a:fillRef>
+            <a:effectRef idx="0">
+              <a:schemeClr val="accent1"/>
+            </a:effectRef>
+            <a:fontRef idx="minor">
+              <a:schemeClr val="tx1"/>
+            </a:fontRef>
+          </p:style>
+        </p:cxnSp>
+        <p:sp>
+          <p:nvSpPr>
+            <p:cNvPr id="104" name="Arc 103"/>
+            <p:cNvSpPr/>
+            <p:nvPr/>
+          </p:nvSpPr>
+          <p:spPr>
+            <a:xfrm rot="9041537">
+              <a:off x="2306815" y="4256489"/>
+              <a:ext cx="324035" cy="294314"/>
+            </a:xfrm>
+            <a:prstGeom prst="arc">
+              <a:avLst>
+                <a:gd name="adj1" fmla="val 6912578"/>
+                <a:gd name="adj2" fmla="val 8912129"/>
+              </a:avLst>
+            </a:prstGeom>
+            <a:ln>
+              <a:solidFill>
+                <a:srgbClr val="7030A0"/>
+              </a:solidFill>
+              <a:headEnd type="none"/>
+              <a:tailEnd type="none"/>
+            </a:ln>
+          </p:spPr>
+          <p:style>
+            <a:lnRef idx="1">
+              <a:schemeClr val="accent1"/>
+            </a:lnRef>
+            <a:fillRef idx="0">
+              <a:schemeClr val="accent1"/>
+            </a:fillRef>
+            <a:effectRef idx="0">
+              <a:schemeClr val="accent1"/>
+            </a:effectRef>
+            <a:fontRef idx="minor">
+              <a:schemeClr val="tx1"/>
+            </a:fontRef>
+          </p:style>
+          <p:txBody>
+            <a:bodyPr rtlCol="0" anchor="ctr"/>
+            <a:lstStyle/>
+            <a:p>
+              <a:pPr algn="ctr"/>
+              <a:endParaRPr lang="en-US" sz="2400">
+                <a:solidFill>
+                  <a:srgbClr val="7030A0"/>
+                </a:solidFill>
+              </a:endParaRPr>
+            </a:p>
+          </p:txBody>
+        </p:sp>
+        <p:sp>
+          <p:nvSpPr>
+            <p:cNvPr id="106" name="ZoneTexte 105"/>
+            <p:cNvSpPr txBox="1"/>
+            <p:nvPr/>
+          </p:nvSpPr>
+          <p:spPr>
+            <a:xfrm>
+              <a:off x="2428999" y="3978302"/>
+              <a:ext cx="266420" cy="200055"/>
+            </a:xfrm>
+            <a:prstGeom prst="rect">
+              <a:avLst/>
+            </a:prstGeom>
+            <a:noFill/>
+            <a:ln>
+              <a:noFill/>
+            </a:ln>
+          </p:spPr>
+          <p:txBody>
+            <a:bodyPr wrap="none" rtlCol="0">
+              <a:spAutoFit/>
+            </a:bodyPr>
+            <a:lstStyle/>
+            <a:p>
+              <a:r>
+                <a:rPr lang="el-GR" sz="700" dirty="0" smtClean="0">
+                  <a:solidFill>
+                    <a:srgbClr val="7030A0"/>
+                  </a:solidFill>
+                  <a:latin typeface="Calibri"/>
+                  <a:cs typeface="Calibri"/>
+                </a:rPr>
+                <a:t>α</a:t>
+              </a:r>
+              <a:r>
+                <a:rPr lang="fr-FR" sz="700" baseline="-25000" dirty="0" smtClean="0">
+                  <a:solidFill>
+                    <a:srgbClr val="7030A0"/>
+                  </a:solidFill>
+                  <a:latin typeface="Calibri"/>
+                  <a:cs typeface="Calibri"/>
+                </a:rPr>
+                <a:t>2</a:t>
+              </a:r>
+              <a:endParaRPr lang="en-US" sz="700" baseline="-25000" dirty="0">
+                <a:solidFill>
+                  <a:srgbClr val="7030A0"/>
+                </a:solidFill>
+              </a:endParaRPr>
+            </a:p>
+          </p:txBody>
+        </p:sp>
+      </p:grpSp>
+      <p:grpSp>
+        <p:nvGrpSpPr>
+          <p:cNvPr id="210" name="Groupe 209"/>
+          <p:cNvGrpSpPr/>
+          <p:nvPr/>
+        </p:nvGrpSpPr>
+        <p:grpSpPr>
+          <a:xfrm>
+            <a:off x="521887" y="2331486"/>
+            <a:ext cx="2160241" cy="1518279"/>
+            <a:chOff x="3923927" y="3500731"/>
+            <a:chExt cx="2160241" cy="1518279"/>
+          </a:xfrm>
+        </p:grpSpPr>
+        <p:sp>
+          <p:nvSpPr>
+            <p:cNvPr id="108" name="ZoneTexte 107"/>
+            <p:cNvSpPr txBox="1"/>
+            <p:nvPr/>
+          </p:nvSpPr>
+          <p:spPr>
+            <a:xfrm>
+              <a:off x="4021618" y="4788178"/>
+              <a:ext cx="284052" cy="230832"/>
+            </a:xfrm>
+            <a:prstGeom prst="rect">
+              <a:avLst/>
+            </a:prstGeom>
+            <a:noFill/>
+          </p:spPr>
+          <p:txBody>
+            <a:bodyPr wrap="none" rtlCol="0">
+              <a:spAutoFit/>
+            </a:bodyPr>
+            <a:lstStyle/>
+            <a:p>
+              <a:r>
+                <a:rPr lang="en-US" sz="900" dirty="0" smtClean="0">
+                  <a:solidFill>
+                    <a:srgbClr val="00B050"/>
+                  </a:solidFill>
+                </a:rPr>
+                <a:t>q</a:t>
+              </a:r>
+              <a:r>
+                <a:rPr lang="en-US" sz="900" baseline="-25000" dirty="0">
+                  <a:solidFill>
+                    <a:srgbClr val="00B050"/>
+                  </a:solidFill>
+                </a:rPr>
+                <a:t>0</a:t>
+              </a:r>
+            </a:p>
+          </p:txBody>
+        </p:sp>
+        <p:cxnSp>
+          <p:nvCxnSpPr>
+            <p:cNvPr id="110" name="Connecteur droit 109"/>
+            <p:cNvCxnSpPr/>
+            <p:nvPr/>
+          </p:nvCxnSpPr>
+          <p:spPr>
+            <a:xfrm>
+              <a:off x="3923927" y="4989224"/>
+              <a:ext cx="2160241" cy="0"/>
+            </a:xfrm>
+            <a:prstGeom prst="line">
+              <a:avLst/>
+            </a:prstGeom>
+            <a:ln>
+              <a:solidFill>
+                <a:schemeClr val="tx1"/>
+              </a:solidFill>
+            </a:ln>
+          </p:spPr>
+          <p:style>
+            <a:lnRef idx="1">
+              <a:schemeClr val="accent1"/>
+            </a:lnRef>
+            <a:fillRef idx="0">
+              <a:schemeClr val="accent1"/>
+            </a:fillRef>
+            <a:effectRef idx="0">
+              <a:schemeClr val="accent1"/>
+            </a:effectRef>
+            <a:fontRef idx="minor">
+              <a:schemeClr val="tx1"/>
+            </a:fontRef>
+          </p:style>
+        </p:cxnSp>
+        <p:cxnSp>
+          <p:nvCxnSpPr>
+            <p:cNvPr id="111" name="Connecteur droit 110"/>
+            <p:cNvCxnSpPr/>
+            <p:nvPr/>
+          </p:nvCxnSpPr>
+          <p:spPr>
+            <a:xfrm flipV="1">
+              <a:off x="4247963" y="4557176"/>
+              <a:ext cx="432048" cy="432048"/>
+            </a:xfrm>
+            <a:prstGeom prst="line">
+              <a:avLst/>
+            </a:prstGeom>
+          </p:spPr>
+          <p:style>
+            <a:lnRef idx="1">
+              <a:schemeClr val="accent1"/>
+            </a:lnRef>
+            <a:fillRef idx="0">
+              <a:schemeClr val="accent1"/>
+            </a:fillRef>
+            <a:effectRef idx="0">
+              <a:schemeClr val="accent1"/>
+            </a:effectRef>
+            <a:fontRef idx="minor">
+              <a:schemeClr val="tx1"/>
+            </a:fontRef>
+          </p:style>
+        </p:cxnSp>
+        <p:cxnSp>
+          <p:nvCxnSpPr>
+            <p:cNvPr id="112" name="Connecteur droit 111"/>
+            <p:cNvCxnSpPr/>
+            <p:nvPr/>
+          </p:nvCxnSpPr>
+          <p:spPr>
+            <a:xfrm>
+              <a:off x="4682318" y="4557362"/>
+              <a:ext cx="537753" cy="107826"/>
+            </a:xfrm>
+            <a:prstGeom prst="line">
+              <a:avLst/>
+            </a:prstGeom>
+          </p:spPr>
+          <p:style>
+            <a:lnRef idx="1">
+              <a:schemeClr val="accent1"/>
+            </a:lnRef>
+            <a:fillRef idx="0">
+              <a:schemeClr val="accent1"/>
+            </a:fillRef>
+            <a:effectRef idx="0">
+              <a:schemeClr val="accent1"/>
+            </a:effectRef>
+            <a:fontRef idx="minor">
+              <a:schemeClr val="tx1"/>
+            </a:fontRef>
+          </p:style>
+        </p:cxnSp>
+        <p:sp>
+          <p:nvSpPr>
+            <p:cNvPr id="115" name="Ellipse 114"/>
+            <p:cNvSpPr/>
+            <p:nvPr/>
+          </p:nvSpPr>
+          <p:spPr>
+            <a:xfrm>
+              <a:off x="4226048" y="4950431"/>
+              <a:ext cx="68579" cy="68579"/>
+            </a:xfrm>
+            <a:prstGeom prst="ellipse">
+              <a:avLst/>
+            </a:prstGeom>
+            <a:solidFill>
+              <a:srgbClr val="00B050"/>
+            </a:solidFill>
+            <a:ln>
+              <a:noFill/>
+            </a:ln>
+          </p:spPr>
+          <p:style>
+            <a:lnRef idx="2">
+              <a:schemeClr val="accent1">
+                <a:shade val="50000"/>
+              </a:schemeClr>
+            </a:lnRef>
+            <a:fillRef idx="1">
+              <a:schemeClr val="accent1"/>
+            </a:fillRef>
+            <a:effectRef idx="0">
+              <a:schemeClr val="accent1"/>
+            </a:effectRef>
+            <a:fontRef idx="minor">
+              <a:schemeClr val="lt1"/>
+            </a:fontRef>
+          </p:style>
+          <p:txBody>
+            <a:bodyPr rtlCol="0" anchor="ctr"/>
+            <a:lstStyle/>
+            <a:p>
+              <a:pPr algn="ctr"/>
+              <a:endParaRPr lang="en-US" sz="2400"/>
+            </a:p>
+          </p:txBody>
+        </p:sp>
+        <p:sp>
+          <p:nvSpPr>
+            <p:cNvPr id="116" name="Ellipse 115"/>
+            <p:cNvSpPr/>
+            <p:nvPr/>
+          </p:nvSpPr>
+          <p:spPr>
+            <a:xfrm>
+              <a:off x="4645721" y="4522886"/>
+              <a:ext cx="68579" cy="68579"/>
+            </a:xfrm>
+            <a:prstGeom prst="ellipse">
+              <a:avLst/>
+            </a:prstGeom>
+            <a:solidFill>
+              <a:srgbClr val="00B050"/>
+            </a:solidFill>
+            <a:ln>
+              <a:noFill/>
+            </a:ln>
+          </p:spPr>
+          <p:style>
+            <a:lnRef idx="2">
+              <a:schemeClr val="accent1">
+                <a:shade val="50000"/>
+              </a:schemeClr>
+            </a:lnRef>
+            <a:fillRef idx="1">
+              <a:schemeClr val="accent1"/>
+            </a:fillRef>
+            <a:effectRef idx="0">
+              <a:schemeClr val="accent1"/>
+            </a:effectRef>
+            <a:fontRef idx="minor">
+              <a:schemeClr val="lt1"/>
+            </a:fontRef>
+          </p:style>
+          <p:txBody>
+            <a:bodyPr rtlCol="0" anchor="ctr"/>
+            <a:lstStyle/>
+            <a:p>
+              <a:pPr algn="ctr"/>
+              <a:endParaRPr lang="en-US" sz="2400"/>
+            </a:p>
+          </p:txBody>
+        </p:sp>
+        <p:sp>
+          <p:nvSpPr>
+            <p:cNvPr id="117" name="Ellipse 116"/>
+            <p:cNvSpPr/>
+            <p:nvPr/>
+          </p:nvSpPr>
+          <p:spPr>
+            <a:xfrm>
+              <a:off x="5185782" y="4630898"/>
+              <a:ext cx="68579" cy="68579"/>
+            </a:xfrm>
+            <a:prstGeom prst="ellipse">
+              <a:avLst/>
+            </a:prstGeom>
+            <a:solidFill>
+              <a:srgbClr val="00B050"/>
+            </a:solidFill>
+            <a:ln>
+              <a:noFill/>
+            </a:ln>
+          </p:spPr>
+          <p:style>
+            <a:lnRef idx="2">
+              <a:schemeClr val="accent1">
+                <a:shade val="50000"/>
+              </a:schemeClr>
+            </a:lnRef>
+            <a:fillRef idx="1">
+              <a:schemeClr val="accent1"/>
+            </a:fillRef>
+            <a:effectRef idx="0">
+              <a:schemeClr val="accent1"/>
+            </a:effectRef>
+            <a:fontRef idx="minor">
+              <a:schemeClr val="lt1"/>
+            </a:fontRef>
+          </p:style>
+          <p:txBody>
+            <a:bodyPr rtlCol="0" anchor="ctr"/>
+            <a:lstStyle/>
+            <a:p>
+              <a:pPr algn="ctr"/>
+              <a:endParaRPr lang="en-US" sz="2400"/>
+            </a:p>
+          </p:txBody>
+        </p:sp>
+        <p:grpSp>
+          <p:nvGrpSpPr>
+            <p:cNvPr id="130" name="Groupe 129"/>
+            <p:cNvGrpSpPr/>
+            <p:nvPr/>
+          </p:nvGrpSpPr>
+          <p:grpSpPr>
+            <a:xfrm rot="21005783">
+              <a:off x="5149960" y="3881193"/>
+              <a:ext cx="571172" cy="732130"/>
+              <a:chOff x="5220072" y="3933058"/>
+              <a:chExt cx="571172" cy="732130"/>
+            </a:xfrm>
+          </p:grpSpPr>
+          <p:cxnSp>
+            <p:nvCxnSpPr>
+              <p:cNvPr id="113" name="Connecteur droit 112"/>
+              <p:cNvCxnSpPr/>
+              <p:nvPr/>
+            </p:nvCxnSpPr>
+            <p:spPr>
+              <a:xfrm flipV="1">
+                <a:off x="5220072" y="4449164"/>
+                <a:ext cx="537753" cy="216024"/>
+              </a:xfrm>
+              <a:prstGeom prst="line">
+                <a:avLst/>
+              </a:prstGeom>
+            </p:spPr>
+            <p:style>
+              <a:lnRef idx="1">
+                <a:schemeClr val="accent1"/>
+              </a:lnRef>
+              <a:fillRef idx="0">
+                <a:schemeClr val="accent1"/>
+              </a:fillRef>
+              <a:effectRef idx="0">
+                <a:schemeClr val="accent1"/>
+              </a:effectRef>
+              <a:fontRef idx="minor">
+                <a:schemeClr val="tx1"/>
+              </a:fontRef>
+            </p:style>
+          </p:cxnSp>
+          <p:cxnSp>
+            <p:nvCxnSpPr>
+              <p:cNvPr id="114" name="Connecteur droit 113"/>
+              <p:cNvCxnSpPr/>
+              <p:nvPr/>
+            </p:nvCxnSpPr>
+            <p:spPr>
+              <a:xfrm flipH="1" flipV="1">
+                <a:off x="5571246" y="3933058"/>
+                <a:ext cx="186579" cy="516107"/>
+              </a:xfrm>
+              <a:prstGeom prst="line">
+                <a:avLst/>
+              </a:prstGeom>
+            </p:spPr>
+            <p:style>
+              <a:lnRef idx="1">
+                <a:schemeClr val="accent1"/>
+              </a:lnRef>
+              <a:fillRef idx="0">
+                <a:schemeClr val="accent1"/>
+              </a:fillRef>
+              <a:effectRef idx="0">
+                <a:schemeClr val="accent1"/>
+              </a:effectRef>
+              <a:fontRef idx="minor">
+                <a:schemeClr val="tx1"/>
+              </a:fontRef>
+            </p:style>
+          </p:cxnSp>
+          <p:sp>
+            <p:nvSpPr>
+              <p:cNvPr id="118" name="Ellipse 117"/>
+              <p:cNvSpPr/>
+              <p:nvPr/>
+            </p:nvSpPr>
+            <p:spPr>
+              <a:xfrm>
+                <a:off x="5722665" y="4428938"/>
+                <a:ext cx="68579" cy="68579"/>
+              </a:xfrm>
+              <a:prstGeom prst="ellipse">
+                <a:avLst/>
+              </a:prstGeom>
+              <a:solidFill>
+                <a:srgbClr val="00B050"/>
+              </a:solidFill>
+              <a:ln>
+                <a:noFill/>
+              </a:ln>
+            </p:spPr>
+            <p:style>
+              <a:lnRef idx="2">
+                <a:schemeClr val="accent1">
+                  <a:shade val="50000"/>
+                </a:schemeClr>
+              </a:lnRef>
+              <a:fillRef idx="1">
+                <a:schemeClr val="accent1"/>
+              </a:fillRef>
+              <a:effectRef idx="0">
+                <a:schemeClr val="accent1"/>
+              </a:effectRef>
+              <a:fontRef idx="minor">
+                <a:schemeClr val="lt1"/>
+              </a:fontRef>
+            </p:style>
+            <p:txBody>
+              <a:bodyPr rtlCol="0" anchor="ctr"/>
+              <a:lstStyle/>
+              <a:p>
+                <a:pPr algn="ctr"/>
+                <a:endParaRPr lang="en-US" sz="2400"/>
+              </a:p>
+            </p:txBody>
+          </p:sp>
+        </p:grpSp>
+        <p:sp>
+          <p:nvSpPr>
+            <p:cNvPr id="119" name="ZoneTexte 118"/>
+            <p:cNvSpPr txBox="1"/>
+            <p:nvPr/>
+          </p:nvSpPr>
+          <p:spPr>
+            <a:xfrm>
+              <a:off x="4226048" y="4541570"/>
+              <a:ext cx="271229" cy="230832"/>
+            </a:xfrm>
+            <a:prstGeom prst="rect">
+              <a:avLst/>
+            </a:prstGeom>
+            <a:noFill/>
+          </p:spPr>
+          <p:txBody>
+            <a:bodyPr wrap="none" rtlCol="0">
+              <a:spAutoFit/>
+            </a:bodyPr>
+            <a:lstStyle/>
+            <a:p>
+              <a:r>
+                <a:rPr lang="en-US" sz="900" dirty="0">
+                  <a:solidFill>
+                    <a:schemeClr val="accent1"/>
+                  </a:solidFill>
+                </a:rPr>
+                <a:t>c</a:t>
+              </a:r>
+              <a:r>
+                <a:rPr lang="en-US" sz="900" baseline="-25000" dirty="0" smtClean="0">
+                  <a:solidFill>
+                    <a:schemeClr val="accent1"/>
+                  </a:solidFill>
+                </a:rPr>
+                <a:t>0</a:t>
+              </a:r>
+              <a:endParaRPr lang="en-US" sz="900" baseline="-25000" dirty="0">
+                <a:solidFill>
+                  <a:schemeClr val="accent1"/>
+                </a:solidFill>
+              </a:endParaRPr>
+            </a:p>
+          </p:txBody>
+        </p:sp>
+        <p:sp>
+          <p:nvSpPr>
+            <p:cNvPr id="120" name="ZoneTexte 119"/>
+            <p:cNvSpPr txBox="1"/>
+            <p:nvPr/>
+          </p:nvSpPr>
+          <p:spPr>
+            <a:xfrm>
+              <a:off x="5496594" y="3817642"/>
+              <a:ext cx="242375" cy="230832"/>
+            </a:xfrm>
+            <a:prstGeom prst="rect">
+              <a:avLst/>
+            </a:prstGeom>
+            <a:noFill/>
+          </p:spPr>
+          <p:txBody>
+            <a:bodyPr wrap="none" rtlCol="0">
+              <a:spAutoFit/>
+            </a:bodyPr>
+            <a:lstStyle/>
+            <a:p>
+              <a:r>
+                <a:rPr lang="en-US" sz="900" dirty="0" smtClean="0">
+                  <a:solidFill>
+                    <a:schemeClr val="accent1"/>
+                  </a:solidFill>
+                </a:rPr>
+                <a:t>e</a:t>
+              </a:r>
+              <a:endParaRPr lang="en-US" sz="900" baseline="-25000" dirty="0">
+                <a:solidFill>
+                  <a:schemeClr val="accent1"/>
+                </a:solidFill>
+              </a:endParaRPr>
+            </a:p>
+          </p:txBody>
+        </p:sp>
+        <p:sp>
+          <p:nvSpPr>
+            <p:cNvPr id="121" name="ZoneTexte 120"/>
+            <p:cNvSpPr txBox="1"/>
+            <p:nvPr/>
+          </p:nvSpPr>
+          <p:spPr>
+            <a:xfrm>
+              <a:off x="5435800" y="3500731"/>
+              <a:ext cx="229550" cy="253916"/>
+            </a:xfrm>
+            <a:prstGeom prst="rect">
+              <a:avLst/>
+            </a:prstGeom>
+            <a:noFill/>
+          </p:spPr>
+          <p:txBody>
+            <a:bodyPr wrap="none" rtlCol="0">
+              <a:spAutoFit/>
+            </a:bodyPr>
+            <a:lstStyle/>
+            <a:p>
+              <a:r>
+                <a:rPr lang="en-US" sz="1050" dirty="0">
+                  <a:solidFill>
+                    <a:srgbClr val="FF0000"/>
+                  </a:solidFill>
+                </a:rPr>
+                <a:t>t</a:t>
+              </a:r>
+            </a:p>
+          </p:txBody>
+        </p:sp>
+        <p:cxnSp>
+          <p:nvCxnSpPr>
+            <p:cNvPr id="122" name="Connecteur droit 121"/>
+            <p:cNvCxnSpPr/>
+            <p:nvPr/>
+          </p:nvCxnSpPr>
+          <p:spPr>
+            <a:xfrm>
+              <a:off x="5468496" y="3689640"/>
+              <a:ext cx="43844" cy="51445"/>
+            </a:xfrm>
+            <a:prstGeom prst="line">
+              <a:avLst/>
+            </a:prstGeom>
+            <a:ln>
+              <a:solidFill>
+                <a:srgbClr val="FF0000"/>
+              </a:solidFill>
+            </a:ln>
+          </p:spPr>
+          <p:style>
+            <a:lnRef idx="1">
+              <a:schemeClr val="accent1"/>
+            </a:lnRef>
+            <a:fillRef idx="0">
+              <a:schemeClr val="accent1"/>
+            </a:fillRef>
+            <a:effectRef idx="0">
+              <a:schemeClr val="accent1"/>
+            </a:effectRef>
+            <a:fontRef idx="minor">
+              <a:schemeClr val="tx1"/>
+            </a:fontRef>
+          </p:style>
+        </p:cxnSp>
+        <p:cxnSp>
+          <p:nvCxnSpPr>
+            <p:cNvPr id="123" name="Connecteur droit 122"/>
+            <p:cNvCxnSpPr/>
+            <p:nvPr/>
+          </p:nvCxnSpPr>
+          <p:spPr>
+            <a:xfrm flipV="1">
+              <a:off x="5476378" y="3689641"/>
+              <a:ext cx="35962" cy="51444"/>
+            </a:xfrm>
+            <a:prstGeom prst="line">
+              <a:avLst/>
+            </a:prstGeom>
+            <a:ln>
+              <a:solidFill>
+                <a:srgbClr val="FF0000"/>
+              </a:solidFill>
+            </a:ln>
+          </p:spPr>
+          <p:style>
+            <a:lnRef idx="1">
+              <a:schemeClr val="accent1"/>
+            </a:lnRef>
+            <a:fillRef idx="0">
+              <a:schemeClr val="accent1"/>
+            </a:fillRef>
+            <a:effectRef idx="0">
+              <a:schemeClr val="accent1"/>
+            </a:effectRef>
+            <a:fontRef idx="minor">
+              <a:schemeClr val="tx1"/>
+            </a:fontRef>
+          </p:style>
+        </p:cxnSp>
+        <p:sp>
+          <p:nvSpPr>
+            <p:cNvPr id="124" name="ZoneTexte 123"/>
+            <p:cNvSpPr txBox="1"/>
+            <p:nvPr/>
+          </p:nvSpPr>
+          <p:spPr>
+            <a:xfrm>
+              <a:off x="4540293" y="4537894"/>
+              <a:ext cx="284052" cy="415498"/>
+            </a:xfrm>
+            <a:prstGeom prst="rect">
+              <a:avLst/>
+            </a:prstGeom>
+            <a:noFill/>
+          </p:spPr>
+          <p:txBody>
+            <a:bodyPr wrap="none" rtlCol="0">
+              <a:spAutoFit/>
+            </a:bodyPr>
+            <a:lstStyle/>
+            <a:p>
+              <a:r>
+                <a:rPr lang="en-US" sz="900" dirty="0" smtClean="0">
+                  <a:solidFill>
+                    <a:srgbClr val="00B050"/>
+                  </a:solidFill>
+                </a:rPr>
+                <a:t>q</a:t>
+              </a:r>
+              <a:r>
+                <a:rPr lang="en-US" sz="900" baseline="-25000" dirty="0" smtClean="0">
+                  <a:solidFill>
+                    <a:srgbClr val="00B050"/>
+                  </a:solidFill>
+                </a:rPr>
+                <a:t>1</a:t>
+              </a:r>
+            </a:p>
+            <a:p>
+              <a:endParaRPr lang="en-US" sz="900" baseline="-25000" dirty="0" smtClean="0">
+                <a:solidFill>
+                  <a:srgbClr val="00B050"/>
+                </a:solidFill>
+              </a:endParaRPr>
+            </a:p>
+            <a:p>
+              <a:endParaRPr lang="en-US" sz="900" baseline="-25000" dirty="0">
+                <a:solidFill>
+                  <a:srgbClr val="00B050"/>
+                </a:solidFill>
+              </a:endParaRPr>
+            </a:p>
+          </p:txBody>
+        </p:sp>
+        <p:sp>
+          <p:nvSpPr>
+            <p:cNvPr id="125" name="Arc 124"/>
+            <p:cNvSpPr/>
+            <p:nvPr/>
+          </p:nvSpPr>
+          <p:spPr>
+            <a:xfrm rot="14822997">
+              <a:off x="4500653" y="4522645"/>
+              <a:ext cx="324035" cy="294314"/>
+            </a:xfrm>
+            <a:prstGeom prst="arc">
+              <a:avLst>
+                <a:gd name="adj1" fmla="val 5951023"/>
+                <a:gd name="adj2" fmla="val 9627367"/>
+              </a:avLst>
+            </a:prstGeom>
+            <a:ln>
+              <a:solidFill>
+                <a:srgbClr val="7030A0"/>
+              </a:solidFill>
+              <a:headEnd type="triangle"/>
+              <a:tailEnd type="none"/>
+            </a:ln>
+          </p:spPr>
+          <p:style>
+            <a:lnRef idx="1">
+              <a:schemeClr val="accent1"/>
+            </a:lnRef>
+            <a:fillRef idx="0">
+              <a:schemeClr val="accent1"/>
+            </a:fillRef>
+            <a:effectRef idx="0">
+              <a:schemeClr val="accent1"/>
+            </a:effectRef>
+            <a:fontRef idx="minor">
+              <a:schemeClr val="tx1"/>
+            </a:fontRef>
+          </p:style>
+          <p:txBody>
+            <a:bodyPr rtlCol="0" anchor="ctr"/>
+            <a:lstStyle/>
+            <a:p>
+              <a:pPr algn="ctr"/>
+              <a:endParaRPr lang="en-US" sz="2400">
+                <a:solidFill>
+                  <a:srgbClr val="7030A0"/>
+                </a:solidFill>
+              </a:endParaRPr>
+            </a:p>
+          </p:txBody>
+        </p:sp>
+        <p:cxnSp>
+          <p:nvCxnSpPr>
+            <p:cNvPr id="132" name="Connecteur droit 131"/>
+            <p:cNvCxnSpPr/>
+            <p:nvPr/>
+          </p:nvCxnSpPr>
+          <p:spPr>
+            <a:xfrm flipV="1">
+              <a:off x="4688317" y="3888773"/>
+              <a:ext cx="747483" cy="668590"/>
+            </a:xfrm>
+            <a:prstGeom prst="line">
+              <a:avLst/>
+            </a:prstGeom>
+            <a:ln>
+              <a:solidFill>
+                <a:schemeClr val="tx1"/>
+              </a:solidFill>
+              <a:tailEnd type="triangle"/>
+            </a:ln>
+          </p:spPr>
+          <p:style>
+            <a:lnRef idx="1">
+              <a:schemeClr val="accent1"/>
+            </a:lnRef>
+            <a:fillRef idx="0">
+              <a:schemeClr val="accent1"/>
+            </a:fillRef>
+            <a:effectRef idx="0">
+              <a:schemeClr val="accent1"/>
+            </a:effectRef>
+            <a:fontRef idx="minor">
+              <a:schemeClr val="tx1"/>
+            </a:fontRef>
+          </p:style>
+        </p:cxnSp>
+        <p:cxnSp>
+          <p:nvCxnSpPr>
+            <p:cNvPr id="133" name="Connecteur droit 132"/>
+            <p:cNvCxnSpPr/>
+            <p:nvPr/>
+          </p:nvCxnSpPr>
+          <p:spPr>
+            <a:xfrm flipV="1">
+              <a:off x="4688317" y="3719513"/>
+              <a:ext cx="793321" cy="837850"/>
+            </a:xfrm>
+            <a:prstGeom prst="line">
+              <a:avLst/>
+            </a:prstGeom>
+            <a:ln>
+              <a:solidFill>
+                <a:schemeClr val="tx1"/>
+              </a:solidFill>
+              <a:tailEnd type="triangle"/>
+            </a:ln>
+          </p:spPr>
+          <p:style>
+            <a:lnRef idx="1">
+              <a:schemeClr val="accent1"/>
+            </a:lnRef>
+            <a:fillRef idx="0">
+              <a:schemeClr val="accent1"/>
+            </a:fillRef>
+            <a:effectRef idx="0">
+              <a:schemeClr val="accent1"/>
+            </a:effectRef>
+            <a:fontRef idx="minor">
+              <a:schemeClr val="tx1"/>
+            </a:fontRef>
+          </p:style>
+        </p:cxnSp>
+        <p:sp>
+          <p:nvSpPr>
+            <p:cNvPr id="135" name="Arc 134"/>
+            <p:cNvSpPr/>
+            <p:nvPr/>
+          </p:nvSpPr>
+          <p:spPr>
+            <a:xfrm rot="11423260">
+              <a:off x="4909621" y="4022667"/>
+              <a:ext cx="324035" cy="294314"/>
+            </a:xfrm>
+            <a:prstGeom prst="arc">
+              <a:avLst>
+                <a:gd name="adj1" fmla="val 7166790"/>
+                <a:gd name="adj2" fmla="val 8406616"/>
+              </a:avLst>
+            </a:prstGeom>
+            <a:ln>
+              <a:solidFill>
+                <a:srgbClr val="7030A0"/>
+              </a:solidFill>
+              <a:headEnd type="none"/>
+              <a:tailEnd type="none"/>
+            </a:ln>
+          </p:spPr>
+          <p:style>
+            <a:lnRef idx="1">
+              <a:schemeClr val="accent1"/>
+            </a:lnRef>
+            <a:fillRef idx="0">
+              <a:schemeClr val="accent1"/>
+            </a:fillRef>
+            <a:effectRef idx="0">
+              <a:schemeClr val="accent1"/>
+            </a:effectRef>
+            <a:fontRef idx="minor">
+              <a:schemeClr val="tx1"/>
+            </a:fontRef>
+          </p:style>
+          <p:txBody>
+            <a:bodyPr rtlCol="0" anchor="ctr"/>
+            <a:lstStyle/>
+            <a:p>
+              <a:pPr algn="ctr"/>
+              <a:endParaRPr lang="en-US" sz="2400">
+                <a:solidFill>
+                  <a:srgbClr val="7030A0"/>
+                </a:solidFill>
+              </a:endParaRPr>
+            </a:p>
+          </p:txBody>
+        </p:sp>
+        <p:sp>
+          <p:nvSpPr>
+            <p:cNvPr id="136" name="ZoneTexte 135"/>
+            <p:cNvSpPr txBox="1"/>
+            <p:nvPr/>
+          </p:nvSpPr>
+          <p:spPr>
+            <a:xfrm>
+              <a:off x="4928848" y="3948430"/>
+              <a:ext cx="266420" cy="200055"/>
+            </a:xfrm>
+            <a:prstGeom prst="rect">
+              <a:avLst/>
+            </a:prstGeom>
+            <a:noFill/>
+            <a:ln>
+              <a:noFill/>
+            </a:ln>
+          </p:spPr>
+          <p:txBody>
+            <a:bodyPr wrap="none" rtlCol="0">
+              <a:spAutoFit/>
+            </a:bodyPr>
+            <a:lstStyle/>
+            <a:p>
+              <a:r>
+                <a:rPr lang="el-GR" sz="700" dirty="0" smtClean="0">
+                  <a:solidFill>
+                    <a:srgbClr val="7030A0"/>
+                  </a:solidFill>
+                  <a:latin typeface="Calibri"/>
+                  <a:cs typeface="Calibri"/>
+                </a:rPr>
+                <a:t>α</a:t>
+              </a:r>
+              <a:r>
+                <a:rPr lang="fr-FR" sz="700" baseline="-25000" dirty="0">
+                  <a:solidFill>
+                    <a:srgbClr val="7030A0"/>
+                  </a:solidFill>
+                  <a:latin typeface="Calibri"/>
+                  <a:cs typeface="Calibri"/>
+                </a:rPr>
+                <a:t>1</a:t>
+              </a:r>
+              <a:endParaRPr lang="en-US" sz="700" baseline="-25000" dirty="0">
+                <a:solidFill>
+                  <a:srgbClr val="7030A0"/>
+                </a:solidFill>
+              </a:endParaRPr>
+            </a:p>
+          </p:txBody>
+        </p:sp>
+      </p:grpSp>
+      <p:grpSp>
+        <p:nvGrpSpPr>
+          <p:cNvPr id="213" name="Groupe 212"/>
+          <p:cNvGrpSpPr/>
+          <p:nvPr/>
+        </p:nvGrpSpPr>
+        <p:grpSpPr>
+          <a:xfrm>
+            <a:off x="3006879" y="2324041"/>
+            <a:ext cx="2160241" cy="1518279"/>
+            <a:chOff x="1052473" y="5160061"/>
+            <a:chExt cx="2160241" cy="1518279"/>
+          </a:xfrm>
+        </p:grpSpPr>
+        <p:sp>
+          <p:nvSpPr>
+            <p:cNvPr id="150" name="ZoneTexte 149"/>
+            <p:cNvSpPr txBox="1"/>
+            <p:nvPr/>
+          </p:nvSpPr>
+          <p:spPr>
+            <a:xfrm>
+              <a:off x="2564346" y="5160061"/>
+              <a:ext cx="229550" cy="253916"/>
+            </a:xfrm>
+            <a:prstGeom prst="rect">
+              <a:avLst/>
+            </a:prstGeom>
+            <a:noFill/>
+          </p:spPr>
+          <p:txBody>
+            <a:bodyPr wrap="none" rtlCol="0">
+              <a:spAutoFit/>
+            </a:bodyPr>
+            <a:lstStyle/>
+            <a:p>
+              <a:r>
+                <a:rPr lang="en-US" sz="1050" dirty="0">
+                  <a:solidFill>
+                    <a:srgbClr val="FF0000"/>
+                  </a:solidFill>
+                </a:rPr>
+                <a:t>t</a:t>
+              </a:r>
+            </a:p>
+          </p:txBody>
+        </p:sp>
+        <p:grpSp>
+          <p:nvGrpSpPr>
+            <p:cNvPr id="212" name="Groupe 211"/>
+            <p:cNvGrpSpPr/>
+            <p:nvPr/>
+          </p:nvGrpSpPr>
+          <p:grpSpPr>
+            <a:xfrm>
+              <a:off x="1052473" y="5348970"/>
+              <a:ext cx="2160241" cy="1329370"/>
+              <a:chOff x="1052473" y="5348970"/>
+              <a:chExt cx="2160241" cy="1329370"/>
+            </a:xfrm>
+          </p:grpSpPr>
+          <p:sp>
+            <p:nvSpPr>
+              <p:cNvPr id="137" name="ZoneTexte 136"/>
+              <p:cNvSpPr txBox="1"/>
+              <p:nvPr/>
+            </p:nvSpPr>
+            <p:spPr>
+              <a:xfrm>
+                <a:off x="1150164" y="6447508"/>
+                <a:ext cx="284052" cy="230832"/>
+              </a:xfrm>
+              <a:prstGeom prst="rect">
+                <a:avLst/>
+              </a:prstGeom>
+              <a:noFill/>
+            </p:spPr>
+            <p:txBody>
+              <a:bodyPr wrap="none" rtlCol="0">
+                <a:spAutoFit/>
+              </a:bodyPr>
+              <a:lstStyle/>
+              <a:p>
+                <a:r>
+                  <a:rPr lang="en-US" sz="900" dirty="0" smtClean="0">
+                    <a:solidFill>
+                      <a:srgbClr val="00B050"/>
+                    </a:solidFill>
+                  </a:rPr>
+                  <a:t>q</a:t>
+                </a:r>
+                <a:r>
+                  <a:rPr lang="en-US" sz="900" baseline="-25000" dirty="0">
+                    <a:solidFill>
+                      <a:srgbClr val="00B050"/>
+                    </a:solidFill>
+                  </a:rPr>
+                  <a:t>0</a:t>
+                </a:r>
+              </a:p>
+            </p:txBody>
+          </p:sp>
+          <p:cxnSp>
+            <p:nvCxnSpPr>
+              <p:cNvPr id="138" name="Connecteur droit 137"/>
+              <p:cNvCxnSpPr/>
+              <p:nvPr/>
+            </p:nvCxnSpPr>
+            <p:spPr>
+              <a:xfrm>
+                <a:off x="1052473" y="6648554"/>
+                <a:ext cx="2160241" cy="0"/>
+              </a:xfrm>
+              <a:prstGeom prst="line">
+                <a:avLst/>
+              </a:prstGeom>
+              <a:ln>
+                <a:solidFill>
+                  <a:schemeClr val="tx1"/>
+                </a:solidFill>
+              </a:ln>
+            </p:spPr>
+            <p:style>
+              <a:lnRef idx="1">
+                <a:schemeClr val="accent1"/>
+              </a:lnRef>
+              <a:fillRef idx="0">
+                <a:schemeClr val="accent1"/>
+              </a:fillRef>
+              <a:effectRef idx="0">
+                <a:schemeClr val="accent1"/>
+              </a:effectRef>
+              <a:fontRef idx="minor">
+                <a:schemeClr val="tx1"/>
+              </a:fontRef>
+            </p:style>
+          </p:cxnSp>
+          <p:cxnSp>
+            <p:nvCxnSpPr>
+              <p:cNvPr id="139" name="Connecteur droit 138"/>
+              <p:cNvCxnSpPr/>
+              <p:nvPr/>
+            </p:nvCxnSpPr>
+            <p:spPr>
+              <a:xfrm flipV="1">
+                <a:off x="1376509" y="6216506"/>
+                <a:ext cx="432048" cy="432048"/>
+              </a:xfrm>
+              <a:prstGeom prst="line">
+                <a:avLst/>
+              </a:prstGeom>
+            </p:spPr>
+            <p:style>
+              <a:lnRef idx="1">
+                <a:schemeClr val="accent1"/>
+              </a:lnRef>
+              <a:fillRef idx="0">
+                <a:schemeClr val="accent1"/>
+              </a:fillRef>
+              <a:effectRef idx="0">
+                <a:schemeClr val="accent1"/>
+              </a:effectRef>
+              <a:fontRef idx="minor">
+                <a:schemeClr val="tx1"/>
+              </a:fontRef>
+            </p:style>
+          </p:cxnSp>
+          <p:sp>
+            <p:nvSpPr>
+              <p:cNvPr id="141" name="Ellipse 140"/>
+              <p:cNvSpPr/>
+              <p:nvPr/>
+            </p:nvSpPr>
+            <p:spPr>
+              <a:xfrm>
+                <a:off x="1354594" y="6609761"/>
+                <a:ext cx="68579" cy="68579"/>
+              </a:xfrm>
+              <a:prstGeom prst="ellipse">
+                <a:avLst/>
+              </a:prstGeom>
+              <a:solidFill>
+                <a:srgbClr val="00B050"/>
+              </a:solidFill>
+              <a:ln>
+                <a:noFill/>
+              </a:ln>
+            </p:spPr>
+            <p:style>
+              <a:lnRef idx="2">
+                <a:schemeClr val="accent1">
+                  <a:shade val="50000"/>
+                </a:schemeClr>
+              </a:lnRef>
+              <a:fillRef idx="1">
+                <a:schemeClr val="accent1"/>
+              </a:fillRef>
+              <a:effectRef idx="0">
+                <a:schemeClr val="accent1"/>
+              </a:effectRef>
+              <a:fontRef idx="minor">
+                <a:schemeClr val="lt1"/>
+              </a:fontRef>
+            </p:style>
+            <p:txBody>
+              <a:bodyPr rtlCol="0" anchor="ctr"/>
+              <a:lstStyle/>
+              <a:p>
+                <a:pPr algn="ctr"/>
+                <a:endParaRPr lang="en-US" sz="2400"/>
+              </a:p>
+            </p:txBody>
+          </p:sp>
+          <p:sp>
+            <p:nvSpPr>
+              <p:cNvPr id="148" name="ZoneTexte 147"/>
+              <p:cNvSpPr txBox="1"/>
+              <p:nvPr/>
+            </p:nvSpPr>
+            <p:spPr>
+              <a:xfrm>
+                <a:off x="1354594" y="6200900"/>
+                <a:ext cx="271229" cy="230832"/>
+              </a:xfrm>
+              <a:prstGeom prst="rect">
+                <a:avLst/>
+              </a:prstGeom>
+              <a:noFill/>
+            </p:spPr>
+            <p:txBody>
+              <a:bodyPr wrap="none" rtlCol="0">
+                <a:spAutoFit/>
+              </a:bodyPr>
+              <a:lstStyle/>
+              <a:p>
+                <a:r>
+                  <a:rPr lang="en-US" sz="900" dirty="0">
+                    <a:solidFill>
+                      <a:schemeClr val="accent1"/>
+                    </a:solidFill>
+                  </a:rPr>
+                  <a:t>c</a:t>
+                </a:r>
+                <a:r>
+                  <a:rPr lang="en-US" sz="900" baseline="-25000" dirty="0" smtClean="0">
+                    <a:solidFill>
+                      <a:schemeClr val="accent1"/>
+                    </a:solidFill>
+                  </a:rPr>
+                  <a:t>0</a:t>
+                </a:r>
+                <a:endParaRPr lang="en-US" sz="900" baseline="-25000" dirty="0">
+                  <a:solidFill>
+                    <a:schemeClr val="accent1"/>
+                  </a:solidFill>
+                </a:endParaRPr>
+              </a:p>
+            </p:txBody>
+          </p:sp>
+          <p:cxnSp>
+            <p:nvCxnSpPr>
+              <p:cNvPr id="140" name="Connecteur droit 139"/>
+              <p:cNvCxnSpPr/>
+              <p:nvPr/>
+            </p:nvCxnSpPr>
+            <p:spPr>
+              <a:xfrm rot="21284489">
+                <a:off x="1831697" y="6187814"/>
+                <a:ext cx="537753" cy="107826"/>
+              </a:xfrm>
+              <a:prstGeom prst="line">
+                <a:avLst/>
+              </a:prstGeom>
+            </p:spPr>
+            <p:style>
+              <a:lnRef idx="1">
+                <a:schemeClr val="accent1"/>
+              </a:lnRef>
+              <a:fillRef idx="0">
+                <a:schemeClr val="accent1"/>
+              </a:fillRef>
+              <a:effectRef idx="0">
+                <a:schemeClr val="accent1"/>
+              </a:effectRef>
+              <a:fontRef idx="minor">
+                <a:schemeClr val="tx1"/>
+              </a:fontRef>
+            </p:style>
+          </p:cxnSp>
+          <p:sp>
+            <p:nvSpPr>
+              <p:cNvPr id="142" name="Ellipse 141"/>
+              <p:cNvSpPr/>
+              <p:nvPr/>
+            </p:nvSpPr>
+            <p:spPr>
+              <a:xfrm rot="21284489">
+                <a:off x="1791283" y="6178419"/>
+                <a:ext cx="68579" cy="68579"/>
+              </a:xfrm>
+              <a:prstGeom prst="ellipse">
+                <a:avLst/>
+              </a:prstGeom>
+              <a:solidFill>
+                <a:srgbClr val="00B050"/>
+              </a:solidFill>
+              <a:ln>
+                <a:noFill/>
+              </a:ln>
+            </p:spPr>
+            <p:style>
+              <a:lnRef idx="2">
+                <a:schemeClr val="accent1">
+                  <a:shade val="50000"/>
+                </a:schemeClr>
+              </a:lnRef>
+              <a:fillRef idx="1">
+                <a:schemeClr val="accent1"/>
+              </a:fillRef>
+              <a:effectRef idx="0">
+                <a:schemeClr val="accent1"/>
+              </a:effectRef>
+              <a:fontRef idx="minor">
+                <a:schemeClr val="lt1"/>
+              </a:fontRef>
+            </p:style>
+            <p:txBody>
+              <a:bodyPr rtlCol="0" anchor="ctr"/>
+              <a:lstStyle/>
+              <a:p>
+                <a:pPr algn="ctr"/>
+                <a:endParaRPr lang="en-US" sz="2400"/>
+              </a:p>
+            </p:txBody>
+          </p:sp>
+          <p:sp>
+            <p:nvSpPr>
+              <p:cNvPr id="143" name="Ellipse 142"/>
+              <p:cNvSpPr/>
+              <p:nvPr/>
+            </p:nvSpPr>
+            <p:spPr>
+              <a:xfrm rot="21284489">
+                <a:off x="2338971" y="6236481"/>
+                <a:ext cx="68579" cy="68579"/>
+              </a:xfrm>
+              <a:prstGeom prst="ellipse">
+                <a:avLst/>
+              </a:prstGeom>
+              <a:solidFill>
+                <a:srgbClr val="00B050"/>
+              </a:solidFill>
+              <a:ln>
+                <a:noFill/>
+              </a:ln>
+            </p:spPr>
+            <p:style>
+              <a:lnRef idx="2">
+                <a:schemeClr val="accent1">
+                  <a:shade val="50000"/>
+                </a:schemeClr>
+              </a:lnRef>
+              <a:fillRef idx="1">
+                <a:schemeClr val="accent1"/>
+              </a:fillRef>
+              <a:effectRef idx="0">
+                <a:schemeClr val="accent1"/>
+              </a:effectRef>
+              <a:fontRef idx="minor">
+                <a:schemeClr val="lt1"/>
+              </a:fontRef>
+            </p:style>
+            <p:txBody>
+              <a:bodyPr rtlCol="0" anchor="ctr"/>
+              <a:lstStyle/>
+              <a:p>
+                <a:pPr algn="ctr"/>
+                <a:endParaRPr lang="en-US" sz="2400"/>
+              </a:p>
+            </p:txBody>
+          </p:sp>
+          <p:grpSp>
+            <p:nvGrpSpPr>
+              <p:cNvPr id="144" name="Groupe 143"/>
+              <p:cNvGrpSpPr/>
+              <p:nvPr/>
+            </p:nvGrpSpPr>
+            <p:grpSpPr>
+              <a:xfrm rot="20690272">
+                <a:off x="2263939" y="5468786"/>
+                <a:ext cx="571172" cy="732130"/>
+                <a:chOff x="5220072" y="3933058"/>
+                <a:chExt cx="571172" cy="732130"/>
+              </a:xfrm>
+            </p:grpSpPr>
+            <p:cxnSp>
+              <p:nvCxnSpPr>
+                <p:cNvPr id="145" name="Connecteur droit 144"/>
+                <p:cNvCxnSpPr/>
+                <p:nvPr/>
+              </p:nvCxnSpPr>
+              <p:spPr>
+                <a:xfrm flipV="1">
+                  <a:off x="5220072" y="4449164"/>
+                  <a:ext cx="537753" cy="216024"/>
+                </a:xfrm>
+                <a:prstGeom prst="line">
+                  <a:avLst/>
+                </a:prstGeom>
+              </p:spPr>
+              <p:style>
+                <a:lnRef idx="1">
+                  <a:schemeClr val="accent1"/>
+                </a:lnRef>
+                <a:fillRef idx="0">
+                  <a:schemeClr val="accent1"/>
+                </a:fillRef>
+                <a:effectRef idx="0">
+                  <a:schemeClr val="accent1"/>
+                </a:effectRef>
+                <a:fontRef idx="minor">
+                  <a:schemeClr val="tx1"/>
+                </a:fontRef>
+              </p:style>
+            </p:cxnSp>
+            <p:cxnSp>
+              <p:nvCxnSpPr>
+                <p:cNvPr id="146" name="Connecteur droit 145"/>
+                <p:cNvCxnSpPr/>
+                <p:nvPr/>
+              </p:nvCxnSpPr>
+              <p:spPr>
+                <a:xfrm flipH="1" flipV="1">
+                  <a:off x="5571246" y="3933058"/>
+                  <a:ext cx="186579" cy="516107"/>
+                </a:xfrm>
+                <a:prstGeom prst="line">
+                  <a:avLst/>
+                </a:prstGeom>
+              </p:spPr>
+              <p:style>
+                <a:lnRef idx="1">
+                  <a:schemeClr val="accent1"/>
+                </a:lnRef>
+                <a:fillRef idx="0">
+                  <a:schemeClr val="accent1"/>
+                </a:fillRef>
+                <a:effectRef idx="0">
+                  <a:schemeClr val="accent1"/>
+                </a:effectRef>
+                <a:fontRef idx="minor">
+                  <a:schemeClr val="tx1"/>
+                </a:fontRef>
+              </p:style>
+            </p:cxnSp>
+            <p:sp>
+              <p:nvSpPr>
+                <p:cNvPr id="147" name="Ellipse 146"/>
+                <p:cNvSpPr/>
+                <p:nvPr/>
+              </p:nvSpPr>
+              <p:spPr>
+                <a:xfrm>
+                  <a:off x="5722665" y="4428938"/>
+                  <a:ext cx="68579" cy="68579"/>
+                </a:xfrm>
+                <a:prstGeom prst="ellipse">
+                  <a:avLst/>
+                </a:prstGeom>
+                <a:solidFill>
+                  <a:srgbClr val="00B050"/>
+                </a:solidFill>
+                <a:ln>
+                  <a:noFill/>
+                </a:ln>
+              </p:spPr>
+              <p:style>
+                <a:lnRef idx="2">
+                  <a:schemeClr val="accent1">
+                    <a:shade val="50000"/>
+                  </a:schemeClr>
+                </a:lnRef>
+                <a:fillRef idx="1">
+                  <a:schemeClr val="accent1"/>
+                </a:fillRef>
+                <a:effectRef idx="0">
+                  <a:schemeClr val="accent1"/>
+                </a:effectRef>
+                <a:fontRef idx="minor">
+                  <a:schemeClr val="lt1"/>
+                </a:fontRef>
+              </p:style>
+              <p:txBody>
+                <a:bodyPr rtlCol="0" anchor="ctr"/>
+                <a:lstStyle/>
+                <a:p>
+                  <a:pPr algn="ctr"/>
+                  <a:endParaRPr lang="en-US" sz="2400"/>
+                </a:p>
+              </p:txBody>
+            </p:sp>
+          </p:grpSp>
+          <p:sp>
+            <p:nvSpPr>
+              <p:cNvPr id="149" name="ZoneTexte 148"/>
+              <p:cNvSpPr txBox="1"/>
+              <p:nvPr/>
+            </p:nvSpPr>
+            <p:spPr>
+              <a:xfrm>
+                <a:off x="2550556" y="5389856"/>
+                <a:ext cx="242375" cy="230832"/>
+              </a:xfrm>
+              <a:prstGeom prst="rect">
+                <a:avLst/>
+              </a:prstGeom>
+              <a:noFill/>
+            </p:spPr>
+            <p:txBody>
+              <a:bodyPr wrap="none" rtlCol="0">
+                <a:spAutoFit/>
+              </a:bodyPr>
+              <a:lstStyle/>
+              <a:p>
+                <a:r>
+                  <a:rPr lang="en-US" sz="900" dirty="0" smtClean="0">
+                    <a:solidFill>
+                      <a:schemeClr val="accent1"/>
+                    </a:solidFill>
+                  </a:rPr>
+                  <a:t>e</a:t>
+                </a:r>
+                <a:endParaRPr lang="en-US" sz="900" baseline="-25000" dirty="0">
+                  <a:solidFill>
+                    <a:schemeClr val="accent1"/>
+                  </a:solidFill>
+                </a:endParaRPr>
+              </a:p>
+            </p:txBody>
+          </p:sp>
+          <p:cxnSp>
+            <p:nvCxnSpPr>
+              <p:cNvPr id="151" name="Connecteur droit 150"/>
+              <p:cNvCxnSpPr/>
+              <p:nvPr/>
+            </p:nvCxnSpPr>
+            <p:spPr>
+              <a:xfrm>
+                <a:off x="2597042" y="5348970"/>
+                <a:ext cx="43844" cy="51445"/>
+              </a:xfrm>
+              <a:prstGeom prst="line">
+                <a:avLst/>
+              </a:prstGeom>
+              <a:ln>
+                <a:solidFill>
+                  <a:srgbClr val="FF0000"/>
+                </a:solidFill>
+              </a:ln>
+            </p:spPr>
+            <p:style>
+              <a:lnRef idx="1">
+                <a:schemeClr val="accent1"/>
+              </a:lnRef>
+              <a:fillRef idx="0">
+                <a:schemeClr val="accent1"/>
+              </a:fillRef>
+              <a:effectRef idx="0">
+                <a:schemeClr val="accent1"/>
+              </a:effectRef>
+              <a:fontRef idx="minor">
+                <a:schemeClr val="tx1"/>
+              </a:fontRef>
+            </p:style>
+          </p:cxnSp>
+          <p:cxnSp>
+            <p:nvCxnSpPr>
+              <p:cNvPr id="152" name="Connecteur droit 151"/>
+              <p:cNvCxnSpPr/>
+              <p:nvPr/>
+            </p:nvCxnSpPr>
+            <p:spPr>
+              <a:xfrm flipV="1">
+                <a:off x="2604924" y="5348971"/>
+                <a:ext cx="35962" cy="51444"/>
+              </a:xfrm>
+              <a:prstGeom prst="line">
+                <a:avLst/>
+              </a:prstGeom>
+              <a:ln>
+                <a:solidFill>
+                  <a:srgbClr val="FF0000"/>
+                </a:solidFill>
+              </a:ln>
+            </p:spPr>
+            <p:style>
+              <a:lnRef idx="1">
+                <a:schemeClr val="accent1"/>
+              </a:lnRef>
+              <a:fillRef idx="0">
+                <a:schemeClr val="accent1"/>
+              </a:fillRef>
+              <a:effectRef idx="0">
+                <a:schemeClr val="accent1"/>
+              </a:effectRef>
+              <a:fontRef idx="minor">
+                <a:schemeClr val="tx1"/>
+              </a:fontRef>
+            </p:style>
+          </p:cxnSp>
+          <p:sp>
+            <p:nvSpPr>
+              <p:cNvPr id="154" name="Arc 153"/>
+              <p:cNvSpPr/>
+              <p:nvPr/>
+            </p:nvSpPr>
+            <p:spPr>
+              <a:xfrm rot="14637720">
+                <a:off x="1306160" y="6352253"/>
+                <a:ext cx="324035" cy="294314"/>
+              </a:xfrm>
+              <a:prstGeom prst="arc">
+                <a:avLst>
+                  <a:gd name="adj1" fmla="val 5951023"/>
+                  <a:gd name="adj2" fmla="val 9627367"/>
+                </a:avLst>
+              </a:prstGeom>
+              <a:ln>
+                <a:solidFill>
+                  <a:srgbClr val="7030A0"/>
+                </a:solidFill>
+                <a:headEnd type="triangle"/>
+                <a:tailEnd type="none"/>
+              </a:ln>
+            </p:spPr>
+            <p:style>
+              <a:lnRef idx="1">
+                <a:schemeClr val="accent1"/>
+              </a:lnRef>
+              <a:fillRef idx="0">
+                <a:schemeClr val="accent1"/>
+              </a:fillRef>
+              <a:effectRef idx="0">
+                <a:schemeClr val="accent1"/>
+              </a:effectRef>
+              <a:fontRef idx="minor">
+                <a:schemeClr val="tx1"/>
+              </a:fontRef>
+            </p:style>
+            <p:txBody>
+              <a:bodyPr rtlCol="0" anchor="ctr"/>
+              <a:lstStyle/>
+              <a:p>
+                <a:pPr algn="ctr"/>
+                <a:endParaRPr lang="en-US" sz="2400">
+                  <a:solidFill>
+                    <a:srgbClr val="7030A0"/>
+                  </a:solidFill>
+                </a:endParaRPr>
+              </a:p>
+            </p:txBody>
+          </p:sp>
+        </p:grpSp>
+      </p:grpSp>
+      <p:cxnSp>
+        <p:nvCxnSpPr>
+          <p:cNvPr id="217" name="Connecteur droit avec flèche 216"/>
+          <p:cNvCxnSpPr>
+            <a:endCxn id="141" idx="3"/>
+          </p:cNvCxnSpPr>
+          <p:nvPr/>
+        </p:nvCxnSpPr>
+        <p:spPr>
+          <a:xfrm flipH="1">
+            <a:off x="3340894" y="2636912"/>
+            <a:ext cx="1130597" cy="1173088"/>
+          </a:xfrm>
+          <a:prstGeom prst="straightConnector1">
+            <a:avLst/>
+          </a:prstGeom>
+          <a:ln w="12700">
+            <a:solidFill>
+              <a:schemeClr val="tx1"/>
+            </a:solidFill>
+            <a:headEnd type="triangle"/>
+            <a:tailEnd type="none"/>
+          </a:ln>
+        </p:spPr>
+        <p:style>
+          <a:lnRef idx="1">
+            <a:schemeClr val="accent1"/>
+          </a:lnRef>
+          <a:fillRef idx="0">
+            <a:schemeClr val="accent1"/>
+          </a:fillRef>
+          <a:effectRef idx="0">
+            <a:schemeClr val="accent1"/>
+          </a:effectRef>
+          <a:fontRef idx="minor">
+            <a:schemeClr val="tx1"/>
+          </a:fontRef>
+        </p:style>
+      </p:cxnSp>
+      <p:cxnSp>
+        <p:nvCxnSpPr>
+          <p:cNvPr id="218" name="Connecteur droit avec flèche 217"/>
+          <p:cNvCxnSpPr/>
+          <p:nvPr/>
+        </p:nvCxnSpPr>
+        <p:spPr>
+          <a:xfrm flipH="1">
+            <a:off x="3343276" y="2540794"/>
+            <a:ext cx="1209674" cy="1269206"/>
+          </a:xfrm>
+          <a:prstGeom prst="straightConnector1">
+            <a:avLst/>
+          </a:prstGeom>
+          <a:ln w="12700">
+            <a:solidFill>
+              <a:schemeClr val="tx1"/>
+            </a:solidFill>
+            <a:headEnd type="triangle"/>
+            <a:tailEnd type="none"/>
+          </a:ln>
+        </p:spPr>
+        <p:style>
+          <a:lnRef idx="1">
+            <a:schemeClr val="accent1"/>
+          </a:lnRef>
+          <a:fillRef idx="0">
+            <a:schemeClr val="accent1"/>
+          </a:fillRef>
+          <a:effectRef idx="0">
+            <a:schemeClr val="accent1"/>
+          </a:effectRef>
+          <a:fontRef idx="minor">
+            <a:schemeClr val="tx1"/>
+          </a:fontRef>
+        </p:style>
+      </p:cxnSp>
+      <p:grpSp>
+        <p:nvGrpSpPr>
+          <p:cNvPr id="220" name="Groupe 219"/>
+          <p:cNvGrpSpPr/>
+          <p:nvPr/>
+        </p:nvGrpSpPr>
+        <p:grpSpPr>
+          <a:xfrm>
+            <a:off x="5559859" y="2324041"/>
+            <a:ext cx="2160241" cy="1518279"/>
+            <a:chOff x="1052473" y="5160061"/>
+            <a:chExt cx="2160241" cy="1518279"/>
+          </a:xfrm>
+        </p:grpSpPr>
+        <p:sp>
+          <p:nvSpPr>
+            <p:cNvPr id="221" name="ZoneTexte 220"/>
+            <p:cNvSpPr txBox="1"/>
+            <p:nvPr/>
+          </p:nvSpPr>
+          <p:spPr>
+            <a:xfrm>
+              <a:off x="2564346" y="5160061"/>
+              <a:ext cx="229550" cy="253916"/>
+            </a:xfrm>
+            <a:prstGeom prst="rect">
+              <a:avLst/>
+            </a:prstGeom>
+            <a:noFill/>
+          </p:spPr>
+          <p:txBody>
+            <a:bodyPr wrap="none" rtlCol="0">
+              <a:spAutoFit/>
+            </a:bodyPr>
+            <a:lstStyle/>
+            <a:p>
+              <a:r>
+                <a:rPr lang="en-US" sz="1050" dirty="0">
+                  <a:solidFill>
+                    <a:srgbClr val="FF0000"/>
+                  </a:solidFill>
+                </a:rPr>
+                <a:t>t</a:t>
+              </a:r>
+            </a:p>
+          </p:txBody>
+        </p:sp>
+        <p:grpSp>
+          <p:nvGrpSpPr>
+            <p:cNvPr id="222" name="Groupe 221"/>
+            <p:cNvGrpSpPr/>
+            <p:nvPr/>
+          </p:nvGrpSpPr>
+          <p:grpSpPr>
+            <a:xfrm>
+              <a:off x="1052473" y="5348970"/>
+              <a:ext cx="2160241" cy="1329370"/>
+              <a:chOff x="1052473" y="5348970"/>
+              <a:chExt cx="2160241" cy="1329370"/>
+            </a:xfrm>
+          </p:grpSpPr>
+          <p:sp>
+            <p:nvSpPr>
+              <p:cNvPr id="223" name="ZoneTexte 222"/>
+              <p:cNvSpPr txBox="1"/>
+              <p:nvPr/>
+            </p:nvSpPr>
+            <p:spPr>
+              <a:xfrm>
+                <a:off x="1150164" y="6447508"/>
+                <a:ext cx="284052" cy="230832"/>
+              </a:xfrm>
+              <a:prstGeom prst="rect">
+                <a:avLst/>
+              </a:prstGeom>
+              <a:noFill/>
+            </p:spPr>
+            <p:txBody>
+              <a:bodyPr wrap="none" rtlCol="0">
+                <a:spAutoFit/>
+              </a:bodyPr>
+              <a:lstStyle/>
+              <a:p>
+                <a:r>
+                  <a:rPr lang="en-US" sz="900" dirty="0" smtClean="0">
+                    <a:solidFill>
+                      <a:srgbClr val="00B050"/>
+                    </a:solidFill>
+                  </a:rPr>
+                  <a:t>q</a:t>
+                </a:r>
+                <a:r>
+                  <a:rPr lang="en-US" sz="900" baseline="-25000" dirty="0">
+                    <a:solidFill>
+                      <a:srgbClr val="00B050"/>
+                    </a:solidFill>
+                  </a:rPr>
+                  <a:t>0</a:t>
+                </a:r>
+              </a:p>
+            </p:txBody>
+          </p:sp>
+          <p:cxnSp>
+            <p:nvCxnSpPr>
+              <p:cNvPr id="224" name="Connecteur droit 223"/>
+              <p:cNvCxnSpPr/>
+              <p:nvPr/>
+            </p:nvCxnSpPr>
+            <p:spPr>
+              <a:xfrm>
+                <a:off x="1052473" y="6648554"/>
+                <a:ext cx="2160241" cy="0"/>
+              </a:xfrm>
+              <a:prstGeom prst="line">
+                <a:avLst/>
+              </a:prstGeom>
+              <a:ln>
+                <a:solidFill>
+                  <a:schemeClr val="tx1"/>
+                </a:solidFill>
+              </a:ln>
+            </p:spPr>
+            <p:style>
+              <a:lnRef idx="1">
+                <a:schemeClr val="accent1"/>
+              </a:lnRef>
+              <a:fillRef idx="0">
+                <a:schemeClr val="accent1"/>
+              </a:fillRef>
+              <a:effectRef idx="0">
+                <a:schemeClr val="accent1"/>
+              </a:effectRef>
+              <a:fontRef idx="minor">
+                <a:schemeClr val="tx1"/>
+              </a:fontRef>
+            </p:style>
+          </p:cxnSp>
+          <p:cxnSp>
+            <p:nvCxnSpPr>
+              <p:cNvPr id="225" name="Connecteur droit 224"/>
+              <p:cNvCxnSpPr/>
+              <p:nvPr/>
+            </p:nvCxnSpPr>
+            <p:spPr>
+              <a:xfrm flipV="1">
+                <a:off x="1376509" y="6216506"/>
+                <a:ext cx="432048" cy="432048"/>
+              </a:xfrm>
+              <a:prstGeom prst="line">
+                <a:avLst/>
+              </a:prstGeom>
+            </p:spPr>
+            <p:style>
+              <a:lnRef idx="1">
+                <a:schemeClr val="accent1"/>
+              </a:lnRef>
+              <a:fillRef idx="0">
+                <a:schemeClr val="accent1"/>
+              </a:fillRef>
+              <a:effectRef idx="0">
+                <a:schemeClr val="accent1"/>
+              </a:effectRef>
+              <a:fontRef idx="minor">
+                <a:schemeClr val="tx1"/>
+              </a:fontRef>
+            </p:style>
+          </p:cxnSp>
+          <p:sp>
+            <p:nvSpPr>
+              <p:cNvPr id="226" name="Ellipse 225"/>
+              <p:cNvSpPr/>
+              <p:nvPr/>
+            </p:nvSpPr>
+            <p:spPr>
+              <a:xfrm>
+                <a:off x="1354594" y="6609761"/>
+                <a:ext cx="68579" cy="68579"/>
+              </a:xfrm>
+              <a:prstGeom prst="ellipse">
+                <a:avLst/>
+              </a:prstGeom>
+              <a:solidFill>
+                <a:srgbClr val="00B050"/>
+              </a:solidFill>
+              <a:ln>
+                <a:noFill/>
+              </a:ln>
+            </p:spPr>
+            <p:style>
+              <a:lnRef idx="2">
+                <a:schemeClr val="accent1">
+                  <a:shade val="50000"/>
+                </a:schemeClr>
+              </a:lnRef>
+              <a:fillRef idx="1">
+                <a:schemeClr val="accent1"/>
+              </a:fillRef>
+              <a:effectRef idx="0">
+                <a:schemeClr val="accent1"/>
+              </a:effectRef>
+              <a:fontRef idx="minor">
+                <a:schemeClr val="lt1"/>
+              </a:fontRef>
+            </p:style>
+            <p:txBody>
+              <a:bodyPr rtlCol="0" anchor="ctr"/>
+              <a:lstStyle/>
+              <a:p>
+                <a:pPr algn="ctr"/>
+                <a:endParaRPr lang="en-US" sz="2400"/>
+              </a:p>
+            </p:txBody>
+          </p:sp>
+          <p:sp>
+            <p:nvSpPr>
+              <p:cNvPr id="227" name="ZoneTexte 226"/>
+              <p:cNvSpPr txBox="1"/>
+              <p:nvPr/>
+            </p:nvSpPr>
+            <p:spPr>
+              <a:xfrm>
+                <a:off x="1354594" y="6200900"/>
+                <a:ext cx="271229" cy="230832"/>
+              </a:xfrm>
+              <a:prstGeom prst="rect">
+                <a:avLst/>
+              </a:prstGeom>
+              <a:noFill/>
+            </p:spPr>
+            <p:txBody>
+              <a:bodyPr wrap="none" rtlCol="0">
+                <a:spAutoFit/>
+              </a:bodyPr>
+              <a:lstStyle/>
+              <a:p>
+                <a:r>
+                  <a:rPr lang="en-US" sz="900" dirty="0">
+                    <a:solidFill>
+                      <a:schemeClr val="accent1"/>
+                    </a:solidFill>
+                  </a:rPr>
+                  <a:t>c</a:t>
+                </a:r>
+                <a:r>
+                  <a:rPr lang="en-US" sz="900" baseline="-25000" dirty="0" smtClean="0">
+                    <a:solidFill>
+                      <a:schemeClr val="accent1"/>
+                    </a:solidFill>
+                  </a:rPr>
+                  <a:t>0</a:t>
+                </a:r>
+                <a:endParaRPr lang="en-US" sz="900" baseline="-25000" dirty="0">
+                  <a:solidFill>
+                    <a:schemeClr val="accent1"/>
+                  </a:solidFill>
+                </a:endParaRPr>
+              </a:p>
+            </p:txBody>
+          </p:sp>
+          <p:cxnSp>
+            <p:nvCxnSpPr>
+              <p:cNvPr id="228" name="Connecteur droit 227"/>
+              <p:cNvCxnSpPr/>
+              <p:nvPr/>
+            </p:nvCxnSpPr>
+            <p:spPr>
+              <a:xfrm rot="21284489">
+                <a:off x="1831697" y="6187814"/>
+                <a:ext cx="537753" cy="107826"/>
+              </a:xfrm>
+              <a:prstGeom prst="line">
+                <a:avLst/>
+              </a:prstGeom>
+            </p:spPr>
+            <p:style>
+              <a:lnRef idx="1">
+                <a:schemeClr val="accent1"/>
+              </a:lnRef>
+              <a:fillRef idx="0">
+                <a:schemeClr val="accent1"/>
+              </a:fillRef>
+              <a:effectRef idx="0">
+                <a:schemeClr val="accent1"/>
+              </a:effectRef>
+              <a:fontRef idx="minor">
+                <a:schemeClr val="tx1"/>
+              </a:fontRef>
+            </p:style>
+          </p:cxnSp>
+          <p:sp>
+            <p:nvSpPr>
+              <p:cNvPr id="229" name="Ellipse 228"/>
+              <p:cNvSpPr/>
+              <p:nvPr/>
+            </p:nvSpPr>
+            <p:spPr>
+              <a:xfrm rot="21284489">
+                <a:off x="1791283" y="6178419"/>
+                <a:ext cx="68579" cy="68579"/>
+              </a:xfrm>
+              <a:prstGeom prst="ellipse">
+                <a:avLst/>
+              </a:prstGeom>
+              <a:solidFill>
+                <a:srgbClr val="00B050"/>
+              </a:solidFill>
+              <a:ln>
+                <a:noFill/>
+              </a:ln>
+            </p:spPr>
+            <p:style>
+              <a:lnRef idx="2">
+                <a:schemeClr val="accent1">
+                  <a:shade val="50000"/>
+                </a:schemeClr>
+              </a:lnRef>
+              <a:fillRef idx="1">
+                <a:schemeClr val="accent1"/>
+              </a:fillRef>
+              <a:effectRef idx="0">
+                <a:schemeClr val="accent1"/>
+              </a:effectRef>
+              <a:fontRef idx="minor">
+                <a:schemeClr val="lt1"/>
+              </a:fontRef>
+            </p:style>
+            <p:txBody>
+              <a:bodyPr rtlCol="0" anchor="ctr"/>
+              <a:lstStyle/>
+              <a:p>
+                <a:pPr algn="ctr"/>
+                <a:endParaRPr lang="en-US" sz="2400"/>
+              </a:p>
+            </p:txBody>
+          </p:sp>
+          <p:sp>
+            <p:nvSpPr>
+              <p:cNvPr id="230" name="Ellipse 229"/>
+              <p:cNvSpPr/>
+              <p:nvPr/>
+            </p:nvSpPr>
+            <p:spPr>
+              <a:xfrm rot="21284489">
+                <a:off x="2338971" y="6236481"/>
+                <a:ext cx="68579" cy="68579"/>
+              </a:xfrm>
+              <a:prstGeom prst="ellipse">
+                <a:avLst/>
+              </a:prstGeom>
+              <a:solidFill>
+                <a:srgbClr val="00B050"/>
+              </a:solidFill>
+              <a:ln>
+                <a:noFill/>
+              </a:ln>
+            </p:spPr>
+            <p:style>
+              <a:lnRef idx="2">
+                <a:schemeClr val="accent1">
+                  <a:shade val="50000"/>
+                </a:schemeClr>
+              </a:lnRef>
+              <a:fillRef idx="1">
+                <a:schemeClr val="accent1"/>
+              </a:fillRef>
+              <a:effectRef idx="0">
+                <a:schemeClr val="accent1"/>
+              </a:effectRef>
+              <a:fontRef idx="minor">
+                <a:schemeClr val="lt1"/>
+              </a:fontRef>
+            </p:style>
+            <p:txBody>
+              <a:bodyPr rtlCol="0" anchor="ctr"/>
+              <a:lstStyle/>
+              <a:p>
+                <a:pPr algn="ctr"/>
+                <a:endParaRPr lang="en-US" sz="2400"/>
+              </a:p>
+            </p:txBody>
+          </p:sp>
+          <p:grpSp>
+            <p:nvGrpSpPr>
+              <p:cNvPr id="231" name="Groupe 230"/>
+              <p:cNvGrpSpPr/>
+              <p:nvPr/>
+            </p:nvGrpSpPr>
+            <p:grpSpPr>
+              <a:xfrm rot="20690272">
+                <a:off x="2263939" y="5468786"/>
+                <a:ext cx="571172" cy="732130"/>
+                <a:chOff x="5220072" y="3933058"/>
+                <a:chExt cx="571172" cy="732130"/>
+              </a:xfrm>
+            </p:grpSpPr>
+            <p:cxnSp>
+              <p:nvCxnSpPr>
+                <p:cNvPr id="236" name="Connecteur droit 235"/>
+                <p:cNvCxnSpPr/>
+                <p:nvPr/>
+              </p:nvCxnSpPr>
+              <p:spPr>
+                <a:xfrm flipV="1">
+                  <a:off x="5220072" y="4449164"/>
+                  <a:ext cx="537753" cy="216024"/>
+                </a:xfrm>
+                <a:prstGeom prst="line">
+                  <a:avLst/>
+                </a:prstGeom>
+              </p:spPr>
+              <p:style>
+                <a:lnRef idx="1">
+                  <a:schemeClr val="accent1"/>
+                </a:lnRef>
+                <a:fillRef idx="0">
+                  <a:schemeClr val="accent1"/>
+                </a:fillRef>
+                <a:effectRef idx="0">
+                  <a:schemeClr val="accent1"/>
+                </a:effectRef>
+                <a:fontRef idx="minor">
+                  <a:schemeClr val="tx1"/>
+                </a:fontRef>
+              </p:style>
+            </p:cxnSp>
+            <p:cxnSp>
+              <p:nvCxnSpPr>
+                <p:cNvPr id="237" name="Connecteur droit 236"/>
+                <p:cNvCxnSpPr/>
+                <p:nvPr/>
+              </p:nvCxnSpPr>
+              <p:spPr>
+                <a:xfrm flipH="1" flipV="1">
+                  <a:off x="5571246" y="3933058"/>
+                  <a:ext cx="186579" cy="516107"/>
+                </a:xfrm>
+                <a:prstGeom prst="line">
+                  <a:avLst/>
+                </a:prstGeom>
+              </p:spPr>
+              <p:style>
+                <a:lnRef idx="1">
+                  <a:schemeClr val="accent1"/>
+                </a:lnRef>
+                <a:fillRef idx="0">
+                  <a:schemeClr val="accent1"/>
+                </a:fillRef>
+                <a:effectRef idx="0">
+                  <a:schemeClr val="accent1"/>
+                </a:effectRef>
+                <a:fontRef idx="minor">
+                  <a:schemeClr val="tx1"/>
+                </a:fontRef>
+              </p:style>
+            </p:cxnSp>
+            <p:sp>
+              <p:nvSpPr>
+                <p:cNvPr id="238" name="Ellipse 237"/>
+                <p:cNvSpPr/>
+                <p:nvPr/>
+              </p:nvSpPr>
+              <p:spPr>
+                <a:xfrm>
+                  <a:off x="5722665" y="4428938"/>
+                  <a:ext cx="68579" cy="68579"/>
+                </a:xfrm>
+                <a:prstGeom prst="ellipse">
+                  <a:avLst/>
+                </a:prstGeom>
+                <a:solidFill>
+                  <a:srgbClr val="00B050"/>
+                </a:solidFill>
+                <a:ln>
+                  <a:noFill/>
+                </a:ln>
+              </p:spPr>
+              <p:style>
+                <a:lnRef idx="2">
+                  <a:schemeClr val="accent1">
+                    <a:shade val="50000"/>
+                  </a:schemeClr>
+                </a:lnRef>
+                <a:fillRef idx="1">
+                  <a:schemeClr val="accent1"/>
+                </a:fillRef>
+                <a:effectRef idx="0">
+                  <a:schemeClr val="accent1"/>
+                </a:effectRef>
+                <a:fontRef idx="minor">
+                  <a:schemeClr val="lt1"/>
+                </a:fontRef>
+              </p:style>
+              <p:txBody>
+                <a:bodyPr rtlCol="0" anchor="ctr"/>
+                <a:lstStyle/>
+                <a:p>
+                  <a:pPr algn="ctr"/>
+                  <a:endParaRPr lang="en-US" sz="2400"/>
+                </a:p>
+              </p:txBody>
+            </p:sp>
+          </p:grpSp>
+          <p:sp>
+            <p:nvSpPr>
+              <p:cNvPr id="232" name="ZoneTexte 231"/>
+              <p:cNvSpPr txBox="1"/>
+              <p:nvPr/>
+            </p:nvSpPr>
+            <p:spPr>
+              <a:xfrm>
+                <a:off x="2327145" y="5463550"/>
+                <a:ext cx="242375" cy="230832"/>
+              </a:xfrm>
+              <a:prstGeom prst="rect">
+                <a:avLst/>
+              </a:prstGeom>
+              <a:noFill/>
+            </p:spPr>
+            <p:txBody>
+              <a:bodyPr wrap="none" rtlCol="0">
+                <a:spAutoFit/>
+              </a:bodyPr>
+              <a:lstStyle/>
+              <a:p>
+                <a:r>
+                  <a:rPr lang="en-US" sz="900" dirty="0" smtClean="0">
+                    <a:solidFill>
+                      <a:schemeClr val="accent1"/>
+                    </a:solidFill>
+                  </a:rPr>
+                  <a:t>e</a:t>
+                </a:r>
+                <a:endParaRPr lang="en-US" sz="900" baseline="-25000" dirty="0">
+                  <a:solidFill>
+                    <a:schemeClr val="accent1"/>
+                  </a:solidFill>
+                </a:endParaRPr>
+              </a:p>
+            </p:txBody>
+          </p:sp>
+          <p:cxnSp>
+            <p:nvCxnSpPr>
+              <p:cNvPr id="233" name="Connecteur droit 232"/>
+              <p:cNvCxnSpPr/>
+              <p:nvPr/>
+            </p:nvCxnSpPr>
+            <p:spPr>
+              <a:xfrm>
+                <a:off x="2597042" y="5348970"/>
+                <a:ext cx="43844" cy="51445"/>
+              </a:xfrm>
+              <a:prstGeom prst="line">
+                <a:avLst/>
+              </a:prstGeom>
+              <a:ln>
+                <a:solidFill>
+                  <a:srgbClr val="FF0000"/>
+                </a:solidFill>
+              </a:ln>
+            </p:spPr>
+            <p:style>
+              <a:lnRef idx="1">
+                <a:schemeClr val="accent1"/>
+              </a:lnRef>
+              <a:fillRef idx="0">
+                <a:schemeClr val="accent1"/>
+              </a:fillRef>
+              <a:effectRef idx="0">
+                <a:schemeClr val="accent1"/>
+              </a:effectRef>
+              <a:fontRef idx="minor">
+                <a:schemeClr val="tx1"/>
+              </a:fontRef>
+            </p:style>
+          </p:cxnSp>
+          <p:cxnSp>
+            <p:nvCxnSpPr>
+              <p:cNvPr id="234" name="Connecteur droit 233"/>
+              <p:cNvCxnSpPr/>
+              <p:nvPr/>
+            </p:nvCxnSpPr>
+            <p:spPr>
+              <a:xfrm flipV="1">
+                <a:off x="2604924" y="5348971"/>
+                <a:ext cx="35962" cy="51444"/>
+              </a:xfrm>
+              <a:prstGeom prst="line">
+                <a:avLst/>
+              </a:prstGeom>
+              <a:ln>
+                <a:solidFill>
+                  <a:srgbClr val="FF0000"/>
+                </a:solidFill>
+              </a:ln>
+            </p:spPr>
+            <p:style>
+              <a:lnRef idx="1">
+                <a:schemeClr val="accent1"/>
+              </a:lnRef>
+              <a:fillRef idx="0">
+                <a:schemeClr val="accent1"/>
+              </a:fillRef>
+              <a:effectRef idx="0">
+                <a:schemeClr val="accent1"/>
+              </a:effectRef>
+              <a:fontRef idx="minor">
+                <a:schemeClr val="tx1"/>
+              </a:fontRef>
+            </p:style>
+          </p:cxnSp>
+          <p:sp>
+            <p:nvSpPr>
+              <p:cNvPr id="235" name="Arc 234"/>
+              <p:cNvSpPr/>
+              <p:nvPr/>
+            </p:nvSpPr>
+            <p:spPr>
+              <a:xfrm rot="14637720">
+                <a:off x="2639007" y="5772675"/>
+                <a:ext cx="324035" cy="294314"/>
+              </a:xfrm>
+              <a:prstGeom prst="arc">
+                <a:avLst>
+                  <a:gd name="adj1" fmla="val 5951023"/>
+                  <a:gd name="adj2" fmla="val 9627367"/>
+                </a:avLst>
+              </a:prstGeom>
+              <a:ln>
+                <a:solidFill>
+                  <a:srgbClr val="7030A0"/>
+                </a:solidFill>
+                <a:headEnd type="none"/>
+                <a:tailEnd type="triangle"/>
+              </a:ln>
+            </p:spPr>
+            <p:style>
+              <a:lnRef idx="1">
+                <a:schemeClr val="accent1"/>
+              </a:lnRef>
+              <a:fillRef idx="0">
+                <a:schemeClr val="accent1"/>
+              </a:fillRef>
+              <a:effectRef idx="0">
+                <a:schemeClr val="accent1"/>
+              </a:effectRef>
+              <a:fontRef idx="minor">
+                <a:schemeClr val="tx1"/>
+              </a:fontRef>
+            </p:style>
+            <p:txBody>
+              <a:bodyPr rtlCol="0" anchor="ctr"/>
+              <a:lstStyle/>
+              <a:p>
+                <a:pPr algn="ctr"/>
+                <a:endParaRPr lang="en-US" sz="2400">
+                  <a:solidFill>
+                    <a:srgbClr val="7030A0"/>
+                  </a:solidFill>
+                </a:endParaRPr>
+              </a:p>
+            </p:txBody>
+          </p:sp>
+        </p:grpSp>
+      </p:grpSp>
+      <p:cxnSp>
+        <p:nvCxnSpPr>
+          <p:cNvPr id="239" name="Connecteur droit 238"/>
+          <p:cNvCxnSpPr/>
+          <p:nvPr/>
+        </p:nvCxnSpPr>
+        <p:spPr>
+          <a:xfrm flipH="1" flipV="1">
+            <a:off x="7131844" y="2555081"/>
+            <a:ext cx="215697" cy="533943"/>
+          </a:xfrm>
+          <a:prstGeom prst="line">
+            <a:avLst/>
+          </a:prstGeom>
+          <a:ln>
+            <a:solidFill>
+              <a:schemeClr val="tx1"/>
+            </a:solidFill>
+            <a:tailEnd type="triangle"/>
+          </a:ln>
+        </p:spPr>
+        <p:style>
+          <a:lnRef idx="1">
+            <a:schemeClr val="accent1"/>
+          </a:lnRef>
+          <a:fillRef idx="0">
+            <a:schemeClr val="accent1"/>
+          </a:fillRef>
+          <a:effectRef idx="0">
+            <a:schemeClr val="accent1"/>
+          </a:effectRef>
+          <a:fontRef idx="minor">
+            <a:schemeClr val="tx1"/>
+          </a:fontRef>
+        </p:style>
+      </p:cxnSp>
+      <p:cxnSp>
+        <p:nvCxnSpPr>
+          <p:cNvPr id="241" name="Connecteur droit 240"/>
+          <p:cNvCxnSpPr/>
+          <p:nvPr/>
+        </p:nvCxnSpPr>
+        <p:spPr>
+          <a:xfrm flipH="1" flipV="1">
+            <a:off x="7131844" y="2557553"/>
+            <a:ext cx="215697" cy="533943"/>
+          </a:xfrm>
+          <a:prstGeom prst="line">
+            <a:avLst/>
+          </a:prstGeom>
+          <a:ln>
+            <a:solidFill>
+              <a:schemeClr val="tx1"/>
+            </a:solidFill>
+            <a:tailEnd type="triangle"/>
+          </a:ln>
+        </p:spPr>
+        <p:style>
+          <a:lnRef idx="1">
+            <a:schemeClr val="accent1"/>
+          </a:lnRef>
+          <a:fillRef idx="0">
+            <a:schemeClr val="accent1"/>
+          </a:fillRef>
+          <a:effectRef idx="0">
+            <a:schemeClr val="accent1"/>
+          </a:effectRef>
+          <a:fontRef idx="minor">
+            <a:schemeClr val="tx1"/>
+          </a:fontRef>
+        </p:style>
+      </p:cxnSp>
+      <p:sp>
+        <p:nvSpPr>
+          <p:cNvPr id="246" name="Arc 245"/>
+          <p:cNvSpPr/>
+          <p:nvPr/>
+        </p:nvSpPr>
+        <p:spPr>
+          <a:xfrm rot="7001596">
+            <a:off x="7065705" y="2773864"/>
+            <a:ext cx="324035" cy="294314"/>
+          </a:xfrm>
+          <a:prstGeom prst="arc">
+            <a:avLst>
+              <a:gd name="adj1" fmla="val 7166790"/>
+              <a:gd name="adj2" fmla="val 8848542"/>
+            </a:avLst>
+          </a:prstGeom>
+          <a:ln>
+            <a:solidFill>
+              <a:srgbClr val="7030A0"/>
+            </a:solidFill>
+            <a:headEnd type="none"/>
+            <a:tailEnd type="none"/>
+          </a:ln>
+        </p:spPr>
+        <p:style>
+          <a:lnRef idx="1">
+            <a:schemeClr val="accent1"/>
+          </a:lnRef>
+          <a:fillRef idx="0">
+            <a:schemeClr val="accent1"/>
+          </a:fillRef>
+          <a:effectRef idx="0">
+            <a:schemeClr val="accent1"/>
+          </a:effectRef>
+          <a:fontRef idx="minor">
+            <a:schemeClr val="tx1"/>
+          </a:fontRef>
+        </p:style>
+        <p:txBody>
+          <a:bodyPr rtlCol="0" anchor="ctr"/>
+          <a:lstStyle/>
+          <a:p>
+            <a:pPr algn="ctr"/>
+            <a:endParaRPr lang="en-US" sz="2400">
+              <a:solidFill>
+                <a:srgbClr val="7030A0"/>
+              </a:solidFill>
+            </a:endParaRPr>
+          </a:p>
+        </p:txBody>
+      </p:sp>
+      <p:grpSp>
+        <p:nvGrpSpPr>
+          <p:cNvPr id="247" name="Groupe 246"/>
+          <p:cNvGrpSpPr/>
+          <p:nvPr/>
+        </p:nvGrpSpPr>
+        <p:grpSpPr>
+          <a:xfrm>
+            <a:off x="521886" y="4221088"/>
+            <a:ext cx="2160241" cy="1518279"/>
+            <a:chOff x="1052473" y="5160061"/>
+            <a:chExt cx="2160241" cy="1518279"/>
+          </a:xfrm>
+        </p:grpSpPr>
+        <p:sp>
+          <p:nvSpPr>
+            <p:cNvPr id="248" name="ZoneTexte 247"/>
+            <p:cNvSpPr txBox="1"/>
+            <p:nvPr/>
+          </p:nvSpPr>
+          <p:spPr>
+            <a:xfrm>
+              <a:off x="2564346" y="5160061"/>
+              <a:ext cx="229550" cy="253916"/>
+            </a:xfrm>
+            <a:prstGeom prst="rect">
+              <a:avLst/>
+            </a:prstGeom>
+            <a:noFill/>
+          </p:spPr>
+          <p:txBody>
+            <a:bodyPr wrap="none" rtlCol="0">
+              <a:spAutoFit/>
+            </a:bodyPr>
+            <a:lstStyle/>
+            <a:p>
+              <a:r>
+                <a:rPr lang="en-US" sz="1050" dirty="0">
+                  <a:solidFill>
+                    <a:srgbClr val="FF0000"/>
+                  </a:solidFill>
+                </a:rPr>
+                <a:t>t</a:t>
+              </a:r>
+            </a:p>
+          </p:txBody>
+        </p:sp>
+        <p:grpSp>
+          <p:nvGrpSpPr>
+            <p:cNvPr id="249" name="Groupe 248"/>
+            <p:cNvGrpSpPr/>
+            <p:nvPr/>
+          </p:nvGrpSpPr>
+          <p:grpSpPr>
+            <a:xfrm>
+              <a:off x="1052473" y="5348970"/>
+              <a:ext cx="2160241" cy="1329370"/>
+              <a:chOff x="1052473" y="5348970"/>
+              <a:chExt cx="2160241" cy="1329370"/>
+            </a:xfrm>
+          </p:grpSpPr>
+          <p:sp>
+            <p:nvSpPr>
+              <p:cNvPr id="250" name="ZoneTexte 249"/>
+              <p:cNvSpPr txBox="1"/>
+              <p:nvPr/>
+            </p:nvSpPr>
+            <p:spPr>
+              <a:xfrm>
+                <a:off x="1150164" y="6447508"/>
+                <a:ext cx="284052" cy="230832"/>
+              </a:xfrm>
+              <a:prstGeom prst="rect">
+                <a:avLst/>
+              </a:prstGeom>
+              <a:noFill/>
+            </p:spPr>
+            <p:txBody>
+              <a:bodyPr wrap="none" rtlCol="0">
+                <a:spAutoFit/>
+              </a:bodyPr>
+              <a:lstStyle/>
+              <a:p>
+                <a:r>
+                  <a:rPr lang="en-US" sz="900" dirty="0" smtClean="0">
+                    <a:solidFill>
+                      <a:srgbClr val="00B050"/>
+                    </a:solidFill>
+                  </a:rPr>
+                  <a:t>q</a:t>
+                </a:r>
+                <a:r>
+                  <a:rPr lang="en-US" sz="900" baseline="-25000" dirty="0">
+                    <a:solidFill>
+                      <a:srgbClr val="00B050"/>
+                    </a:solidFill>
+                  </a:rPr>
+                  <a:t>0</a:t>
+                </a:r>
+              </a:p>
+            </p:txBody>
+          </p:sp>
+          <p:cxnSp>
+            <p:nvCxnSpPr>
+              <p:cNvPr id="251" name="Connecteur droit 250"/>
+              <p:cNvCxnSpPr/>
+              <p:nvPr/>
+            </p:nvCxnSpPr>
+            <p:spPr>
+              <a:xfrm>
+                <a:off x="1052473" y="6648554"/>
+                <a:ext cx="2160241" cy="0"/>
+              </a:xfrm>
+              <a:prstGeom prst="line">
+                <a:avLst/>
+              </a:prstGeom>
+              <a:ln>
+                <a:solidFill>
+                  <a:schemeClr val="tx1"/>
+                </a:solidFill>
+              </a:ln>
+            </p:spPr>
+            <p:style>
+              <a:lnRef idx="1">
+                <a:schemeClr val="accent1"/>
+              </a:lnRef>
+              <a:fillRef idx="0">
+                <a:schemeClr val="accent1"/>
+              </a:fillRef>
+              <a:effectRef idx="0">
+                <a:schemeClr val="accent1"/>
+              </a:effectRef>
+              <a:fontRef idx="minor">
+                <a:schemeClr val="tx1"/>
+              </a:fontRef>
+            </p:style>
+          </p:cxnSp>
+          <p:cxnSp>
+            <p:nvCxnSpPr>
+              <p:cNvPr id="252" name="Connecteur droit 251"/>
+              <p:cNvCxnSpPr/>
+              <p:nvPr/>
+            </p:nvCxnSpPr>
+            <p:spPr>
+              <a:xfrm flipV="1">
+                <a:off x="1376509" y="6216506"/>
+                <a:ext cx="432048" cy="432048"/>
+              </a:xfrm>
+              <a:prstGeom prst="line">
+                <a:avLst/>
+              </a:prstGeom>
+            </p:spPr>
+            <p:style>
+              <a:lnRef idx="1">
+                <a:schemeClr val="accent1"/>
+              </a:lnRef>
+              <a:fillRef idx="0">
+                <a:schemeClr val="accent1"/>
+              </a:fillRef>
+              <a:effectRef idx="0">
+                <a:schemeClr val="accent1"/>
+              </a:effectRef>
+              <a:fontRef idx="minor">
+                <a:schemeClr val="tx1"/>
+              </a:fontRef>
+            </p:style>
+          </p:cxnSp>
+          <p:sp>
+            <p:nvSpPr>
+              <p:cNvPr id="253" name="Ellipse 252"/>
+              <p:cNvSpPr/>
+              <p:nvPr/>
+            </p:nvSpPr>
+            <p:spPr>
+              <a:xfrm>
+                <a:off x="1354594" y="6609761"/>
+                <a:ext cx="68579" cy="68579"/>
+              </a:xfrm>
+              <a:prstGeom prst="ellipse">
+                <a:avLst/>
+              </a:prstGeom>
+              <a:solidFill>
+                <a:srgbClr val="00B050"/>
+              </a:solidFill>
+              <a:ln>
+                <a:noFill/>
+              </a:ln>
+            </p:spPr>
+            <p:style>
+              <a:lnRef idx="2">
+                <a:schemeClr val="accent1">
+                  <a:shade val="50000"/>
+                </a:schemeClr>
+              </a:lnRef>
+              <a:fillRef idx="1">
+                <a:schemeClr val="accent1"/>
+              </a:fillRef>
+              <a:effectRef idx="0">
+                <a:schemeClr val="accent1"/>
+              </a:effectRef>
+              <a:fontRef idx="minor">
+                <a:schemeClr val="lt1"/>
+              </a:fontRef>
+            </p:style>
+            <p:txBody>
+              <a:bodyPr rtlCol="0" anchor="ctr"/>
+              <a:lstStyle/>
+              <a:p>
+                <a:pPr algn="ctr"/>
+                <a:endParaRPr lang="en-US" sz="2400"/>
+              </a:p>
+            </p:txBody>
+          </p:sp>
+          <p:sp>
+            <p:nvSpPr>
+              <p:cNvPr id="254" name="ZoneTexte 253"/>
+              <p:cNvSpPr txBox="1"/>
+              <p:nvPr/>
+            </p:nvSpPr>
+            <p:spPr>
+              <a:xfrm>
+                <a:off x="1354594" y="6200900"/>
+                <a:ext cx="271229" cy="230832"/>
+              </a:xfrm>
+              <a:prstGeom prst="rect">
+                <a:avLst/>
+              </a:prstGeom>
+              <a:noFill/>
+            </p:spPr>
+            <p:txBody>
+              <a:bodyPr wrap="none" rtlCol="0">
+                <a:spAutoFit/>
+              </a:bodyPr>
+              <a:lstStyle/>
+              <a:p>
+                <a:r>
+                  <a:rPr lang="en-US" sz="900" dirty="0">
+                    <a:solidFill>
+                      <a:schemeClr val="accent1"/>
+                    </a:solidFill>
+                  </a:rPr>
+                  <a:t>c</a:t>
+                </a:r>
+                <a:r>
+                  <a:rPr lang="en-US" sz="900" baseline="-25000" dirty="0" smtClean="0">
+                    <a:solidFill>
+                      <a:schemeClr val="accent1"/>
+                    </a:solidFill>
+                  </a:rPr>
+                  <a:t>0</a:t>
+                </a:r>
+                <a:endParaRPr lang="en-US" sz="900" baseline="-25000" dirty="0">
+                  <a:solidFill>
+                    <a:schemeClr val="accent1"/>
+                  </a:solidFill>
+                </a:endParaRPr>
+              </a:p>
+            </p:txBody>
+          </p:sp>
+          <p:cxnSp>
+            <p:nvCxnSpPr>
+              <p:cNvPr id="255" name="Connecteur droit 254"/>
+              <p:cNvCxnSpPr/>
+              <p:nvPr/>
+            </p:nvCxnSpPr>
+            <p:spPr>
+              <a:xfrm rot="21284489">
+                <a:off x="1831697" y="6187814"/>
+                <a:ext cx="537753" cy="107826"/>
+              </a:xfrm>
+              <a:prstGeom prst="line">
+                <a:avLst/>
+              </a:prstGeom>
+            </p:spPr>
+            <p:style>
+              <a:lnRef idx="1">
+                <a:schemeClr val="accent1"/>
+              </a:lnRef>
+              <a:fillRef idx="0">
+                <a:schemeClr val="accent1"/>
+              </a:fillRef>
+              <a:effectRef idx="0">
+                <a:schemeClr val="accent1"/>
+              </a:effectRef>
+              <a:fontRef idx="minor">
+                <a:schemeClr val="tx1"/>
+              </a:fontRef>
+            </p:style>
+          </p:cxnSp>
+          <p:sp>
+            <p:nvSpPr>
+              <p:cNvPr id="256" name="Ellipse 255"/>
+              <p:cNvSpPr/>
+              <p:nvPr/>
+            </p:nvSpPr>
+            <p:spPr>
+              <a:xfrm rot="21284489">
+                <a:off x="1791283" y="6178419"/>
+                <a:ext cx="68579" cy="68579"/>
+              </a:xfrm>
+              <a:prstGeom prst="ellipse">
+                <a:avLst/>
+              </a:prstGeom>
+              <a:solidFill>
+                <a:srgbClr val="00B050"/>
+              </a:solidFill>
+              <a:ln>
+                <a:noFill/>
+              </a:ln>
+            </p:spPr>
+            <p:style>
+              <a:lnRef idx="2">
+                <a:schemeClr val="accent1">
+                  <a:shade val="50000"/>
+                </a:schemeClr>
+              </a:lnRef>
+              <a:fillRef idx="1">
+                <a:schemeClr val="accent1"/>
+              </a:fillRef>
+              <a:effectRef idx="0">
+                <a:schemeClr val="accent1"/>
+              </a:effectRef>
+              <a:fontRef idx="minor">
+                <a:schemeClr val="lt1"/>
+              </a:fontRef>
+            </p:style>
+            <p:txBody>
+              <a:bodyPr rtlCol="0" anchor="ctr"/>
+              <a:lstStyle/>
+              <a:p>
+                <a:pPr algn="ctr"/>
+                <a:endParaRPr lang="en-US" sz="2400"/>
+              </a:p>
+            </p:txBody>
+          </p:sp>
+          <p:sp>
+            <p:nvSpPr>
+              <p:cNvPr id="257" name="Ellipse 256"/>
+              <p:cNvSpPr/>
+              <p:nvPr/>
+            </p:nvSpPr>
+            <p:spPr>
+              <a:xfrm rot="21284489">
+                <a:off x="2338971" y="6236481"/>
+                <a:ext cx="68579" cy="68579"/>
+              </a:xfrm>
+              <a:prstGeom prst="ellipse">
+                <a:avLst/>
+              </a:prstGeom>
+              <a:solidFill>
+                <a:srgbClr val="00B050"/>
+              </a:solidFill>
+              <a:ln>
+                <a:noFill/>
+              </a:ln>
+            </p:spPr>
+            <p:style>
+              <a:lnRef idx="2">
+                <a:schemeClr val="accent1">
+                  <a:shade val="50000"/>
+                </a:schemeClr>
+              </a:lnRef>
+              <a:fillRef idx="1">
+                <a:schemeClr val="accent1"/>
+              </a:fillRef>
+              <a:effectRef idx="0">
+                <a:schemeClr val="accent1"/>
+              </a:effectRef>
+              <a:fontRef idx="minor">
+                <a:schemeClr val="lt1"/>
+              </a:fontRef>
+            </p:style>
+            <p:txBody>
+              <a:bodyPr rtlCol="0" anchor="ctr"/>
+              <a:lstStyle/>
+              <a:p>
+                <a:pPr algn="ctr"/>
+                <a:endParaRPr lang="en-US" sz="2400"/>
+              </a:p>
+            </p:txBody>
+          </p:sp>
+          <p:grpSp>
+            <p:nvGrpSpPr>
+              <p:cNvPr id="258" name="Groupe 257"/>
+              <p:cNvGrpSpPr/>
+              <p:nvPr/>
+            </p:nvGrpSpPr>
+            <p:grpSpPr>
+              <a:xfrm rot="20690272">
+                <a:off x="2263524" y="5465667"/>
+                <a:ext cx="606245" cy="730636"/>
+                <a:chOff x="5220072" y="3934552"/>
+                <a:chExt cx="606245" cy="730636"/>
+              </a:xfrm>
+            </p:grpSpPr>
+            <p:cxnSp>
+              <p:nvCxnSpPr>
+                <p:cNvPr id="263" name="Connecteur droit 262"/>
+                <p:cNvCxnSpPr/>
+                <p:nvPr/>
+              </p:nvCxnSpPr>
+              <p:spPr>
+                <a:xfrm flipV="1">
+                  <a:off x="5220072" y="4449164"/>
+                  <a:ext cx="537753" cy="216024"/>
+                </a:xfrm>
+                <a:prstGeom prst="line">
+                  <a:avLst/>
+                </a:prstGeom>
+              </p:spPr>
+              <p:style>
+                <a:lnRef idx="1">
+                  <a:schemeClr val="accent1"/>
+                </a:lnRef>
+                <a:fillRef idx="0">
+                  <a:schemeClr val="accent1"/>
+                </a:fillRef>
+                <a:effectRef idx="0">
+                  <a:schemeClr val="accent1"/>
+                </a:effectRef>
+                <a:fontRef idx="minor">
+                  <a:schemeClr val="tx1"/>
+                </a:fontRef>
+              </p:style>
+            </p:cxnSp>
+            <p:cxnSp>
+              <p:nvCxnSpPr>
+                <p:cNvPr id="264" name="Connecteur droit 263"/>
+                <p:cNvCxnSpPr/>
+                <p:nvPr/>
+              </p:nvCxnSpPr>
+              <p:spPr>
+                <a:xfrm rot="909728" flipH="1" flipV="1">
+                  <a:off x="5632945" y="3934552"/>
+                  <a:ext cx="193372" cy="497993"/>
+                </a:xfrm>
+                <a:prstGeom prst="line">
+                  <a:avLst/>
+                </a:prstGeom>
+              </p:spPr>
+              <p:style>
+                <a:lnRef idx="1">
+                  <a:schemeClr val="accent1"/>
+                </a:lnRef>
+                <a:fillRef idx="0">
+                  <a:schemeClr val="accent1"/>
+                </a:fillRef>
+                <a:effectRef idx="0">
+                  <a:schemeClr val="accent1"/>
+                </a:effectRef>
+                <a:fontRef idx="minor">
+                  <a:schemeClr val="tx1"/>
+                </a:fontRef>
+              </p:style>
+            </p:cxnSp>
+            <p:sp>
+              <p:nvSpPr>
+                <p:cNvPr id="265" name="Ellipse 264"/>
+                <p:cNvSpPr/>
+                <p:nvPr/>
+              </p:nvSpPr>
+              <p:spPr>
+                <a:xfrm>
+                  <a:off x="5722665" y="4428938"/>
+                  <a:ext cx="68579" cy="68579"/>
+                </a:xfrm>
+                <a:prstGeom prst="ellipse">
+                  <a:avLst/>
+                </a:prstGeom>
+                <a:solidFill>
+                  <a:srgbClr val="00B050"/>
+                </a:solidFill>
+                <a:ln>
+                  <a:noFill/>
+                </a:ln>
+              </p:spPr>
+              <p:style>
+                <a:lnRef idx="2">
+                  <a:schemeClr val="accent1">
+                    <a:shade val="50000"/>
+                  </a:schemeClr>
+                </a:lnRef>
+                <a:fillRef idx="1">
+                  <a:schemeClr val="accent1"/>
+                </a:fillRef>
+                <a:effectRef idx="0">
+                  <a:schemeClr val="accent1"/>
+                </a:effectRef>
+                <a:fontRef idx="minor">
+                  <a:schemeClr val="lt1"/>
+                </a:fontRef>
+              </p:style>
+              <p:txBody>
+                <a:bodyPr rtlCol="0" anchor="ctr"/>
+                <a:lstStyle/>
+                <a:p>
+                  <a:pPr algn="ctr"/>
+                  <a:endParaRPr lang="en-US" sz="2400"/>
+                </a:p>
+              </p:txBody>
+            </p:sp>
+          </p:grpSp>
+          <p:sp>
+            <p:nvSpPr>
+              <p:cNvPr id="259" name="ZoneTexte 258"/>
+              <p:cNvSpPr txBox="1"/>
+              <p:nvPr/>
+            </p:nvSpPr>
+            <p:spPr>
+              <a:xfrm>
+                <a:off x="2754275" y="5472478"/>
+                <a:ext cx="242375" cy="230832"/>
+              </a:xfrm>
+              <a:prstGeom prst="rect">
+                <a:avLst/>
+              </a:prstGeom>
+              <a:noFill/>
+            </p:spPr>
+            <p:txBody>
+              <a:bodyPr wrap="none" rtlCol="0">
+                <a:spAutoFit/>
+              </a:bodyPr>
+              <a:lstStyle/>
+              <a:p>
+                <a:r>
+                  <a:rPr lang="en-US" sz="900" dirty="0" smtClean="0">
+                    <a:solidFill>
+                      <a:schemeClr val="accent1"/>
+                    </a:solidFill>
+                  </a:rPr>
+                  <a:t>e</a:t>
+                </a:r>
+                <a:endParaRPr lang="en-US" sz="900" baseline="-25000" dirty="0">
+                  <a:solidFill>
+                    <a:schemeClr val="accent1"/>
+                  </a:solidFill>
+                </a:endParaRPr>
+              </a:p>
+            </p:txBody>
+          </p:sp>
+          <p:cxnSp>
+            <p:nvCxnSpPr>
+              <p:cNvPr id="260" name="Connecteur droit 259"/>
+              <p:cNvCxnSpPr/>
+              <p:nvPr/>
+            </p:nvCxnSpPr>
+            <p:spPr>
+              <a:xfrm>
+                <a:off x="2597042" y="5348970"/>
+                <a:ext cx="43844" cy="51445"/>
+              </a:xfrm>
+              <a:prstGeom prst="line">
+                <a:avLst/>
+              </a:prstGeom>
+              <a:ln>
+                <a:solidFill>
+                  <a:srgbClr val="FF0000"/>
+                </a:solidFill>
+              </a:ln>
+            </p:spPr>
+            <p:style>
+              <a:lnRef idx="1">
+                <a:schemeClr val="accent1"/>
+              </a:lnRef>
+              <a:fillRef idx="0">
+                <a:schemeClr val="accent1"/>
+              </a:fillRef>
+              <a:effectRef idx="0">
+                <a:schemeClr val="accent1"/>
+              </a:effectRef>
+              <a:fontRef idx="minor">
+                <a:schemeClr val="tx1"/>
+              </a:fontRef>
+            </p:style>
+          </p:cxnSp>
+          <p:cxnSp>
+            <p:nvCxnSpPr>
+              <p:cNvPr id="261" name="Connecteur droit 260"/>
+              <p:cNvCxnSpPr/>
+              <p:nvPr/>
+            </p:nvCxnSpPr>
+            <p:spPr>
+              <a:xfrm flipV="1">
+                <a:off x="2604924" y="5348971"/>
+                <a:ext cx="35962" cy="51444"/>
+              </a:xfrm>
+              <a:prstGeom prst="line">
+                <a:avLst/>
+              </a:prstGeom>
+              <a:ln>
+                <a:solidFill>
+                  <a:srgbClr val="FF0000"/>
+                </a:solidFill>
+              </a:ln>
+            </p:spPr>
+            <p:style>
+              <a:lnRef idx="1">
+                <a:schemeClr val="accent1"/>
+              </a:lnRef>
+              <a:fillRef idx="0">
+                <a:schemeClr val="accent1"/>
+              </a:fillRef>
+              <a:effectRef idx="0">
+                <a:schemeClr val="accent1"/>
+              </a:effectRef>
+              <a:fontRef idx="minor">
+                <a:schemeClr val="tx1"/>
+              </a:fontRef>
+            </p:style>
+          </p:cxnSp>
+        </p:grpSp>
+      </p:grpSp>
+      <p:cxnSp>
+        <p:nvCxnSpPr>
+          <p:cNvPr id="270" name="Connecteur droit 269"/>
+          <p:cNvCxnSpPr/>
+          <p:nvPr/>
+        </p:nvCxnSpPr>
+        <p:spPr>
+          <a:xfrm flipH="1" flipV="1">
+            <a:off x="7080250" y="2711450"/>
+            <a:ext cx="260562" cy="366244"/>
+          </a:xfrm>
+          <a:prstGeom prst="line">
+            <a:avLst/>
+          </a:prstGeom>
+          <a:ln>
+            <a:solidFill>
+              <a:schemeClr val="tx1"/>
+            </a:solidFill>
+            <a:tailEnd type="triangle"/>
+          </a:ln>
+        </p:spPr>
+        <p:style>
+          <a:lnRef idx="1">
+            <a:schemeClr val="accent1"/>
+          </a:lnRef>
+          <a:fillRef idx="0">
+            <a:schemeClr val="accent1"/>
+          </a:fillRef>
+          <a:effectRef idx="0">
+            <a:schemeClr val="accent1"/>
+          </a:effectRef>
+          <a:fontRef idx="minor">
+            <a:schemeClr val="tx1"/>
+          </a:fontRef>
+        </p:style>
+      </p:cxnSp>
+      <p:sp>
+        <p:nvSpPr>
+          <p:cNvPr id="280" name="Arc 279"/>
+          <p:cNvSpPr/>
+          <p:nvPr/>
+        </p:nvSpPr>
+        <p:spPr>
+          <a:xfrm rot="9485922">
+            <a:off x="1821179" y="4630615"/>
+            <a:ext cx="324035" cy="294314"/>
+          </a:xfrm>
+          <a:prstGeom prst="arc">
+            <a:avLst>
+              <a:gd name="adj1" fmla="val 7613178"/>
+              <a:gd name="adj2" fmla="val 8427931"/>
+            </a:avLst>
+          </a:prstGeom>
+          <a:ln>
+            <a:solidFill>
+              <a:srgbClr val="7030A0"/>
+            </a:solidFill>
+            <a:headEnd type="none"/>
+            <a:tailEnd type="none"/>
+          </a:ln>
+        </p:spPr>
+        <p:style>
+          <a:lnRef idx="1">
+            <a:schemeClr val="accent1"/>
+          </a:lnRef>
+          <a:fillRef idx="0">
+            <a:schemeClr val="accent1"/>
+          </a:fillRef>
+          <a:effectRef idx="0">
+            <a:schemeClr val="accent1"/>
+          </a:effectRef>
+          <a:fontRef idx="minor">
+            <a:schemeClr val="tx1"/>
+          </a:fontRef>
+        </p:style>
+        <p:txBody>
+          <a:bodyPr rtlCol="0" anchor="ctr"/>
+          <a:lstStyle/>
+          <a:p>
+            <a:pPr algn="ctr"/>
+            <a:endParaRPr lang="en-US" sz="2400">
+              <a:solidFill>
+                <a:srgbClr val="7030A0"/>
+              </a:solidFill>
+            </a:endParaRPr>
+          </a:p>
+        </p:txBody>
+      </p:sp>
+      <p:sp>
+        <p:nvSpPr>
+          <p:cNvPr id="282" name="ZoneTexte 281"/>
+          <p:cNvSpPr txBox="1"/>
+          <p:nvPr/>
+        </p:nvSpPr>
+        <p:spPr>
+          <a:xfrm>
+            <a:off x="4518752" y="4221088"/>
+            <a:ext cx="229550" cy="253916"/>
+          </a:xfrm>
+          <a:prstGeom prst="rect">
+            <a:avLst/>
+          </a:prstGeom>
+          <a:noFill/>
+        </p:spPr>
+        <p:txBody>
+          <a:bodyPr wrap="none" rtlCol="0">
+            <a:spAutoFit/>
+          </a:bodyPr>
+          <a:lstStyle/>
+          <a:p>
+            <a:r>
+              <a:rPr lang="en-US" sz="1050" dirty="0">
+                <a:solidFill>
+                  <a:srgbClr val="FF0000"/>
+                </a:solidFill>
+              </a:rPr>
+              <a:t>t</a:t>
+            </a:r>
+          </a:p>
+        </p:txBody>
+      </p:sp>
+      <p:sp>
+        <p:nvSpPr>
+          <p:cNvPr id="284" name="ZoneTexte 283"/>
+          <p:cNvSpPr txBox="1"/>
+          <p:nvPr/>
+        </p:nvSpPr>
+        <p:spPr>
+          <a:xfrm>
+            <a:off x="3104570" y="5508535"/>
+            <a:ext cx="284052" cy="230832"/>
+          </a:xfrm>
+          <a:prstGeom prst="rect">
+            <a:avLst/>
+          </a:prstGeom>
+          <a:noFill/>
+        </p:spPr>
+        <p:txBody>
+          <a:bodyPr wrap="none" rtlCol="0">
+            <a:spAutoFit/>
+          </a:bodyPr>
+          <a:lstStyle/>
+          <a:p>
+            <a:r>
+              <a:rPr lang="en-US" sz="900" dirty="0" smtClean="0">
+                <a:solidFill>
+                  <a:srgbClr val="00B050"/>
+                </a:solidFill>
+              </a:rPr>
+              <a:t>q</a:t>
+            </a:r>
+            <a:r>
+              <a:rPr lang="en-US" sz="900" baseline="-25000" dirty="0">
+                <a:solidFill>
+                  <a:srgbClr val="00B050"/>
+                </a:solidFill>
+              </a:rPr>
+              <a:t>0</a:t>
+            </a:r>
+          </a:p>
+        </p:txBody>
+      </p:sp>
+      <p:cxnSp>
+        <p:nvCxnSpPr>
+          <p:cNvPr id="285" name="Connecteur droit 284"/>
+          <p:cNvCxnSpPr/>
+          <p:nvPr/>
+        </p:nvCxnSpPr>
+        <p:spPr>
+          <a:xfrm>
+            <a:off x="3006879" y="5709581"/>
+            <a:ext cx="2160241" cy="0"/>
+          </a:xfrm>
+          <a:prstGeom prst="line">
+            <a:avLst/>
+          </a:prstGeom>
+          <a:ln>
+            <a:solidFill>
+              <a:schemeClr val="tx1"/>
+            </a:solidFill>
+          </a:ln>
+        </p:spPr>
+        <p:style>
+          <a:lnRef idx="1">
+            <a:schemeClr val="accent1"/>
+          </a:lnRef>
+          <a:fillRef idx="0">
+            <a:schemeClr val="accent1"/>
+          </a:fillRef>
+          <a:effectRef idx="0">
+            <a:schemeClr val="accent1"/>
+          </a:effectRef>
+          <a:fontRef idx="minor">
+            <a:schemeClr val="tx1"/>
+          </a:fontRef>
+        </p:style>
+      </p:cxnSp>
+      <p:cxnSp>
+        <p:nvCxnSpPr>
+          <p:cNvPr id="286" name="Connecteur droit 285"/>
+          <p:cNvCxnSpPr/>
+          <p:nvPr/>
+        </p:nvCxnSpPr>
+        <p:spPr>
+          <a:xfrm flipV="1">
+            <a:off x="3330915" y="5277533"/>
+            <a:ext cx="432048" cy="432048"/>
+          </a:xfrm>
+          <a:prstGeom prst="line">
+            <a:avLst/>
+          </a:prstGeom>
+        </p:spPr>
+        <p:style>
+          <a:lnRef idx="1">
+            <a:schemeClr val="accent1"/>
+          </a:lnRef>
+          <a:fillRef idx="0">
+            <a:schemeClr val="accent1"/>
+          </a:fillRef>
+          <a:effectRef idx="0">
+            <a:schemeClr val="accent1"/>
+          </a:effectRef>
+          <a:fontRef idx="minor">
+            <a:schemeClr val="tx1"/>
+          </a:fontRef>
+        </p:style>
+      </p:cxnSp>
+      <p:sp>
+        <p:nvSpPr>
+          <p:cNvPr id="287" name="Ellipse 286"/>
+          <p:cNvSpPr/>
+          <p:nvPr/>
+        </p:nvSpPr>
+        <p:spPr>
+          <a:xfrm>
+            <a:off x="3309000" y="5670788"/>
+            <a:ext cx="68579" cy="68579"/>
+          </a:xfrm>
+          <a:prstGeom prst="ellipse">
+            <a:avLst/>
+          </a:prstGeom>
+          <a:solidFill>
+            <a:srgbClr val="00B050"/>
+          </a:solidFill>
+          <a:ln>
+            <a:noFill/>
+          </a:ln>
+        </p:spPr>
+        <p:style>
+          <a:lnRef idx="2">
+            <a:schemeClr val="accent1">
+              <a:shade val="50000"/>
+            </a:schemeClr>
+          </a:lnRef>
+          <a:fillRef idx="1">
+            <a:schemeClr val="accent1"/>
+          </a:fillRef>
+          <a:effectRef idx="0">
+            <a:schemeClr val="accent1"/>
+          </a:effectRef>
+          <a:fontRef idx="minor">
+            <a:schemeClr val="lt1"/>
+          </a:fontRef>
+        </p:style>
+        <p:txBody>
+          <a:bodyPr rtlCol="0" anchor="ctr"/>
+          <a:lstStyle/>
+          <a:p>
+            <a:pPr algn="ctr"/>
+            <a:endParaRPr lang="en-US" sz="2400"/>
+          </a:p>
+        </p:txBody>
+      </p:sp>
+      <p:sp>
+        <p:nvSpPr>
+          <p:cNvPr id="288" name="ZoneTexte 287"/>
+          <p:cNvSpPr txBox="1"/>
+          <p:nvPr/>
+        </p:nvSpPr>
+        <p:spPr>
+          <a:xfrm>
+            <a:off x="3309000" y="5261927"/>
+            <a:ext cx="271229" cy="230832"/>
+          </a:xfrm>
+          <a:prstGeom prst="rect">
+            <a:avLst/>
+          </a:prstGeom>
+          <a:noFill/>
+        </p:spPr>
+        <p:txBody>
+          <a:bodyPr wrap="none" rtlCol="0">
+            <a:spAutoFit/>
+          </a:bodyPr>
+          <a:lstStyle/>
+          <a:p>
+            <a:r>
+              <a:rPr lang="en-US" sz="900" dirty="0">
+                <a:solidFill>
+                  <a:schemeClr val="accent1"/>
+                </a:solidFill>
+              </a:rPr>
+              <a:t>c</a:t>
+            </a:r>
+            <a:r>
+              <a:rPr lang="en-US" sz="900" baseline="-25000" dirty="0" smtClean="0">
+                <a:solidFill>
+                  <a:schemeClr val="accent1"/>
+                </a:solidFill>
+              </a:rPr>
+              <a:t>0</a:t>
+            </a:r>
+            <a:endParaRPr lang="en-US" sz="900" baseline="-25000" dirty="0">
+              <a:solidFill>
+                <a:schemeClr val="accent1"/>
+              </a:solidFill>
+            </a:endParaRPr>
+          </a:p>
+        </p:txBody>
+      </p:sp>
+      <p:cxnSp>
+        <p:nvCxnSpPr>
+          <p:cNvPr id="289" name="Connecteur droit 288"/>
+          <p:cNvCxnSpPr/>
+          <p:nvPr/>
+        </p:nvCxnSpPr>
+        <p:spPr>
+          <a:xfrm rot="21284489">
+            <a:off x="3786103" y="5248841"/>
+            <a:ext cx="537753" cy="107826"/>
+          </a:xfrm>
+          <a:prstGeom prst="line">
+            <a:avLst/>
+          </a:prstGeom>
+        </p:spPr>
+        <p:style>
+          <a:lnRef idx="1">
+            <a:schemeClr val="accent1"/>
+          </a:lnRef>
+          <a:fillRef idx="0">
+            <a:schemeClr val="accent1"/>
+          </a:fillRef>
+          <a:effectRef idx="0">
+            <a:schemeClr val="accent1"/>
+          </a:effectRef>
+          <a:fontRef idx="minor">
+            <a:schemeClr val="tx1"/>
+          </a:fontRef>
+        </p:style>
+      </p:cxnSp>
+      <p:sp>
+        <p:nvSpPr>
+          <p:cNvPr id="290" name="Ellipse 289"/>
+          <p:cNvSpPr/>
+          <p:nvPr/>
+        </p:nvSpPr>
+        <p:spPr>
+          <a:xfrm rot="21284489">
+            <a:off x="3745689" y="5239446"/>
+            <a:ext cx="68579" cy="68579"/>
+          </a:xfrm>
+          <a:prstGeom prst="ellipse">
+            <a:avLst/>
+          </a:prstGeom>
+          <a:solidFill>
+            <a:srgbClr val="00B050"/>
+          </a:solidFill>
+          <a:ln>
+            <a:noFill/>
+          </a:ln>
+        </p:spPr>
+        <p:style>
+          <a:lnRef idx="2">
+            <a:schemeClr val="accent1">
+              <a:shade val="50000"/>
+            </a:schemeClr>
+          </a:lnRef>
+          <a:fillRef idx="1">
+            <a:schemeClr val="accent1"/>
+          </a:fillRef>
+          <a:effectRef idx="0">
+            <a:schemeClr val="accent1"/>
+          </a:effectRef>
+          <a:fontRef idx="minor">
+            <a:schemeClr val="lt1"/>
+          </a:fontRef>
+        </p:style>
+        <p:txBody>
+          <a:bodyPr rtlCol="0" anchor="ctr"/>
+          <a:lstStyle/>
+          <a:p>
+            <a:pPr algn="ctr"/>
+            <a:endParaRPr lang="en-US" sz="2400"/>
+          </a:p>
+        </p:txBody>
+      </p:sp>
+      <p:sp>
+        <p:nvSpPr>
+          <p:cNvPr id="291" name="Ellipse 290"/>
+          <p:cNvSpPr/>
+          <p:nvPr/>
+        </p:nvSpPr>
+        <p:spPr>
+          <a:xfrm rot="21100247">
+            <a:off x="4293377" y="5297508"/>
+            <a:ext cx="68579" cy="68579"/>
+          </a:xfrm>
+          <a:prstGeom prst="ellipse">
+            <a:avLst/>
+          </a:prstGeom>
+          <a:solidFill>
+            <a:srgbClr val="00B050"/>
+          </a:solidFill>
+          <a:ln>
+            <a:noFill/>
+          </a:ln>
+        </p:spPr>
+        <p:style>
+          <a:lnRef idx="2">
+            <a:schemeClr val="accent1">
+              <a:shade val="50000"/>
+            </a:schemeClr>
+          </a:lnRef>
+          <a:fillRef idx="1">
+            <a:schemeClr val="accent1"/>
+          </a:fillRef>
+          <a:effectRef idx="0">
+            <a:schemeClr val="accent1"/>
+          </a:effectRef>
+          <a:fontRef idx="minor">
+            <a:schemeClr val="lt1"/>
+          </a:fontRef>
+        </p:style>
+        <p:txBody>
+          <a:bodyPr rtlCol="0" anchor="ctr"/>
+          <a:lstStyle/>
+          <a:p>
+            <a:pPr algn="ctr"/>
+            <a:endParaRPr lang="en-US" sz="2400"/>
+          </a:p>
+        </p:txBody>
+      </p:sp>
+      <p:grpSp>
+        <p:nvGrpSpPr>
+          <p:cNvPr id="292" name="Groupe 291"/>
+          <p:cNvGrpSpPr/>
+          <p:nvPr/>
+        </p:nvGrpSpPr>
+        <p:grpSpPr>
+          <a:xfrm rot="20506030">
+            <a:off x="4211579" y="4507645"/>
+            <a:ext cx="606245" cy="730636"/>
+            <a:chOff x="5220072" y="3934552"/>
+            <a:chExt cx="606245" cy="730636"/>
+          </a:xfrm>
+        </p:grpSpPr>
+        <p:cxnSp>
+          <p:nvCxnSpPr>
+            <p:cNvPr id="297" name="Connecteur droit 296"/>
+            <p:cNvCxnSpPr/>
+            <p:nvPr/>
+          </p:nvCxnSpPr>
+          <p:spPr>
+            <a:xfrm flipV="1">
+              <a:off x="5220072" y="4449164"/>
+              <a:ext cx="537753" cy="216024"/>
+            </a:xfrm>
+            <a:prstGeom prst="line">
+              <a:avLst/>
+            </a:prstGeom>
+          </p:spPr>
+          <p:style>
+            <a:lnRef idx="1">
+              <a:schemeClr val="accent1"/>
+            </a:lnRef>
+            <a:fillRef idx="0">
+              <a:schemeClr val="accent1"/>
+            </a:fillRef>
+            <a:effectRef idx="0">
+              <a:schemeClr val="accent1"/>
+            </a:effectRef>
+            <a:fontRef idx="minor">
+              <a:schemeClr val="tx1"/>
+            </a:fontRef>
+          </p:style>
+        </p:cxnSp>
+        <p:cxnSp>
+          <p:nvCxnSpPr>
+            <p:cNvPr id="298" name="Connecteur droit 297"/>
+            <p:cNvCxnSpPr/>
+            <p:nvPr/>
+          </p:nvCxnSpPr>
+          <p:spPr>
+            <a:xfrm rot="909728" flipH="1" flipV="1">
+              <a:off x="5632945" y="3934552"/>
+              <a:ext cx="193372" cy="497993"/>
+            </a:xfrm>
+            <a:prstGeom prst="line">
+              <a:avLst/>
+            </a:prstGeom>
+          </p:spPr>
+          <p:style>
+            <a:lnRef idx="1">
+              <a:schemeClr val="accent1"/>
+            </a:lnRef>
+            <a:fillRef idx="0">
+              <a:schemeClr val="accent1"/>
+            </a:fillRef>
+            <a:effectRef idx="0">
+              <a:schemeClr val="accent1"/>
+            </a:effectRef>
+            <a:fontRef idx="minor">
+              <a:schemeClr val="tx1"/>
+            </a:fontRef>
+          </p:style>
+        </p:cxnSp>
+        <p:sp>
+          <p:nvSpPr>
+            <p:cNvPr id="299" name="Ellipse 298"/>
+            <p:cNvSpPr/>
+            <p:nvPr/>
+          </p:nvSpPr>
+          <p:spPr>
+            <a:xfrm>
+              <a:off x="5722665" y="4428938"/>
+              <a:ext cx="68579" cy="68579"/>
+            </a:xfrm>
+            <a:prstGeom prst="ellipse">
+              <a:avLst/>
+            </a:prstGeom>
+            <a:solidFill>
+              <a:srgbClr val="00B050"/>
+            </a:solidFill>
+            <a:ln>
+              <a:noFill/>
+            </a:ln>
+          </p:spPr>
+          <p:style>
+            <a:lnRef idx="2">
+              <a:schemeClr val="accent1">
+                <a:shade val="50000"/>
+              </a:schemeClr>
+            </a:lnRef>
+            <a:fillRef idx="1">
+              <a:schemeClr val="accent1"/>
+            </a:fillRef>
+            <a:effectRef idx="0">
+              <a:schemeClr val="accent1"/>
+            </a:effectRef>
+            <a:fontRef idx="minor">
+              <a:schemeClr val="lt1"/>
+            </a:fontRef>
+          </p:style>
+          <p:txBody>
+            <a:bodyPr rtlCol="0" anchor="ctr"/>
+            <a:lstStyle/>
+            <a:p>
+              <a:pPr algn="ctr"/>
+              <a:endParaRPr lang="en-US" sz="2400"/>
+            </a:p>
+          </p:txBody>
+        </p:sp>
+      </p:grpSp>
+      <p:sp>
+        <p:nvSpPr>
+          <p:cNvPr id="293" name="ZoneTexte 292"/>
+          <p:cNvSpPr txBox="1"/>
+          <p:nvPr/>
+        </p:nvSpPr>
+        <p:spPr>
+          <a:xfrm>
+            <a:off x="4399821" y="4434603"/>
+            <a:ext cx="242375" cy="230832"/>
+          </a:xfrm>
+          <a:prstGeom prst="rect">
+            <a:avLst/>
+          </a:prstGeom>
+          <a:noFill/>
+        </p:spPr>
+        <p:txBody>
+          <a:bodyPr wrap="none" rtlCol="0">
+            <a:spAutoFit/>
+          </a:bodyPr>
+          <a:lstStyle/>
+          <a:p>
+            <a:r>
+              <a:rPr lang="en-US" sz="900" dirty="0" smtClean="0">
+                <a:solidFill>
+                  <a:schemeClr val="accent1"/>
+                </a:solidFill>
+              </a:rPr>
+              <a:t>e</a:t>
+            </a:r>
+            <a:endParaRPr lang="en-US" sz="900" baseline="-25000" dirty="0">
+              <a:solidFill>
+                <a:schemeClr val="accent1"/>
+              </a:solidFill>
+            </a:endParaRPr>
+          </a:p>
+        </p:txBody>
+      </p:sp>
+      <p:cxnSp>
+        <p:nvCxnSpPr>
+          <p:cNvPr id="294" name="Connecteur droit 293"/>
+          <p:cNvCxnSpPr/>
+          <p:nvPr/>
+        </p:nvCxnSpPr>
+        <p:spPr>
+          <a:xfrm>
+            <a:off x="4551448" y="4409997"/>
+            <a:ext cx="43844" cy="51445"/>
+          </a:xfrm>
+          <a:prstGeom prst="line">
+            <a:avLst/>
+          </a:prstGeom>
+          <a:ln>
+            <a:solidFill>
+              <a:srgbClr val="FF0000"/>
+            </a:solidFill>
+          </a:ln>
+        </p:spPr>
+        <p:style>
+          <a:lnRef idx="1">
+            <a:schemeClr val="accent1"/>
+          </a:lnRef>
+          <a:fillRef idx="0">
+            <a:schemeClr val="accent1"/>
+          </a:fillRef>
+          <a:effectRef idx="0">
+            <a:schemeClr val="accent1"/>
+          </a:effectRef>
+          <a:fontRef idx="minor">
+            <a:schemeClr val="tx1"/>
+          </a:fontRef>
+        </p:style>
+      </p:cxnSp>
+      <p:cxnSp>
+        <p:nvCxnSpPr>
+          <p:cNvPr id="295" name="Connecteur droit 294"/>
+          <p:cNvCxnSpPr/>
+          <p:nvPr/>
+        </p:nvCxnSpPr>
+        <p:spPr>
+          <a:xfrm flipV="1">
+            <a:off x="4559330" y="4409998"/>
+            <a:ext cx="35962" cy="51444"/>
+          </a:xfrm>
+          <a:prstGeom prst="line">
+            <a:avLst/>
+          </a:prstGeom>
+          <a:ln>
+            <a:solidFill>
+              <a:srgbClr val="FF0000"/>
+            </a:solidFill>
+          </a:ln>
+        </p:spPr>
+        <p:style>
+          <a:lnRef idx="1">
+            <a:schemeClr val="accent1"/>
+          </a:lnRef>
+          <a:fillRef idx="0">
+            <a:schemeClr val="accent1"/>
+          </a:fillRef>
+          <a:effectRef idx="0">
+            <a:schemeClr val="accent1"/>
+          </a:effectRef>
+          <a:fontRef idx="minor">
+            <a:schemeClr val="tx1"/>
+          </a:fontRef>
+        </p:style>
+      </p:cxnSp>
+      <p:sp>
+        <p:nvSpPr>
+          <p:cNvPr id="303" name="Arc 302"/>
+          <p:cNvSpPr/>
+          <p:nvPr/>
+        </p:nvSpPr>
+        <p:spPr>
+          <a:xfrm rot="14822997">
+            <a:off x="1638673" y="5163867"/>
+            <a:ext cx="324035" cy="294314"/>
+          </a:xfrm>
+          <a:prstGeom prst="arc">
+            <a:avLst>
+              <a:gd name="adj1" fmla="val 5951023"/>
+              <a:gd name="adj2" fmla="val 9627367"/>
+            </a:avLst>
+          </a:prstGeom>
+          <a:ln>
+            <a:solidFill>
+              <a:srgbClr val="7030A0"/>
+            </a:solidFill>
+            <a:headEnd type="triangle"/>
+            <a:tailEnd type="none"/>
+          </a:ln>
+        </p:spPr>
+        <p:style>
+          <a:lnRef idx="1">
+            <a:schemeClr val="accent1"/>
+          </a:lnRef>
+          <a:fillRef idx="0">
+            <a:schemeClr val="accent1"/>
+          </a:fillRef>
+          <a:effectRef idx="0">
+            <a:schemeClr val="accent1"/>
+          </a:effectRef>
+          <a:fontRef idx="minor">
+            <a:schemeClr val="tx1"/>
+          </a:fontRef>
+        </p:style>
+        <p:txBody>
+          <a:bodyPr rtlCol="0" anchor="ctr"/>
+          <a:lstStyle/>
+          <a:p>
+            <a:pPr algn="ctr"/>
+            <a:endParaRPr lang="en-US" sz="2400">
+              <a:solidFill>
+                <a:srgbClr val="7030A0"/>
+              </a:solidFill>
+            </a:endParaRPr>
+          </a:p>
+        </p:txBody>
+      </p:sp>
+      <p:sp>
+        <p:nvSpPr>
+          <p:cNvPr id="304" name="ZoneTexte 303"/>
+          <p:cNvSpPr txBox="1"/>
+          <p:nvPr/>
+        </p:nvSpPr>
+        <p:spPr>
+          <a:xfrm>
+            <a:off x="7153967" y="3066065"/>
+            <a:ext cx="284052" cy="230832"/>
+          </a:xfrm>
+          <a:prstGeom prst="rect">
+            <a:avLst/>
+          </a:prstGeom>
+          <a:noFill/>
+        </p:spPr>
+        <p:txBody>
+          <a:bodyPr wrap="none" rtlCol="0">
+            <a:spAutoFit/>
+          </a:bodyPr>
+          <a:lstStyle/>
+          <a:p>
+            <a:r>
+              <a:rPr lang="en-US" sz="900" dirty="0" smtClean="0">
+                <a:solidFill>
+                  <a:srgbClr val="00B050"/>
+                </a:solidFill>
+              </a:rPr>
+              <a:t>q</a:t>
+            </a:r>
+            <a:r>
+              <a:rPr lang="en-US" sz="900" baseline="-25000" dirty="0">
+                <a:solidFill>
+                  <a:srgbClr val="00B050"/>
+                </a:solidFill>
+              </a:rPr>
+              <a:t>3</a:t>
+            </a:r>
+            <a:endParaRPr lang="en-US" sz="900" baseline="-25000" dirty="0">
+              <a:solidFill>
+                <a:srgbClr val="00B050"/>
+              </a:solidFill>
+            </a:endParaRPr>
+          </a:p>
+        </p:txBody>
+      </p:sp>
+      <p:sp>
+        <p:nvSpPr>
+          <p:cNvPr id="305" name="ZoneTexte 304"/>
+          <p:cNvSpPr txBox="1"/>
+          <p:nvPr/>
+        </p:nvSpPr>
+        <p:spPr>
+          <a:xfrm>
+            <a:off x="1602699" y="5261927"/>
+            <a:ext cx="284052" cy="323165"/>
+          </a:xfrm>
+          <a:prstGeom prst="rect">
+            <a:avLst/>
+          </a:prstGeom>
+          <a:noFill/>
+        </p:spPr>
+        <p:txBody>
+          <a:bodyPr wrap="none" rtlCol="0">
+            <a:spAutoFit/>
+          </a:bodyPr>
+          <a:lstStyle/>
+          <a:p>
+            <a:r>
+              <a:rPr lang="en-US" sz="900" dirty="0" smtClean="0">
+                <a:solidFill>
+                  <a:srgbClr val="00B050"/>
+                </a:solidFill>
+              </a:rPr>
+              <a:t>q</a:t>
+            </a:r>
+            <a:r>
+              <a:rPr lang="en-US" sz="900" baseline="-25000" dirty="0" smtClean="0">
+                <a:solidFill>
+                  <a:srgbClr val="00B050"/>
+                </a:solidFill>
+              </a:rPr>
+              <a:t>2</a:t>
+            </a:r>
+          </a:p>
+          <a:p>
+            <a:endParaRPr lang="en-US" sz="900" baseline="-25000" dirty="0">
+              <a:solidFill>
+                <a:srgbClr val="00B050"/>
+              </a:solidFill>
+            </a:endParaRPr>
+          </a:p>
+        </p:txBody>
+      </p:sp>
+      <p:sp>
+        <p:nvSpPr>
+          <p:cNvPr id="306" name="ZoneTexte 305"/>
+          <p:cNvSpPr txBox="1"/>
+          <p:nvPr/>
+        </p:nvSpPr>
+        <p:spPr>
+          <a:xfrm>
+            <a:off x="5915362" y="4737690"/>
+            <a:ext cx="1617687" cy="369332"/>
+          </a:xfrm>
+          <a:prstGeom prst="rect">
+            <a:avLst/>
+          </a:prstGeom>
+          <a:noFill/>
+        </p:spPr>
+        <p:txBody>
+          <a:bodyPr wrap="none" rtlCol="0">
+            <a:spAutoFit/>
+          </a:bodyPr>
+          <a:lstStyle/>
+          <a:p>
+            <a:r>
+              <a:rPr lang="en-US" i="1" dirty="0" smtClean="0"/>
+              <a:t>d(</a:t>
+            </a:r>
+            <a:r>
+              <a:rPr lang="en-US" i="1" dirty="0" err="1" smtClean="0"/>
+              <a:t>e,t</a:t>
+            </a:r>
+            <a:r>
+              <a:rPr lang="en-US" i="1" dirty="0" smtClean="0"/>
+              <a:t>) &lt; </a:t>
+            </a:r>
+            <a:r>
+              <a:rPr lang="el-GR" i="1" dirty="0" smtClean="0">
+                <a:latin typeface="Calibri"/>
+                <a:cs typeface="Calibri"/>
+              </a:rPr>
+              <a:t>ε</a:t>
+            </a:r>
+            <a:r>
+              <a:rPr lang="en-US" i="1" dirty="0" smtClean="0"/>
+              <a:t> ? Ok !</a:t>
+            </a:r>
+            <a:endParaRPr lang="en-US" i="1" dirty="0"/>
+          </a:p>
+        </p:txBody>
+      </p:sp>
+    </p:spTree>
+    <p:extLst>
+      <p:ext uri="{BB962C8B-B14F-4D97-AF65-F5344CB8AC3E}">
+        <p14:creationId xmlns:p14="http://schemas.microsoft.com/office/powerpoint/2010/main" val="2035519668"/>
+      </p:ext>
+    </p:extLst>
+  </p:cSld>
+  <p:clrMapOvr>
+    <a:masterClrMapping/>
+  </p:clrMapOvr>
+</p:sld>
+</file>
+
 <file path=ppt/theme/theme1.xml><?xml version="1.0" encoding="utf-8"?>
 <a:theme xmlns:a="http://schemas.openxmlformats.org/drawingml/2006/main" name="Thème Office">
   <a:themeElements>
